--- a/Eva Mittelstufenprojekt.pptx
+++ b/Eva Mittelstufenprojekt.pptx
@@ -5,7 +5,7 @@
     <p:sldMasterId id="2147483648" r:id="rId2"/>
   </p:sldMasterIdLst>
   <p:notesMasterIdLst>
-    <p:notesMasterId r:id="rId18"/>
+    <p:notesMasterId r:id="rId20"/>
   </p:notesMasterIdLst>
   <p:sldIdLst>
     <p:sldId id="256" r:id="rId3"/>
@@ -18,11 +18,13 @@
     <p:sldId id="274" r:id="rId10"/>
     <p:sldId id="265" r:id="rId11"/>
     <p:sldId id="275" r:id="rId12"/>
-    <p:sldId id="271" r:id="rId13"/>
-    <p:sldId id="272" r:id="rId14"/>
-    <p:sldId id="267" r:id="rId15"/>
-    <p:sldId id="268" r:id="rId16"/>
-    <p:sldId id="269" r:id="rId17"/>
+    <p:sldId id="276" r:id="rId13"/>
+    <p:sldId id="277" r:id="rId14"/>
+    <p:sldId id="271" r:id="rId15"/>
+    <p:sldId id="272" r:id="rId16"/>
+    <p:sldId id="267" r:id="rId17"/>
+    <p:sldId id="268" r:id="rId18"/>
+    <p:sldId id="269" r:id="rId19"/>
   </p:sldIdLst>
   <p:sldSz cx="9144000" cy="5143500" type="screen16x9"/>
   <p:notesSz cx="6858000" cy="9144000"/>
@@ -121,7 +123,7 @@
   </p:defaultTextStyle>
   <p:extLst>
     <p:ext uri="{EFAFB233-063F-42B5-8137-9DF3F51BA10A}">
-      <p15:sldGuideLst xmlns:p15="http://schemas.microsoft.com/office/powerpoint/2012/main" xmlns="">
+      <p15:sldGuideLst xmlns="" xmlns:p15="http://schemas.microsoft.com/office/powerpoint/2012/main">
         <p15:guide id="1" orient="horz" pos="1620">
           <p15:clr>
             <a:srgbClr val="A4A3A4"/>
@@ -492,11 +494,11 @@
           <c:showBubbleSize val="0"/>
         </c:dLbls>
         <c:gapWidth val="65"/>
-        <c:axId val="74519552"/>
-        <c:axId val="74475200"/>
+        <c:axId val="57891840"/>
+        <c:axId val="43895616"/>
       </c:barChart>
       <c:catAx>
-        <c:axId val="74519552"/>
+        <c:axId val="57891840"/>
         <c:scaling>
           <c:orientation val="minMax"/>
         </c:scaling>
@@ -582,7 +584,7 @@
             <a:endParaRPr lang="de-DE"/>
           </a:p>
         </c:txPr>
-        <c:crossAx val="74475200"/>
+        <c:crossAx val="43895616"/>
         <c:crosses val="autoZero"/>
         <c:auto val="1"/>
         <c:lblAlgn val="ctr"/>
@@ -590,7 +592,7 @@
         <c:noMultiLvlLbl val="0"/>
       </c:catAx>
       <c:valAx>
-        <c:axId val="74475200"/>
+        <c:axId val="43895616"/>
         <c:scaling>
           <c:orientation val="minMax"/>
         </c:scaling>
@@ -696,7 +698,7 @@
             <a:endParaRPr lang="de-DE"/>
           </a:p>
         </c:txPr>
-        <c:crossAx val="74519552"/>
+        <c:crossAx val="57891840"/>
         <c:crosses val="autoZero"/>
         <c:crossBetween val="between"/>
       </c:valAx>
@@ -3785,6 +3787,1500 @@
 </file>
 
 <file path=ppt/diagrams/colors13.xml><?xml version="1.0" encoding="utf-8"?>
+<dgm:colorsDef xmlns:dgm="http://schemas.openxmlformats.org/drawingml/2006/diagram" xmlns:a="http://schemas.openxmlformats.org/drawingml/2006/main" uniqueId="urn:microsoft.com/office/officeart/2005/8/colors/accent1_2">
+  <dgm:title val=""/>
+  <dgm:desc val=""/>
+  <dgm:catLst>
+    <dgm:cat type="accent1" pri="11200"/>
+  </dgm:catLst>
+  <dgm:styleLbl name="node0">
+    <dgm:fillClrLst meth="repeat">
+      <a:schemeClr val="accent1"/>
+    </dgm:fillClrLst>
+    <dgm:linClrLst meth="repeat">
+      <a:schemeClr val="lt1"/>
+    </dgm:linClrLst>
+    <dgm:effectClrLst/>
+    <dgm:txLinClrLst/>
+    <dgm:txFillClrLst/>
+    <dgm:txEffectClrLst/>
+  </dgm:styleLbl>
+  <dgm:styleLbl name="alignNode1">
+    <dgm:fillClrLst meth="repeat">
+      <a:schemeClr val="accent1"/>
+    </dgm:fillClrLst>
+    <dgm:linClrLst meth="repeat">
+      <a:schemeClr val="accent1"/>
+    </dgm:linClrLst>
+    <dgm:effectClrLst/>
+    <dgm:txLinClrLst/>
+    <dgm:txFillClrLst/>
+    <dgm:txEffectClrLst/>
+  </dgm:styleLbl>
+  <dgm:styleLbl name="node1">
+    <dgm:fillClrLst meth="repeat">
+      <a:schemeClr val="accent1"/>
+    </dgm:fillClrLst>
+    <dgm:linClrLst meth="repeat">
+      <a:schemeClr val="lt1"/>
+    </dgm:linClrLst>
+    <dgm:effectClrLst/>
+    <dgm:txLinClrLst/>
+    <dgm:txFillClrLst/>
+    <dgm:txEffectClrLst/>
+  </dgm:styleLbl>
+  <dgm:styleLbl name="lnNode1">
+    <dgm:fillClrLst meth="repeat">
+      <a:schemeClr val="accent1"/>
+    </dgm:fillClrLst>
+    <dgm:linClrLst meth="repeat">
+      <a:schemeClr val="lt1"/>
+    </dgm:linClrLst>
+    <dgm:effectClrLst/>
+    <dgm:txLinClrLst/>
+    <dgm:txFillClrLst/>
+    <dgm:txEffectClrLst/>
+  </dgm:styleLbl>
+  <dgm:styleLbl name="vennNode1">
+    <dgm:fillClrLst meth="repeat">
+      <a:schemeClr val="accent1">
+        <a:alpha val="50000"/>
+      </a:schemeClr>
+    </dgm:fillClrLst>
+    <dgm:linClrLst meth="repeat">
+      <a:schemeClr val="lt1"/>
+    </dgm:linClrLst>
+    <dgm:effectClrLst/>
+    <dgm:txLinClrLst/>
+    <dgm:txFillClrLst/>
+    <dgm:txEffectClrLst/>
+  </dgm:styleLbl>
+  <dgm:styleLbl name="node2">
+    <dgm:fillClrLst meth="repeat">
+      <a:schemeClr val="accent1"/>
+    </dgm:fillClrLst>
+    <dgm:linClrLst meth="repeat">
+      <a:schemeClr val="lt1"/>
+    </dgm:linClrLst>
+    <dgm:effectClrLst/>
+    <dgm:txLinClrLst/>
+    <dgm:txFillClrLst/>
+    <dgm:txEffectClrLst/>
+  </dgm:styleLbl>
+  <dgm:styleLbl name="node3">
+    <dgm:fillClrLst meth="repeat">
+      <a:schemeClr val="accent1"/>
+    </dgm:fillClrLst>
+    <dgm:linClrLst meth="repeat">
+      <a:schemeClr val="lt1"/>
+    </dgm:linClrLst>
+    <dgm:effectClrLst/>
+    <dgm:txLinClrLst/>
+    <dgm:txFillClrLst/>
+    <dgm:txEffectClrLst/>
+  </dgm:styleLbl>
+  <dgm:styleLbl name="node4">
+    <dgm:fillClrLst meth="repeat">
+      <a:schemeClr val="accent1"/>
+    </dgm:fillClrLst>
+    <dgm:linClrLst meth="repeat">
+      <a:schemeClr val="lt1"/>
+    </dgm:linClrLst>
+    <dgm:effectClrLst/>
+    <dgm:txLinClrLst/>
+    <dgm:txFillClrLst/>
+    <dgm:txEffectClrLst/>
+  </dgm:styleLbl>
+  <dgm:styleLbl name="fgImgPlace1">
+    <dgm:fillClrLst meth="repeat">
+      <a:schemeClr val="accent1">
+        <a:tint val="50000"/>
+      </a:schemeClr>
+    </dgm:fillClrLst>
+    <dgm:linClrLst meth="repeat">
+      <a:schemeClr val="lt1"/>
+    </dgm:linClrLst>
+    <dgm:effectClrLst/>
+    <dgm:txLinClrLst/>
+    <dgm:txFillClrLst meth="repeat">
+      <a:schemeClr val="lt1"/>
+    </dgm:txFillClrLst>
+    <dgm:txEffectClrLst/>
+  </dgm:styleLbl>
+  <dgm:styleLbl name="alignImgPlace1">
+    <dgm:fillClrLst meth="repeat">
+      <a:schemeClr val="accent1">
+        <a:tint val="50000"/>
+      </a:schemeClr>
+    </dgm:fillClrLst>
+    <dgm:linClrLst meth="repeat">
+      <a:schemeClr val="lt1"/>
+    </dgm:linClrLst>
+    <dgm:effectClrLst/>
+    <dgm:txLinClrLst/>
+    <dgm:txFillClrLst meth="repeat">
+      <a:schemeClr val="lt1"/>
+    </dgm:txFillClrLst>
+    <dgm:txEffectClrLst/>
+  </dgm:styleLbl>
+  <dgm:styleLbl name="bgImgPlace1">
+    <dgm:fillClrLst meth="repeat">
+      <a:schemeClr val="accent1">
+        <a:tint val="50000"/>
+      </a:schemeClr>
+    </dgm:fillClrLst>
+    <dgm:linClrLst meth="repeat">
+      <a:schemeClr val="lt1"/>
+    </dgm:linClrLst>
+    <dgm:effectClrLst/>
+    <dgm:txLinClrLst/>
+    <dgm:txFillClrLst meth="repeat">
+      <a:schemeClr val="lt1"/>
+    </dgm:txFillClrLst>
+    <dgm:txEffectClrLst/>
+  </dgm:styleLbl>
+  <dgm:styleLbl name="sibTrans2D1">
+    <dgm:fillClrLst meth="repeat">
+      <a:schemeClr val="accent1">
+        <a:tint val="60000"/>
+      </a:schemeClr>
+    </dgm:fillClrLst>
+    <dgm:linClrLst meth="repeat">
+      <a:schemeClr val="accent1">
+        <a:tint val="60000"/>
+      </a:schemeClr>
+    </dgm:linClrLst>
+    <dgm:effectClrLst/>
+    <dgm:txLinClrLst/>
+    <dgm:txFillClrLst/>
+    <dgm:txEffectClrLst/>
+  </dgm:styleLbl>
+  <dgm:styleLbl name="fgSibTrans2D1">
+    <dgm:fillClrLst meth="repeat">
+      <a:schemeClr val="accent1">
+        <a:tint val="60000"/>
+      </a:schemeClr>
+    </dgm:fillClrLst>
+    <dgm:linClrLst meth="repeat">
+      <a:schemeClr val="accent1">
+        <a:tint val="60000"/>
+      </a:schemeClr>
+    </dgm:linClrLst>
+    <dgm:effectClrLst/>
+    <dgm:txLinClrLst/>
+    <dgm:txFillClrLst/>
+    <dgm:txEffectClrLst/>
+  </dgm:styleLbl>
+  <dgm:styleLbl name="bgSibTrans2D1">
+    <dgm:fillClrLst meth="repeat">
+      <a:schemeClr val="accent1">
+        <a:tint val="60000"/>
+      </a:schemeClr>
+    </dgm:fillClrLst>
+    <dgm:linClrLst meth="repeat">
+      <a:schemeClr val="accent1">
+        <a:tint val="60000"/>
+      </a:schemeClr>
+    </dgm:linClrLst>
+    <dgm:effectClrLst/>
+    <dgm:txLinClrLst/>
+    <dgm:txFillClrLst/>
+    <dgm:txEffectClrLst/>
+  </dgm:styleLbl>
+  <dgm:styleLbl name="sibTrans1D1">
+    <dgm:fillClrLst meth="repeat">
+      <a:schemeClr val="accent1"/>
+    </dgm:fillClrLst>
+    <dgm:linClrLst meth="repeat">
+      <a:schemeClr val="accent1"/>
+    </dgm:linClrLst>
+    <dgm:effectClrLst/>
+    <dgm:txLinClrLst/>
+    <dgm:txFillClrLst meth="repeat">
+      <a:schemeClr val="tx1"/>
+    </dgm:txFillClrLst>
+    <dgm:txEffectClrLst/>
+  </dgm:styleLbl>
+  <dgm:styleLbl name="callout">
+    <dgm:fillClrLst meth="repeat">
+      <a:schemeClr val="accent1"/>
+    </dgm:fillClrLst>
+    <dgm:linClrLst meth="repeat">
+      <a:schemeClr val="accent1">
+        <a:tint val="50000"/>
+      </a:schemeClr>
+    </dgm:linClrLst>
+    <dgm:effectClrLst/>
+    <dgm:txLinClrLst/>
+    <dgm:txFillClrLst meth="repeat">
+      <a:schemeClr val="tx1"/>
+    </dgm:txFillClrLst>
+    <dgm:txEffectClrLst/>
+  </dgm:styleLbl>
+  <dgm:styleLbl name="asst0">
+    <dgm:fillClrLst meth="repeat">
+      <a:schemeClr val="accent1"/>
+    </dgm:fillClrLst>
+    <dgm:linClrLst meth="repeat">
+      <a:schemeClr val="lt1"/>
+    </dgm:linClrLst>
+    <dgm:effectClrLst/>
+    <dgm:txLinClrLst/>
+    <dgm:txFillClrLst/>
+    <dgm:txEffectClrLst/>
+  </dgm:styleLbl>
+  <dgm:styleLbl name="asst1">
+    <dgm:fillClrLst meth="repeat">
+      <a:schemeClr val="accent1"/>
+    </dgm:fillClrLst>
+    <dgm:linClrLst meth="repeat">
+      <a:schemeClr val="lt1"/>
+    </dgm:linClrLst>
+    <dgm:effectClrLst/>
+    <dgm:txLinClrLst/>
+    <dgm:txFillClrLst/>
+    <dgm:txEffectClrLst/>
+  </dgm:styleLbl>
+  <dgm:styleLbl name="asst2">
+    <dgm:fillClrLst meth="repeat">
+      <a:schemeClr val="accent1"/>
+    </dgm:fillClrLst>
+    <dgm:linClrLst meth="repeat">
+      <a:schemeClr val="lt1"/>
+    </dgm:linClrLst>
+    <dgm:effectClrLst/>
+    <dgm:txLinClrLst/>
+    <dgm:txFillClrLst/>
+    <dgm:txEffectClrLst/>
+  </dgm:styleLbl>
+  <dgm:styleLbl name="asst3">
+    <dgm:fillClrLst meth="repeat">
+      <a:schemeClr val="accent1"/>
+    </dgm:fillClrLst>
+    <dgm:linClrLst meth="repeat">
+      <a:schemeClr val="lt1"/>
+    </dgm:linClrLst>
+    <dgm:effectClrLst/>
+    <dgm:txLinClrLst/>
+    <dgm:txFillClrLst/>
+    <dgm:txEffectClrLst/>
+  </dgm:styleLbl>
+  <dgm:styleLbl name="asst4">
+    <dgm:fillClrLst meth="repeat">
+      <a:schemeClr val="accent1"/>
+    </dgm:fillClrLst>
+    <dgm:linClrLst meth="repeat">
+      <a:schemeClr val="lt1"/>
+    </dgm:linClrLst>
+    <dgm:effectClrLst/>
+    <dgm:txLinClrLst/>
+    <dgm:txFillClrLst/>
+    <dgm:txEffectClrLst/>
+  </dgm:styleLbl>
+  <dgm:styleLbl name="parChTrans2D1">
+    <dgm:fillClrLst meth="repeat">
+      <a:schemeClr val="accent1">
+        <a:tint val="60000"/>
+      </a:schemeClr>
+    </dgm:fillClrLst>
+    <dgm:linClrLst meth="repeat">
+      <a:schemeClr val="accent1">
+        <a:tint val="60000"/>
+      </a:schemeClr>
+    </dgm:linClrLst>
+    <dgm:effectClrLst/>
+    <dgm:txLinClrLst/>
+    <dgm:txFillClrLst meth="repeat">
+      <a:schemeClr val="lt1"/>
+    </dgm:txFillClrLst>
+    <dgm:txEffectClrLst/>
+  </dgm:styleLbl>
+  <dgm:styleLbl name="parChTrans2D2">
+    <dgm:fillClrLst meth="repeat">
+      <a:schemeClr val="accent1"/>
+    </dgm:fillClrLst>
+    <dgm:linClrLst meth="repeat">
+      <a:schemeClr val="accent1"/>
+    </dgm:linClrLst>
+    <dgm:effectClrLst/>
+    <dgm:txLinClrLst/>
+    <dgm:txFillClrLst meth="repeat">
+      <a:schemeClr val="lt1"/>
+    </dgm:txFillClrLst>
+    <dgm:txEffectClrLst/>
+  </dgm:styleLbl>
+  <dgm:styleLbl name="parChTrans2D3">
+    <dgm:fillClrLst meth="repeat">
+      <a:schemeClr val="accent1"/>
+    </dgm:fillClrLst>
+    <dgm:linClrLst meth="repeat">
+      <a:schemeClr val="accent1"/>
+    </dgm:linClrLst>
+    <dgm:effectClrLst/>
+    <dgm:txLinClrLst/>
+    <dgm:txFillClrLst meth="repeat">
+      <a:schemeClr val="lt1"/>
+    </dgm:txFillClrLst>
+    <dgm:txEffectClrLst/>
+  </dgm:styleLbl>
+  <dgm:styleLbl name="parChTrans2D4">
+    <dgm:fillClrLst meth="repeat">
+      <a:schemeClr val="accent1"/>
+    </dgm:fillClrLst>
+    <dgm:linClrLst meth="repeat">
+      <a:schemeClr val="accent1"/>
+    </dgm:linClrLst>
+    <dgm:effectClrLst/>
+    <dgm:txLinClrLst/>
+    <dgm:txFillClrLst meth="repeat">
+      <a:schemeClr val="lt1"/>
+    </dgm:txFillClrLst>
+    <dgm:txEffectClrLst/>
+  </dgm:styleLbl>
+  <dgm:styleLbl name="parChTrans1D1">
+    <dgm:fillClrLst meth="repeat">
+      <a:schemeClr val="accent1"/>
+    </dgm:fillClrLst>
+    <dgm:linClrLst meth="repeat">
+      <a:schemeClr val="accent1">
+        <a:shade val="60000"/>
+      </a:schemeClr>
+    </dgm:linClrLst>
+    <dgm:effectClrLst/>
+    <dgm:txLinClrLst/>
+    <dgm:txFillClrLst meth="repeat">
+      <a:schemeClr val="tx1"/>
+    </dgm:txFillClrLst>
+    <dgm:txEffectClrLst/>
+  </dgm:styleLbl>
+  <dgm:styleLbl name="parChTrans1D2">
+    <dgm:fillClrLst meth="repeat">
+      <a:schemeClr val="accent1"/>
+    </dgm:fillClrLst>
+    <dgm:linClrLst meth="repeat">
+      <a:schemeClr val="accent1">
+        <a:shade val="60000"/>
+      </a:schemeClr>
+    </dgm:linClrLst>
+    <dgm:effectClrLst/>
+    <dgm:txLinClrLst/>
+    <dgm:txFillClrLst meth="repeat">
+      <a:schemeClr val="tx1"/>
+    </dgm:txFillClrLst>
+    <dgm:txEffectClrLst/>
+  </dgm:styleLbl>
+  <dgm:styleLbl name="parChTrans1D3">
+    <dgm:fillClrLst meth="repeat">
+      <a:schemeClr val="accent1"/>
+    </dgm:fillClrLst>
+    <dgm:linClrLst meth="repeat">
+      <a:schemeClr val="accent1">
+        <a:shade val="80000"/>
+      </a:schemeClr>
+    </dgm:linClrLst>
+    <dgm:effectClrLst/>
+    <dgm:txLinClrLst/>
+    <dgm:txFillClrLst meth="repeat">
+      <a:schemeClr val="tx1"/>
+    </dgm:txFillClrLst>
+    <dgm:txEffectClrLst/>
+  </dgm:styleLbl>
+  <dgm:styleLbl name="parChTrans1D4">
+    <dgm:fillClrLst meth="repeat">
+      <a:schemeClr val="accent1"/>
+    </dgm:fillClrLst>
+    <dgm:linClrLst meth="repeat">
+      <a:schemeClr val="accent1">
+        <a:shade val="80000"/>
+      </a:schemeClr>
+    </dgm:linClrLst>
+    <dgm:effectClrLst/>
+    <dgm:txLinClrLst/>
+    <dgm:txFillClrLst meth="repeat">
+      <a:schemeClr val="tx1"/>
+    </dgm:txFillClrLst>
+    <dgm:txEffectClrLst/>
+  </dgm:styleLbl>
+  <dgm:styleLbl name="fgAcc1">
+    <dgm:fillClrLst meth="repeat">
+      <a:schemeClr val="lt1">
+        <a:alpha val="90000"/>
+      </a:schemeClr>
+    </dgm:fillClrLst>
+    <dgm:linClrLst meth="repeat">
+      <a:schemeClr val="accent1"/>
+    </dgm:linClrLst>
+    <dgm:effectClrLst/>
+    <dgm:txLinClrLst/>
+    <dgm:txFillClrLst meth="repeat">
+      <a:schemeClr val="dk1"/>
+    </dgm:txFillClrLst>
+    <dgm:txEffectClrLst/>
+  </dgm:styleLbl>
+  <dgm:styleLbl name="conFgAcc1">
+    <dgm:fillClrLst meth="repeat">
+      <a:schemeClr val="lt1">
+        <a:alpha val="90000"/>
+      </a:schemeClr>
+    </dgm:fillClrLst>
+    <dgm:linClrLst meth="repeat">
+      <a:schemeClr val="accent1"/>
+    </dgm:linClrLst>
+    <dgm:effectClrLst/>
+    <dgm:txLinClrLst/>
+    <dgm:txFillClrLst meth="repeat">
+      <a:schemeClr val="dk1"/>
+    </dgm:txFillClrLst>
+    <dgm:txEffectClrLst/>
+  </dgm:styleLbl>
+  <dgm:styleLbl name="alignAcc1">
+    <dgm:fillClrLst meth="repeat">
+      <a:schemeClr val="lt1">
+        <a:alpha val="90000"/>
+      </a:schemeClr>
+    </dgm:fillClrLst>
+    <dgm:linClrLst meth="repeat">
+      <a:schemeClr val="accent1"/>
+    </dgm:linClrLst>
+    <dgm:effectClrLst/>
+    <dgm:txLinClrLst/>
+    <dgm:txFillClrLst meth="repeat">
+      <a:schemeClr val="dk1"/>
+    </dgm:txFillClrLst>
+    <dgm:txEffectClrLst/>
+  </dgm:styleLbl>
+  <dgm:styleLbl name="trAlignAcc1">
+    <dgm:fillClrLst meth="repeat">
+      <a:schemeClr val="lt1">
+        <a:alpha val="40000"/>
+      </a:schemeClr>
+    </dgm:fillClrLst>
+    <dgm:linClrLst meth="repeat">
+      <a:schemeClr val="accent1"/>
+    </dgm:linClrLst>
+    <dgm:effectClrLst/>
+    <dgm:txLinClrLst/>
+    <dgm:txFillClrLst meth="repeat">
+      <a:schemeClr val="dk1"/>
+    </dgm:txFillClrLst>
+    <dgm:txEffectClrLst/>
+  </dgm:styleLbl>
+  <dgm:styleLbl name="bgAcc1">
+    <dgm:fillClrLst meth="repeat">
+      <a:schemeClr val="lt1">
+        <a:alpha val="90000"/>
+      </a:schemeClr>
+    </dgm:fillClrLst>
+    <dgm:linClrLst meth="repeat">
+      <a:schemeClr val="accent1"/>
+    </dgm:linClrLst>
+    <dgm:effectClrLst/>
+    <dgm:txLinClrLst/>
+    <dgm:txFillClrLst meth="repeat">
+      <a:schemeClr val="dk1"/>
+    </dgm:txFillClrLst>
+    <dgm:txEffectClrLst/>
+  </dgm:styleLbl>
+  <dgm:styleLbl name="solidFgAcc1">
+    <dgm:fillClrLst meth="repeat">
+      <a:schemeClr val="lt1"/>
+    </dgm:fillClrLst>
+    <dgm:linClrLst meth="repeat">
+      <a:schemeClr val="accent1"/>
+    </dgm:linClrLst>
+    <dgm:effectClrLst/>
+    <dgm:txLinClrLst/>
+    <dgm:txFillClrLst meth="repeat">
+      <a:schemeClr val="dk1"/>
+    </dgm:txFillClrLst>
+    <dgm:txEffectClrLst/>
+  </dgm:styleLbl>
+  <dgm:styleLbl name="solidAlignAcc1">
+    <dgm:fillClrLst meth="repeat">
+      <a:schemeClr val="lt1"/>
+    </dgm:fillClrLst>
+    <dgm:linClrLst meth="repeat">
+      <a:schemeClr val="accent1"/>
+    </dgm:linClrLst>
+    <dgm:effectClrLst/>
+    <dgm:txLinClrLst/>
+    <dgm:txFillClrLst meth="repeat">
+      <a:schemeClr val="dk1"/>
+    </dgm:txFillClrLst>
+    <dgm:txEffectClrLst/>
+  </dgm:styleLbl>
+  <dgm:styleLbl name="solidBgAcc1">
+    <dgm:fillClrLst meth="repeat">
+      <a:schemeClr val="lt1"/>
+    </dgm:fillClrLst>
+    <dgm:linClrLst meth="repeat">
+      <a:schemeClr val="accent1"/>
+    </dgm:linClrLst>
+    <dgm:effectClrLst/>
+    <dgm:txLinClrLst/>
+    <dgm:txFillClrLst meth="repeat">
+      <a:schemeClr val="dk1"/>
+    </dgm:txFillClrLst>
+    <dgm:txEffectClrLst/>
+  </dgm:styleLbl>
+  <dgm:styleLbl name="fgAccFollowNode1">
+    <dgm:fillClrLst meth="repeat">
+      <a:schemeClr val="accent1">
+        <a:alpha val="90000"/>
+        <a:tint val="40000"/>
+      </a:schemeClr>
+    </dgm:fillClrLst>
+    <dgm:linClrLst meth="repeat">
+      <a:schemeClr val="accent1">
+        <a:alpha val="90000"/>
+        <a:tint val="40000"/>
+      </a:schemeClr>
+    </dgm:linClrLst>
+    <dgm:effectClrLst/>
+    <dgm:txLinClrLst/>
+    <dgm:txFillClrLst meth="repeat">
+      <a:schemeClr val="dk1"/>
+    </dgm:txFillClrLst>
+    <dgm:txEffectClrLst/>
+  </dgm:styleLbl>
+  <dgm:styleLbl name="alignAccFollowNode1">
+    <dgm:fillClrLst meth="repeat">
+      <a:schemeClr val="accent1">
+        <a:alpha val="90000"/>
+        <a:tint val="40000"/>
+      </a:schemeClr>
+    </dgm:fillClrLst>
+    <dgm:linClrLst meth="repeat">
+      <a:schemeClr val="accent1">
+        <a:alpha val="90000"/>
+        <a:tint val="40000"/>
+      </a:schemeClr>
+    </dgm:linClrLst>
+    <dgm:effectClrLst/>
+    <dgm:txLinClrLst/>
+    <dgm:txFillClrLst meth="repeat">
+      <a:schemeClr val="dk1"/>
+    </dgm:txFillClrLst>
+    <dgm:txEffectClrLst/>
+  </dgm:styleLbl>
+  <dgm:styleLbl name="bgAccFollowNode1">
+    <dgm:fillClrLst meth="repeat">
+      <a:schemeClr val="accent1">
+        <a:alpha val="90000"/>
+        <a:tint val="40000"/>
+      </a:schemeClr>
+    </dgm:fillClrLst>
+    <dgm:linClrLst meth="repeat">
+      <a:schemeClr val="accent1">
+        <a:alpha val="90000"/>
+        <a:tint val="40000"/>
+      </a:schemeClr>
+    </dgm:linClrLst>
+    <dgm:effectClrLst/>
+    <dgm:txLinClrLst/>
+    <dgm:txFillClrLst meth="repeat">
+      <a:schemeClr val="dk1"/>
+    </dgm:txFillClrLst>
+    <dgm:txEffectClrLst/>
+  </dgm:styleLbl>
+  <dgm:styleLbl name="fgAcc0">
+    <dgm:fillClrLst meth="repeat">
+      <a:schemeClr val="lt1">
+        <a:alpha val="90000"/>
+      </a:schemeClr>
+    </dgm:fillClrLst>
+    <dgm:linClrLst meth="repeat">
+      <a:schemeClr val="accent1"/>
+    </dgm:linClrLst>
+    <dgm:effectClrLst/>
+    <dgm:txLinClrLst/>
+    <dgm:txFillClrLst meth="repeat">
+      <a:schemeClr val="dk1"/>
+    </dgm:txFillClrLst>
+    <dgm:txEffectClrLst/>
+  </dgm:styleLbl>
+  <dgm:styleLbl name="fgAcc2">
+    <dgm:fillClrLst meth="repeat">
+      <a:schemeClr val="lt1">
+        <a:alpha val="90000"/>
+      </a:schemeClr>
+    </dgm:fillClrLst>
+    <dgm:linClrLst meth="repeat">
+      <a:schemeClr val="accent1"/>
+    </dgm:linClrLst>
+    <dgm:effectClrLst/>
+    <dgm:txLinClrLst/>
+    <dgm:txFillClrLst meth="repeat">
+      <a:schemeClr val="dk1"/>
+    </dgm:txFillClrLst>
+    <dgm:txEffectClrLst/>
+  </dgm:styleLbl>
+  <dgm:styleLbl name="fgAcc3">
+    <dgm:fillClrLst meth="repeat">
+      <a:schemeClr val="lt1">
+        <a:alpha val="90000"/>
+      </a:schemeClr>
+    </dgm:fillClrLst>
+    <dgm:linClrLst meth="repeat">
+      <a:schemeClr val="accent1"/>
+    </dgm:linClrLst>
+    <dgm:effectClrLst/>
+    <dgm:txLinClrLst/>
+    <dgm:txFillClrLst meth="repeat">
+      <a:schemeClr val="dk1"/>
+    </dgm:txFillClrLst>
+    <dgm:txEffectClrLst/>
+  </dgm:styleLbl>
+  <dgm:styleLbl name="fgAcc4">
+    <dgm:fillClrLst meth="repeat">
+      <a:schemeClr val="lt1">
+        <a:alpha val="90000"/>
+      </a:schemeClr>
+    </dgm:fillClrLst>
+    <dgm:linClrLst meth="repeat">
+      <a:schemeClr val="accent1"/>
+    </dgm:linClrLst>
+    <dgm:effectClrLst/>
+    <dgm:txLinClrLst/>
+    <dgm:txFillClrLst meth="repeat">
+      <a:schemeClr val="dk1"/>
+    </dgm:txFillClrLst>
+    <dgm:txEffectClrLst/>
+  </dgm:styleLbl>
+  <dgm:styleLbl name="bgShp">
+    <dgm:fillClrLst meth="repeat">
+      <a:schemeClr val="accent1">
+        <a:tint val="40000"/>
+      </a:schemeClr>
+    </dgm:fillClrLst>
+    <dgm:linClrLst meth="repeat">
+      <a:schemeClr val="accent1"/>
+    </dgm:linClrLst>
+    <dgm:effectClrLst/>
+    <dgm:txLinClrLst/>
+    <dgm:txFillClrLst meth="repeat">
+      <a:schemeClr val="dk1"/>
+    </dgm:txFillClrLst>
+    <dgm:txEffectClrLst/>
+  </dgm:styleLbl>
+  <dgm:styleLbl name="dkBgShp">
+    <dgm:fillClrLst meth="repeat">
+      <a:schemeClr val="accent1">
+        <a:shade val="80000"/>
+      </a:schemeClr>
+    </dgm:fillClrLst>
+    <dgm:linClrLst meth="repeat">
+      <a:schemeClr val="accent1"/>
+    </dgm:linClrLst>
+    <dgm:effectClrLst/>
+    <dgm:txLinClrLst/>
+    <dgm:txFillClrLst meth="repeat">
+      <a:schemeClr val="lt1"/>
+    </dgm:txFillClrLst>
+    <dgm:txEffectClrLst/>
+  </dgm:styleLbl>
+  <dgm:styleLbl name="trBgShp">
+    <dgm:fillClrLst meth="repeat">
+      <a:schemeClr val="accent1">
+        <a:tint val="50000"/>
+        <a:alpha val="40000"/>
+      </a:schemeClr>
+    </dgm:fillClrLst>
+    <dgm:linClrLst meth="repeat">
+      <a:schemeClr val="accent1"/>
+    </dgm:linClrLst>
+    <dgm:effectClrLst/>
+    <dgm:txLinClrLst/>
+    <dgm:txFillClrLst meth="repeat">
+      <a:schemeClr val="lt1"/>
+    </dgm:txFillClrLst>
+    <dgm:txEffectClrLst/>
+  </dgm:styleLbl>
+  <dgm:styleLbl name="fgShp">
+    <dgm:fillClrLst meth="repeat">
+      <a:schemeClr val="accent1">
+        <a:tint val="60000"/>
+      </a:schemeClr>
+    </dgm:fillClrLst>
+    <dgm:linClrLst meth="repeat">
+      <a:schemeClr val="lt1"/>
+    </dgm:linClrLst>
+    <dgm:effectClrLst/>
+    <dgm:txLinClrLst/>
+    <dgm:txFillClrLst meth="repeat">
+      <a:schemeClr val="dk1"/>
+    </dgm:txFillClrLst>
+    <dgm:txEffectClrLst/>
+  </dgm:styleLbl>
+  <dgm:styleLbl name="revTx">
+    <dgm:fillClrLst meth="repeat">
+      <a:schemeClr val="lt1">
+        <a:alpha val="0"/>
+      </a:schemeClr>
+    </dgm:fillClrLst>
+    <dgm:linClrLst meth="repeat">
+      <a:schemeClr val="dk1">
+        <a:alpha val="0"/>
+      </a:schemeClr>
+    </dgm:linClrLst>
+    <dgm:effectClrLst/>
+    <dgm:txLinClrLst/>
+    <dgm:txFillClrLst meth="repeat">
+      <a:schemeClr val="tx1"/>
+    </dgm:txFillClrLst>
+    <dgm:txEffectClrLst/>
+  </dgm:styleLbl>
+</dgm:colorsDef>
+</file>
+
+<file path=ppt/diagrams/colors14.xml><?xml version="1.0" encoding="utf-8"?>
+<dgm:colorsDef xmlns:dgm="http://schemas.openxmlformats.org/drawingml/2006/diagram" xmlns:a="http://schemas.openxmlformats.org/drawingml/2006/main" uniqueId="urn:microsoft.com/office/officeart/2005/8/colors/accent1_2">
+  <dgm:title val=""/>
+  <dgm:desc val=""/>
+  <dgm:catLst>
+    <dgm:cat type="accent1" pri="11200"/>
+  </dgm:catLst>
+  <dgm:styleLbl name="node0">
+    <dgm:fillClrLst meth="repeat">
+      <a:schemeClr val="accent1"/>
+    </dgm:fillClrLst>
+    <dgm:linClrLst meth="repeat">
+      <a:schemeClr val="lt1"/>
+    </dgm:linClrLst>
+    <dgm:effectClrLst/>
+    <dgm:txLinClrLst/>
+    <dgm:txFillClrLst/>
+    <dgm:txEffectClrLst/>
+  </dgm:styleLbl>
+  <dgm:styleLbl name="alignNode1">
+    <dgm:fillClrLst meth="repeat">
+      <a:schemeClr val="accent1"/>
+    </dgm:fillClrLst>
+    <dgm:linClrLst meth="repeat">
+      <a:schemeClr val="accent1"/>
+    </dgm:linClrLst>
+    <dgm:effectClrLst/>
+    <dgm:txLinClrLst/>
+    <dgm:txFillClrLst/>
+    <dgm:txEffectClrLst/>
+  </dgm:styleLbl>
+  <dgm:styleLbl name="node1">
+    <dgm:fillClrLst meth="repeat">
+      <a:schemeClr val="accent1"/>
+    </dgm:fillClrLst>
+    <dgm:linClrLst meth="repeat">
+      <a:schemeClr val="lt1"/>
+    </dgm:linClrLst>
+    <dgm:effectClrLst/>
+    <dgm:txLinClrLst/>
+    <dgm:txFillClrLst/>
+    <dgm:txEffectClrLst/>
+  </dgm:styleLbl>
+  <dgm:styleLbl name="lnNode1">
+    <dgm:fillClrLst meth="repeat">
+      <a:schemeClr val="accent1"/>
+    </dgm:fillClrLst>
+    <dgm:linClrLst meth="repeat">
+      <a:schemeClr val="lt1"/>
+    </dgm:linClrLst>
+    <dgm:effectClrLst/>
+    <dgm:txLinClrLst/>
+    <dgm:txFillClrLst/>
+    <dgm:txEffectClrLst/>
+  </dgm:styleLbl>
+  <dgm:styleLbl name="vennNode1">
+    <dgm:fillClrLst meth="repeat">
+      <a:schemeClr val="accent1">
+        <a:alpha val="50000"/>
+      </a:schemeClr>
+    </dgm:fillClrLst>
+    <dgm:linClrLst meth="repeat">
+      <a:schemeClr val="lt1"/>
+    </dgm:linClrLst>
+    <dgm:effectClrLst/>
+    <dgm:txLinClrLst/>
+    <dgm:txFillClrLst/>
+    <dgm:txEffectClrLst/>
+  </dgm:styleLbl>
+  <dgm:styleLbl name="node2">
+    <dgm:fillClrLst meth="repeat">
+      <a:schemeClr val="accent1"/>
+    </dgm:fillClrLst>
+    <dgm:linClrLst meth="repeat">
+      <a:schemeClr val="lt1"/>
+    </dgm:linClrLst>
+    <dgm:effectClrLst/>
+    <dgm:txLinClrLst/>
+    <dgm:txFillClrLst/>
+    <dgm:txEffectClrLst/>
+  </dgm:styleLbl>
+  <dgm:styleLbl name="node3">
+    <dgm:fillClrLst meth="repeat">
+      <a:schemeClr val="accent1"/>
+    </dgm:fillClrLst>
+    <dgm:linClrLst meth="repeat">
+      <a:schemeClr val="lt1"/>
+    </dgm:linClrLst>
+    <dgm:effectClrLst/>
+    <dgm:txLinClrLst/>
+    <dgm:txFillClrLst/>
+    <dgm:txEffectClrLst/>
+  </dgm:styleLbl>
+  <dgm:styleLbl name="node4">
+    <dgm:fillClrLst meth="repeat">
+      <a:schemeClr val="accent1"/>
+    </dgm:fillClrLst>
+    <dgm:linClrLst meth="repeat">
+      <a:schemeClr val="lt1"/>
+    </dgm:linClrLst>
+    <dgm:effectClrLst/>
+    <dgm:txLinClrLst/>
+    <dgm:txFillClrLst/>
+    <dgm:txEffectClrLst/>
+  </dgm:styleLbl>
+  <dgm:styleLbl name="fgImgPlace1">
+    <dgm:fillClrLst meth="repeat">
+      <a:schemeClr val="accent1">
+        <a:tint val="50000"/>
+      </a:schemeClr>
+    </dgm:fillClrLst>
+    <dgm:linClrLst meth="repeat">
+      <a:schemeClr val="lt1"/>
+    </dgm:linClrLst>
+    <dgm:effectClrLst/>
+    <dgm:txLinClrLst/>
+    <dgm:txFillClrLst meth="repeat">
+      <a:schemeClr val="lt1"/>
+    </dgm:txFillClrLst>
+    <dgm:txEffectClrLst/>
+  </dgm:styleLbl>
+  <dgm:styleLbl name="alignImgPlace1">
+    <dgm:fillClrLst meth="repeat">
+      <a:schemeClr val="accent1">
+        <a:tint val="50000"/>
+      </a:schemeClr>
+    </dgm:fillClrLst>
+    <dgm:linClrLst meth="repeat">
+      <a:schemeClr val="lt1"/>
+    </dgm:linClrLst>
+    <dgm:effectClrLst/>
+    <dgm:txLinClrLst/>
+    <dgm:txFillClrLst meth="repeat">
+      <a:schemeClr val="lt1"/>
+    </dgm:txFillClrLst>
+    <dgm:txEffectClrLst/>
+  </dgm:styleLbl>
+  <dgm:styleLbl name="bgImgPlace1">
+    <dgm:fillClrLst meth="repeat">
+      <a:schemeClr val="accent1">
+        <a:tint val="50000"/>
+      </a:schemeClr>
+    </dgm:fillClrLst>
+    <dgm:linClrLst meth="repeat">
+      <a:schemeClr val="lt1"/>
+    </dgm:linClrLst>
+    <dgm:effectClrLst/>
+    <dgm:txLinClrLst/>
+    <dgm:txFillClrLst meth="repeat">
+      <a:schemeClr val="lt1"/>
+    </dgm:txFillClrLst>
+    <dgm:txEffectClrLst/>
+  </dgm:styleLbl>
+  <dgm:styleLbl name="sibTrans2D1">
+    <dgm:fillClrLst meth="repeat">
+      <a:schemeClr val="accent1">
+        <a:tint val="60000"/>
+      </a:schemeClr>
+    </dgm:fillClrLst>
+    <dgm:linClrLst meth="repeat">
+      <a:schemeClr val="accent1">
+        <a:tint val="60000"/>
+      </a:schemeClr>
+    </dgm:linClrLst>
+    <dgm:effectClrLst/>
+    <dgm:txLinClrLst/>
+    <dgm:txFillClrLst/>
+    <dgm:txEffectClrLst/>
+  </dgm:styleLbl>
+  <dgm:styleLbl name="fgSibTrans2D1">
+    <dgm:fillClrLst meth="repeat">
+      <a:schemeClr val="accent1">
+        <a:tint val="60000"/>
+      </a:schemeClr>
+    </dgm:fillClrLst>
+    <dgm:linClrLst meth="repeat">
+      <a:schemeClr val="accent1">
+        <a:tint val="60000"/>
+      </a:schemeClr>
+    </dgm:linClrLst>
+    <dgm:effectClrLst/>
+    <dgm:txLinClrLst/>
+    <dgm:txFillClrLst/>
+    <dgm:txEffectClrLst/>
+  </dgm:styleLbl>
+  <dgm:styleLbl name="bgSibTrans2D1">
+    <dgm:fillClrLst meth="repeat">
+      <a:schemeClr val="accent1">
+        <a:tint val="60000"/>
+      </a:schemeClr>
+    </dgm:fillClrLst>
+    <dgm:linClrLst meth="repeat">
+      <a:schemeClr val="accent1">
+        <a:tint val="60000"/>
+      </a:schemeClr>
+    </dgm:linClrLst>
+    <dgm:effectClrLst/>
+    <dgm:txLinClrLst/>
+    <dgm:txFillClrLst/>
+    <dgm:txEffectClrLst/>
+  </dgm:styleLbl>
+  <dgm:styleLbl name="sibTrans1D1">
+    <dgm:fillClrLst meth="repeat">
+      <a:schemeClr val="accent1"/>
+    </dgm:fillClrLst>
+    <dgm:linClrLst meth="repeat">
+      <a:schemeClr val="accent1"/>
+    </dgm:linClrLst>
+    <dgm:effectClrLst/>
+    <dgm:txLinClrLst/>
+    <dgm:txFillClrLst meth="repeat">
+      <a:schemeClr val="tx1"/>
+    </dgm:txFillClrLst>
+    <dgm:txEffectClrLst/>
+  </dgm:styleLbl>
+  <dgm:styleLbl name="callout">
+    <dgm:fillClrLst meth="repeat">
+      <a:schemeClr val="accent1"/>
+    </dgm:fillClrLst>
+    <dgm:linClrLst meth="repeat">
+      <a:schemeClr val="accent1">
+        <a:tint val="50000"/>
+      </a:schemeClr>
+    </dgm:linClrLst>
+    <dgm:effectClrLst/>
+    <dgm:txLinClrLst/>
+    <dgm:txFillClrLst meth="repeat">
+      <a:schemeClr val="tx1"/>
+    </dgm:txFillClrLst>
+    <dgm:txEffectClrLst/>
+  </dgm:styleLbl>
+  <dgm:styleLbl name="asst0">
+    <dgm:fillClrLst meth="repeat">
+      <a:schemeClr val="accent1"/>
+    </dgm:fillClrLst>
+    <dgm:linClrLst meth="repeat">
+      <a:schemeClr val="lt1"/>
+    </dgm:linClrLst>
+    <dgm:effectClrLst/>
+    <dgm:txLinClrLst/>
+    <dgm:txFillClrLst/>
+    <dgm:txEffectClrLst/>
+  </dgm:styleLbl>
+  <dgm:styleLbl name="asst1">
+    <dgm:fillClrLst meth="repeat">
+      <a:schemeClr val="accent1"/>
+    </dgm:fillClrLst>
+    <dgm:linClrLst meth="repeat">
+      <a:schemeClr val="lt1"/>
+    </dgm:linClrLst>
+    <dgm:effectClrLst/>
+    <dgm:txLinClrLst/>
+    <dgm:txFillClrLst/>
+    <dgm:txEffectClrLst/>
+  </dgm:styleLbl>
+  <dgm:styleLbl name="asst2">
+    <dgm:fillClrLst meth="repeat">
+      <a:schemeClr val="accent1"/>
+    </dgm:fillClrLst>
+    <dgm:linClrLst meth="repeat">
+      <a:schemeClr val="lt1"/>
+    </dgm:linClrLst>
+    <dgm:effectClrLst/>
+    <dgm:txLinClrLst/>
+    <dgm:txFillClrLst/>
+    <dgm:txEffectClrLst/>
+  </dgm:styleLbl>
+  <dgm:styleLbl name="asst3">
+    <dgm:fillClrLst meth="repeat">
+      <a:schemeClr val="accent1"/>
+    </dgm:fillClrLst>
+    <dgm:linClrLst meth="repeat">
+      <a:schemeClr val="lt1"/>
+    </dgm:linClrLst>
+    <dgm:effectClrLst/>
+    <dgm:txLinClrLst/>
+    <dgm:txFillClrLst/>
+    <dgm:txEffectClrLst/>
+  </dgm:styleLbl>
+  <dgm:styleLbl name="asst4">
+    <dgm:fillClrLst meth="repeat">
+      <a:schemeClr val="accent1"/>
+    </dgm:fillClrLst>
+    <dgm:linClrLst meth="repeat">
+      <a:schemeClr val="lt1"/>
+    </dgm:linClrLst>
+    <dgm:effectClrLst/>
+    <dgm:txLinClrLst/>
+    <dgm:txFillClrLst/>
+    <dgm:txEffectClrLst/>
+  </dgm:styleLbl>
+  <dgm:styleLbl name="parChTrans2D1">
+    <dgm:fillClrLst meth="repeat">
+      <a:schemeClr val="accent1">
+        <a:tint val="60000"/>
+      </a:schemeClr>
+    </dgm:fillClrLst>
+    <dgm:linClrLst meth="repeat">
+      <a:schemeClr val="accent1">
+        <a:tint val="60000"/>
+      </a:schemeClr>
+    </dgm:linClrLst>
+    <dgm:effectClrLst/>
+    <dgm:txLinClrLst/>
+    <dgm:txFillClrLst meth="repeat">
+      <a:schemeClr val="lt1"/>
+    </dgm:txFillClrLst>
+    <dgm:txEffectClrLst/>
+  </dgm:styleLbl>
+  <dgm:styleLbl name="parChTrans2D2">
+    <dgm:fillClrLst meth="repeat">
+      <a:schemeClr val="accent1"/>
+    </dgm:fillClrLst>
+    <dgm:linClrLst meth="repeat">
+      <a:schemeClr val="accent1"/>
+    </dgm:linClrLst>
+    <dgm:effectClrLst/>
+    <dgm:txLinClrLst/>
+    <dgm:txFillClrLst meth="repeat">
+      <a:schemeClr val="lt1"/>
+    </dgm:txFillClrLst>
+    <dgm:txEffectClrLst/>
+  </dgm:styleLbl>
+  <dgm:styleLbl name="parChTrans2D3">
+    <dgm:fillClrLst meth="repeat">
+      <a:schemeClr val="accent1"/>
+    </dgm:fillClrLst>
+    <dgm:linClrLst meth="repeat">
+      <a:schemeClr val="accent1"/>
+    </dgm:linClrLst>
+    <dgm:effectClrLst/>
+    <dgm:txLinClrLst/>
+    <dgm:txFillClrLst meth="repeat">
+      <a:schemeClr val="lt1"/>
+    </dgm:txFillClrLst>
+    <dgm:txEffectClrLst/>
+  </dgm:styleLbl>
+  <dgm:styleLbl name="parChTrans2D4">
+    <dgm:fillClrLst meth="repeat">
+      <a:schemeClr val="accent1"/>
+    </dgm:fillClrLst>
+    <dgm:linClrLst meth="repeat">
+      <a:schemeClr val="accent1"/>
+    </dgm:linClrLst>
+    <dgm:effectClrLst/>
+    <dgm:txLinClrLst/>
+    <dgm:txFillClrLst meth="repeat">
+      <a:schemeClr val="lt1"/>
+    </dgm:txFillClrLst>
+    <dgm:txEffectClrLst/>
+  </dgm:styleLbl>
+  <dgm:styleLbl name="parChTrans1D1">
+    <dgm:fillClrLst meth="repeat">
+      <a:schemeClr val="accent1"/>
+    </dgm:fillClrLst>
+    <dgm:linClrLst meth="repeat">
+      <a:schemeClr val="accent1">
+        <a:shade val="60000"/>
+      </a:schemeClr>
+    </dgm:linClrLst>
+    <dgm:effectClrLst/>
+    <dgm:txLinClrLst/>
+    <dgm:txFillClrLst meth="repeat">
+      <a:schemeClr val="tx1"/>
+    </dgm:txFillClrLst>
+    <dgm:txEffectClrLst/>
+  </dgm:styleLbl>
+  <dgm:styleLbl name="parChTrans1D2">
+    <dgm:fillClrLst meth="repeat">
+      <a:schemeClr val="accent1"/>
+    </dgm:fillClrLst>
+    <dgm:linClrLst meth="repeat">
+      <a:schemeClr val="accent1">
+        <a:shade val="60000"/>
+      </a:schemeClr>
+    </dgm:linClrLst>
+    <dgm:effectClrLst/>
+    <dgm:txLinClrLst/>
+    <dgm:txFillClrLst meth="repeat">
+      <a:schemeClr val="tx1"/>
+    </dgm:txFillClrLst>
+    <dgm:txEffectClrLst/>
+  </dgm:styleLbl>
+  <dgm:styleLbl name="parChTrans1D3">
+    <dgm:fillClrLst meth="repeat">
+      <a:schemeClr val="accent1"/>
+    </dgm:fillClrLst>
+    <dgm:linClrLst meth="repeat">
+      <a:schemeClr val="accent1">
+        <a:shade val="80000"/>
+      </a:schemeClr>
+    </dgm:linClrLst>
+    <dgm:effectClrLst/>
+    <dgm:txLinClrLst/>
+    <dgm:txFillClrLst meth="repeat">
+      <a:schemeClr val="tx1"/>
+    </dgm:txFillClrLst>
+    <dgm:txEffectClrLst/>
+  </dgm:styleLbl>
+  <dgm:styleLbl name="parChTrans1D4">
+    <dgm:fillClrLst meth="repeat">
+      <a:schemeClr val="accent1"/>
+    </dgm:fillClrLst>
+    <dgm:linClrLst meth="repeat">
+      <a:schemeClr val="accent1">
+        <a:shade val="80000"/>
+      </a:schemeClr>
+    </dgm:linClrLst>
+    <dgm:effectClrLst/>
+    <dgm:txLinClrLst/>
+    <dgm:txFillClrLst meth="repeat">
+      <a:schemeClr val="tx1"/>
+    </dgm:txFillClrLst>
+    <dgm:txEffectClrLst/>
+  </dgm:styleLbl>
+  <dgm:styleLbl name="fgAcc1">
+    <dgm:fillClrLst meth="repeat">
+      <a:schemeClr val="lt1">
+        <a:alpha val="90000"/>
+      </a:schemeClr>
+    </dgm:fillClrLst>
+    <dgm:linClrLst meth="repeat">
+      <a:schemeClr val="accent1"/>
+    </dgm:linClrLst>
+    <dgm:effectClrLst/>
+    <dgm:txLinClrLst/>
+    <dgm:txFillClrLst meth="repeat">
+      <a:schemeClr val="dk1"/>
+    </dgm:txFillClrLst>
+    <dgm:txEffectClrLst/>
+  </dgm:styleLbl>
+  <dgm:styleLbl name="conFgAcc1">
+    <dgm:fillClrLst meth="repeat">
+      <a:schemeClr val="lt1">
+        <a:alpha val="90000"/>
+      </a:schemeClr>
+    </dgm:fillClrLst>
+    <dgm:linClrLst meth="repeat">
+      <a:schemeClr val="accent1"/>
+    </dgm:linClrLst>
+    <dgm:effectClrLst/>
+    <dgm:txLinClrLst/>
+    <dgm:txFillClrLst meth="repeat">
+      <a:schemeClr val="dk1"/>
+    </dgm:txFillClrLst>
+    <dgm:txEffectClrLst/>
+  </dgm:styleLbl>
+  <dgm:styleLbl name="alignAcc1">
+    <dgm:fillClrLst meth="repeat">
+      <a:schemeClr val="lt1">
+        <a:alpha val="90000"/>
+      </a:schemeClr>
+    </dgm:fillClrLst>
+    <dgm:linClrLst meth="repeat">
+      <a:schemeClr val="accent1"/>
+    </dgm:linClrLst>
+    <dgm:effectClrLst/>
+    <dgm:txLinClrLst/>
+    <dgm:txFillClrLst meth="repeat">
+      <a:schemeClr val="dk1"/>
+    </dgm:txFillClrLst>
+    <dgm:txEffectClrLst/>
+  </dgm:styleLbl>
+  <dgm:styleLbl name="trAlignAcc1">
+    <dgm:fillClrLst meth="repeat">
+      <a:schemeClr val="lt1">
+        <a:alpha val="40000"/>
+      </a:schemeClr>
+    </dgm:fillClrLst>
+    <dgm:linClrLst meth="repeat">
+      <a:schemeClr val="accent1"/>
+    </dgm:linClrLst>
+    <dgm:effectClrLst/>
+    <dgm:txLinClrLst/>
+    <dgm:txFillClrLst meth="repeat">
+      <a:schemeClr val="dk1"/>
+    </dgm:txFillClrLst>
+    <dgm:txEffectClrLst/>
+  </dgm:styleLbl>
+  <dgm:styleLbl name="bgAcc1">
+    <dgm:fillClrLst meth="repeat">
+      <a:schemeClr val="lt1">
+        <a:alpha val="90000"/>
+      </a:schemeClr>
+    </dgm:fillClrLst>
+    <dgm:linClrLst meth="repeat">
+      <a:schemeClr val="accent1"/>
+    </dgm:linClrLst>
+    <dgm:effectClrLst/>
+    <dgm:txLinClrLst/>
+    <dgm:txFillClrLst meth="repeat">
+      <a:schemeClr val="dk1"/>
+    </dgm:txFillClrLst>
+    <dgm:txEffectClrLst/>
+  </dgm:styleLbl>
+  <dgm:styleLbl name="solidFgAcc1">
+    <dgm:fillClrLst meth="repeat">
+      <a:schemeClr val="lt1"/>
+    </dgm:fillClrLst>
+    <dgm:linClrLst meth="repeat">
+      <a:schemeClr val="accent1"/>
+    </dgm:linClrLst>
+    <dgm:effectClrLst/>
+    <dgm:txLinClrLst/>
+    <dgm:txFillClrLst meth="repeat">
+      <a:schemeClr val="dk1"/>
+    </dgm:txFillClrLst>
+    <dgm:txEffectClrLst/>
+  </dgm:styleLbl>
+  <dgm:styleLbl name="solidAlignAcc1">
+    <dgm:fillClrLst meth="repeat">
+      <a:schemeClr val="lt1"/>
+    </dgm:fillClrLst>
+    <dgm:linClrLst meth="repeat">
+      <a:schemeClr val="accent1"/>
+    </dgm:linClrLst>
+    <dgm:effectClrLst/>
+    <dgm:txLinClrLst/>
+    <dgm:txFillClrLst meth="repeat">
+      <a:schemeClr val="dk1"/>
+    </dgm:txFillClrLst>
+    <dgm:txEffectClrLst/>
+  </dgm:styleLbl>
+  <dgm:styleLbl name="solidBgAcc1">
+    <dgm:fillClrLst meth="repeat">
+      <a:schemeClr val="lt1"/>
+    </dgm:fillClrLst>
+    <dgm:linClrLst meth="repeat">
+      <a:schemeClr val="accent1"/>
+    </dgm:linClrLst>
+    <dgm:effectClrLst/>
+    <dgm:txLinClrLst/>
+    <dgm:txFillClrLst meth="repeat">
+      <a:schemeClr val="dk1"/>
+    </dgm:txFillClrLst>
+    <dgm:txEffectClrLst/>
+  </dgm:styleLbl>
+  <dgm:styleLbl name="fgAccFollowNode1">
+    <dgm:fillClrLst meth="repeat">
+      <a:schemeClr val="accent1">
+        <a:alpha val="90000"/>
+        <a:tint val="40000"/>
+      </a:schemeClr>
+    </dgm:fillClrLst>
+    <dgm:linClrLst meth="repeat">
+      <a:schemeClr val="accent1">
+        <a:alpha val="90000"/>
+        <a:tint val="40000"/>
+      </a:schemeClr>
+    </dgm:linClrLst>
+    <dgm:effectClrLst/>
+    <dgm:txLinClrLst/>
+    <dgm:txFillClrLst meth="repeat">
+      <a:schemeClr val="dk1"/>
+    </dgm:txFillClrLst>
+    <dgm:txEffectClrLst/>
+  </dgm:styleLbl>
+  <dgm:styleLbl name="alignAccFollowNode1">
+    <dgm:fillClrLst meth="repeat">
+      <a:schemeClr val="accent1">
+        <a:alpha val="90000"/>
+        <a:tint val="40000"/>
+      </a:schemeClr>
+    </dgm:fillClrLst>
+    <dgm:linClrLst meth="repeat">
+      <a:schemeClr val="accent1">
+        <a:alpha val="90000"/>
+        <a:tint val="40000"/>
+      </a:schemeClr>
+    </dgm:linClrLst>
+    <dgm:effectClrLst/>
+    <dgm:txLinClrLst/>
+    <dgm:txFillClrLst meth="repeat">
+      <a:schemeClr val="dk1"/>
+    </dgm:txFillClrLst>
+    <dgm:txEffectClrLst/>
+  </dgm:styleLbl>
+  <dgm:styleLbl name="bgAccFollowNode1">
+    <dgm:fillClrLst meth="repeat">
+      <a:schemeClr val="accent1">
+        <a:alpha val="90000"/>
+        <a:tint val="40000"/>
+      </a:schemeClr>
+    </dgm:fillClrLst>
+    <dgm:linClrLst meth="repeat">
+      <a:schemeClr val="accent1">
+        <a:alpha val="90000"/>
+        <a:tint val="40000"/>
+      </a:schemeClr>
+    </dgm:linClrLst>
+    <dgm:effectClrLst/>
+    <dgm:txLinClrLst/>
+    <dgm:txFillClrLst meth="repeat">
+      <a:schemeClr val="dk1"/>
+    </dgm:txFillClrLst>
+    <dgm:txEffectClrLst/>
+  </dgm:styleLbl>
+  <dgm:styleLbl name="fgAcc0">
+    <dgm:fillClrLst meth="repeat">
+      <a:schemeClr val="lt1">
+        <a:alpha val="90000"/>
+      </a:schemeClr>
+    </dgm:fillClrLst>
+    <dgm:linClrLst meth="repeat">
+      <a:schemeClr val="accent1"/>
+    </dgm:linClrLst>
+    <dgm:effectClrLst/>
+    <dgm:txLinClrLst/>
+    <dgm:txFillClrLst meth="repeat">
+      <a:schemeClr val="dk1"/>
+    </dgm:txFillClrLst>
+    <dgm:txEffectClrLst/>
+  </dgm:styleLbl>
+  <dgm:styleLbl name="fgAcc2">
+    <dgm:fillClrLst meth="repeat">
+      <a:schemeClr val="lt1">
+        <a:alpha val="90000"/>
+      </a:schemeClr>
+    </dgm:fillClrLst>
+    <dgm:linClrLst meth="repeat">
+      <a:schemeClr val="accent1"/>
+    </dgm:linClrLst>
+    <dgm:effectClrLst/>
+    <dgm:txLinClrLst/>
+    <dgm:txFillClrLst meth="repeat">
+      <a:schemeClr val="dk1"/>
+    </dgm:txFillClrLst>
+    <dgm:txEffectClrLst/>
+  </dgm:styleLbl>
+  <dgm:styleLbl name="fgAcc3">
+    <dgm:fillClrLst meth="repeat">
+      <a:schemeClr val="lt1">
+        <a:alpha val="90000"/>
+      </a:schemeClr>
+    </dgm:fillClrLst>
+    <dgm:linClrLst meth="repeat">
+      <a:schemeClr val="accent1"/>
+    </dgm:linClrLst>
+    <dgm:effectClrLst/>
+    <dgm:txLinClrLst/>
+    <dgm:txFillClrLst meth="repeat">
+      <a:schemeClr val="dk1"/>
+    </dgm:txFillClrLst>
+    <dgm:txEffectClrLst/>
+  </dgm:styleLbl>
+  <dgm:styleLbl name="fgAcc4">
+    <dgm:fillClrLst meth="repeat">
+      <a:schemeClr val="lt1">
+        <a:alpha val="90000"/>
+      </a:schemeClr>
+    </dgm:fillClrLst>
+    <dgm:linClrLst meth="repeat">
+      <a:schemeClr val="accent1"/>
+    </dgm:linClrLst>
+    <dgm:effectClrLst/>
+    <dgm:txLinClrLst/>
+    <dgm:txFillClrLst meth="repeat">
+      <a:schemeClr val="dk1"/>
+    </dgm:txFillClrLst>
+    <dgm:txEffectClrLst/>
+  </dgm:styleLbl>
+  <dgm:styleLbl name="bgShp">
+    <dgm:fillClrLst meth="repeat">
+      <a:schemeClr val="accent1">
+        <a:tint val="40000"/>
+      </a:schemeClr>
+    </dgm:fillClrLst>
+    <dgm:linClrLst meth="repeat">
+      <a:schemeClr val="accent1"/>
+    </dgm:linClrLst>
+    <dgm:effectClrLst/>
+    <dgm:txLinClrLst/>
+    <dgm:txFillClrLst meth="repeat">
+      <a:schemeClr val="dk1"/>
+    </dgm:txFillClrLst>
+    <dgm:txEffectClrLst/>
+  </dgm:styleLbl>
+  <dgm:styleLbl name="dkBgShp">
+    <dgm:fillClrLst meth="repeat">
+      <a:schemeClr val="accent1">
+        <a:shade val="80000"/>
+      </a:schemeClr>
+    </dgm:fillClrLst>
+    <dgm:linClrLst meth="repeat">
+      <a:schemeClr val="accent1"/>
+    </dgm:linClrLst>
+    <dgm:effectClrLst/>
+    <dgm:txLinClrLst/>
+    <dgm:txFillClrLst meth="repeat">
+      <a:schemeClr val="lt1"/>
+    </dgm:txFillClrLst>
+    <dgm:txEffectClrLst/>
+  </dgm:styleLbl>
+  <dgm:styleLbl name="trBgShp">
+    <dgm:fillClrLst meth="repeat">
+      <a:schemeClr val="accent1">
+        <a:tint val="50000"/>
+        <a:alpha val="40000"/>
+      </a:schemeClr>
+    </dgm:fillClrLst>
+    <dgm:linClrLst meth="repeat">
+      <a:schemeClr val="accent1"/>
+    </dgm:linClrLst>
+    <dgm:effectClrLst/>
+    <dgm:txLinClrLst/>
+    <dgm:txFillClrLst meth="repeat">
+      <a:schemeClr val="lt1"/>
+    </dgm:txFillClrLst>
+    <dgm:txEffectClrLst/>
+  </dgm:styleLbl>
+  <dgm:styleLbl name="fgShp">
+    <dgm:fillClrLst meth="repeat">
+      <a:schemeClr val="accent1">
+        <a:tint val="60000"/>
+      </a:schemeClr>
+    </dgm:fillClrLst>
+    <dgm:linClrLst meth="repeat">
+      <a:schemeClr val="lt1"/>
+    </dgm:linClrLst>
+    <dgm:effectClrLst/>
+    <dgm:txLinClrLst/>
+    <dgm:txFillClrLst meth="repeat">
+      <a:schemeClr val="dk1"/>
+    </dgm:txFillClrLst>
+    <dgm:txEffectClrLst/>
+  </dgm:styleLbl>
+  <dgm:styleLbl name="revTx">
+    <dgm:fillClrLst meth="repeat">
+      <a:schemeClr val="lt1">
+        <a:alpha val="0"/>
+      </a:schemeClr>
+    </dgm:fillClrLst>
+    <dgm:linClrLst meth="repeat">
+      <a:schemeClr val="dk1">
+        <a:alpha val="0"/>
+      </a:schemeClr>
+    </dgm:linClrLst>
+    <dgm:effectClrLst/>
+    <dgm:txLinClrLst/>
+    <dgm:txFillClrLst meth="repeat">
+      <a:schemeClr val="tx1"/>
+    </dgm:txFillClrLst>
+    <dgm:txEffectClrLst/>
+  </dgm:styleLbl>
+</dgm:colorsDef>
+</file>
+
+<file path=ppt/diagrams/colors15.xml><?xml version="1.0" encoding="utf-8"?>
 <dgm:colorsDef xmlns:dgm="http://schemas.openxmlformats.org/drawingml/2006/diagram" xmlns:a="http://schemas.openxmlformats.org/drawingml/2006/main" uniqueId="urn:microsoft.com/office/officeart/2005/8/colors/accent1_2">
   <dgm:title val=""/>
   <dgm:desc val=""/>
@@ -11059,6 +12555,442 @@
         <a:p>
           <a:r>
             <a:rPr lang="de-DE" sz="1400" dirty="0" smtClean="0"/>
+            <a:t>Projekt-realisierung</a:t>
+          </a:r>
+          <a:endParaRPr lang="de-DE" sz="1400" dirty="0"/>
+        </a:p>
+      </dgm:t>
+    </dgm:pt>
+    <dgm:pt modelId="{C6CDA3AD-EA65-4157-B9C6-964F7B80EBD7}" type="parTrans" cxnId="{78E9A333-69E5-4D5D-9BED-BB153224E0E1}">
+      <dgm:prSet/>
+      <dgm:spPr/>
+      <dgm:t>
+        <a:bodyPr/>
+        <a:lstStyle/>
+        <a:p>
+          <a:endParaRPr lang="de-DE" sz="1400"/>
+        </a:p>
+      </dgm:t>
+    </dgm:pt>
+    <dgm:pt modelId="{FBC88C4D-51AF-4DFF-9D3B-64DA397B0701}" type="sibTrans" cxnId="{78E9A333-69E5-4D5D-9BED-BB153224E0E1}">
+      <dgm:prSet custT="1"/>
+      <dgm:spPr/>
+      <dgm:t>
+        <a:bodyPr/>
+        <a:lstStyle/>
+        <a:p>
+          <a:endParaRPr lang="de-DE" sz="1400" dirty="0"/>
+        </a:p>
+      </dgm:t>
+    </dgm:pt>
+    <dgm:pt modelId="{883B4115-6FC4-44A7-B9C7-5C33DBCF33AE}">
+      <dgm:prSet phldrT="[Text]" custT="1"/>
+      <dgm:spPr>
+        <a:solidFill>
+          <a:srgbClr val="036A90">
+            <a:alpha val="54000"/>
+          </a:srgbClr>
+        </a:solidFill>
+      </dgm:spPr>
+      <dgm:t>
+        <a:bodyPr/>
+        <a:lstStyle/>
+        <a:p>
+          <a:r>
+            <a:rPr lang="de-DE" sz="1400" dirty="0" smtClean="0"/>
+            <a:t>Projektauftrag</a:t>
+          </a:r>
+          <a:endParaRPr lang="de-DE" sz="1400" dirty="0"/>
+        </a:p>
+      </dgm:t>
+    </dgm:pt>
+    <dgm:pt modelId="{C297166A-474C-4E15-8750-9B03D18CCFF6}" type="parTrans" cxnId="{A5ABBF4E-B66F-4DD8-BF06-AEEE8EC249C6}">
+      <dgm:prSet/>
+      <dgm:spPr/>
+      <dgm:t>
+        <a:bodyPr/>
+        <a:lstStyle/>
+        <a:p>
+          <a:endParaRPr lang="de-DE" sz="1400"/>
+        </a:p>
+      </dgm:t>
+    </dgm:pt>
+    <dgm:pt modelId="{D975FE47-31BA-42C7-9CE8-48468A4F6A06}" type="sibTrans" cxnId="{A5ABBF4E-B66F-4DD8-BF06-AEEE8EC249C6}">
+      <dgm:prSet custT="1"/>
+      <dgm:spPr/>
+      <dgm:t>
+        <a:bodyPr/>
+        <a:lstStyle/>
+        <a:p>
+          <a:endParaRPr lang="de-DE" sz="1400" dirty="0"/>
+        </a:p>
+      </dgm:t>
+    </dgm:pt>
+    <dgm:pt modelId="{94E8A036-7CED-443A-89D4-E72BE7BB0C94}">
+      <dgm:prSet phldrT="[Text]" custT="1"/>
+      <dgm:spPr>
+        <a:solidFill>
+          <a:srgbClr val="036A90"/>
+        </a:solidFill>
+      </dgm:spPr>
+      <dgm:t>
+        <a:bodyPr/>
+        <a:lstStyle/>
+        <a:p>
+          <a:r>
+            <a:rPr lang="de-DE" sz="1400" dirty="0" smtClean="0"/>
+            <a:t>Projektplanung</a:t>
+          </a:r>
+          <a:endParaRPr lang="de-DE" sz="1400" dirty="0"/>
+        </a:p>
+      </dgm:t>
+    </dgm:pt>
+    <dgm:pt modelId="{713D5F08-46DF-4FCB-8AA0-F36FA7FC2EE4}" type="parTrans" cxnId="{A753EA2C-A4C6-44F2-9C76-59F46461CC9C}">
+      <dgm:prSet/>
+      <dgm:spPr/>
+      <dgm:t>
+        <a:bodyPr/>
+        <a:lstStyle/>
+        <a:p>
+          <a:endParaRPr lang="de-DE" sz="1400"/>
+        </a:p>
+      </dgm:t>
+    </dgm:pt>
+    <dgm:pt modelId="{1F136B2F-1158-48FB-BDFB-F6E66779C97E}" type="sibTrans" cxnId="{A753EA2C-A4C6-44F2-9C76-59F46461CC9C}">
+      <dgm:prSet custT="1"/>
+      <dgm:spPr/>
+      <dgm:t>
+        <a:bodyPr/>
+        <a:lstStyle/>
+        <a:p>
+          <a:endParaRPr lang="de-DE" sz="1400" dirty="0"/>
+        </a:p>
+      </dgm:t>
+    </dgm:pt>
+    <dgm:pt modelId="{68FC5FCA-1C51-4371-8D10-7C79BB6C50C8}" type="pres">
+      <dgm:prSet presAssocID="{F6695FA0-6FCE-495A-88E8-3B83EB56ED3B}" presName="linearFlow" presStyleCnt="0">
+        <dgm:presLayoutVars>
+          <dgm:resizeHandles val="exact"/>
+        </dgm:presLayoutVars>
+      </dgm:prSet>
+      <dgm:spPr/>
+    </dgm:pt>
+    <dgm:pt modelId="{15EFE04D-73AA-41FF-A2DE-FDF35ACA5415}" type="pres">
+      <dgm:prSet presAssocID="{E540C146-3755-4534-9BD5-F3D62C7474AF}" presName="node" presStyleLbl="node1" presStyleIdx="0" presStyleCnt="5">
+        <dgm:presLayoutVars>
+          <dgm:bulletEnabled val="1"/>
+        </dgm:presLayoutVars>
+      </dgm:prSet>
+      <dgm:spPr/>
+      <dgm:t>
+        <a:bodyPr/>
+        <a:lstStyle/>
+        <a:p>
+          <a:endParaRPr lang="de-DE"/>
+        </a:p>
+      </dgm:t>
+    </dgm:pt>
+    <dgm:pt modelId="{61D0C34D-7EA4-46C7-80D3-027C68C542A6}" type="pres">
+      <dgm:prSet presAssocID="{68D04D58-2270-4BE3-9D8C-8CF3995FC312}" presName="sibTrans" presStyleLbl="sibTrans2D1" presStyleIdx="0" presStyleCnt="4"/>
+      <dgm:spPr/>
+      <dgm:t>
+        <a:bodyPr/>
+        <a:lstStyle/>
+        <a:p>
+          <a:endParaRPr lang="de-DE"/>
+        </a:p>
+      </dgm:t>
+    </dgm:pt>
+    <dgm:pt modelId="{1A6B8648-FF51-467C-99BF-C507E6A02D29}" type="pres">
+      <dgm:prSet presAssocID="{68D04D58-2270-4BE3-9D8C-8CF3995FC312}" presName="connectorText" presStyleLbl="sibTrans2D1" presStyleIdx="0" presStyleCnt="4"/>
+      <dgm:spPr/>
+      <dgm:t>
+        <a:bodyPr/>
+        <a:lstStyle/>
+        <a:p>
+          <a:endParaRPr lang="de-DE"/>
+        </a:p>
+      </dgm:t>
+    </dgm:pt>
+    <dgm:pt modelId="{D31CC3E8-2341-4337-9741-B7D26D35669A}" type="pres">
+      <dgm:prSet presAssocID="{883B4115-6FC4-44A7-B9C7-5C33DBCF33AE}" presName="node" presStyleLbl="node1" presStyleIdx="1" presStyleCnt="5">
+        <dgm:presLayoutVars>
+          <dgm:bulletEnabled val="1"/>
+        </dgm:presLayoutVars>
+      </dgm:prSet>
+      <dgm:spPr/>
+      <dgm:t>
+        <a:bodyPr/>
+        <a:lstStyle/>
+        <a:p>
+          <a:endParaRPr lang="de-DE"/>
+        </a:p>
+      </dgm:t>
+    </dgm:pt>
+    <dgm:pt modelId="{1070C37C-C3F8-459A-87BE-B3BA51397199}" type="pres">
+      <dgm:prSet presAssocID="{D975FE47-31BA-42C7-9CE8-48468A4F6A06}" presName="sibTrans" presStyleLbl="sibTrans2D1" presStyleIdx="1" presStyleCnt="4"/>
+      <dgm:spPr/>
+      <dgm:t>
+        <a:bodyPr/>
+        <a:lstStyle/>
+        <a:p>
+          <a:endParaRPr lang="de-DE"/>
+        </a:p>
+      </dgm:t>
+    </dgm:pt>
+    <dgm:pt modelId="{E4ABA5BD-2A48-49A1-9BA7-303EA8D0CBA2}" type="pres">
+      <dgm:prSet presAssocID="{D975FE47-31BA-42C7-9CE8-48468A4F6A06}" presName="connectorText" presStyleLbl="sibTrans2D1" presStyleIdx="1" presStyleCnt="4"/>
+      <dgm:spPr/>
+      <dgm:t>
+        <a:bodyPr/>
+        <a:lstStyle/>
+        <a:p>
+          <a:endParaRPr lang="de-DE"/>
+        </a:p>
+      </dgm:t>
+    </dgm:pt>
+    <dgm:pt modelId="{7AF88F15-3B35-4D27-BAD3-CBC44147F2B1}" type="pres">
+      <dgm:prSet presAssocID="{94E8A036-7CED-443A-89D4-E72BE7BB0C94}" presName="node" presStyleLbl="node1" presStyleIdx="2" presStyleCnt="5">
+        <dgm:presLayoutVars>
+          <dgm:bulletEnabled val="1"/>
+        </dgm:presLayoutVars>
+      </dgm:prSet>
+      <dgm:spPr/>
+      <dgm:t>
+        <a:bodyPr/>
+        <a:lstStyle/>
+        <a:p>
+          <a:endParaRPr lang="de-DE"/>
+        </a:p>
+      </dgm:t>
+    </dgm:pt>
+    <dgm:pt modelId="{FB1739B4-DA90-41D8-B9A7-1B16ED90DCE5}" type="pres">
+      <dgm:prSet presAssocID="{1F136B2F-1158-48FB-BDFB-F6E66779C97E}" presName="sibTrans" presStyleLbl="sibTrans2D1" presStyleIdx="2" presStyleCnt="4"/>
+      <dgm:spPr/>
+      <dgm:t>
+        <a:bodyPr/>
+        <a:lstStyle/>
+        <a:p>
+          <a:endParaRPr lang="de-DE"/>
+        </a:p>
+      </dgm:t>
+    </dgm:pt>
+    <dgm:pt modelId="{691C7C12-93FA-43A9-8E81-9A53C1697F60}" type="pres">
+      <dgm:prSet presAssocID="{1F136B2F-1158-48FB-BDFB-F6E66779C97E}" presName="connectorText" presStyleLbl="sibTrans2D1" presStyleIdx="2" presStyleCnt="4"/>
+      <dgm:spPr/>
+      <dgm:t>
+        <a:bodyPr/>
+        <a:lstStyle/>
+        <a:p>
+          <a:endParaRPr lang="de-DE"/>
+        </a:p>
+      </dgm:t>
+    </dgm:pt>
+    <dgm:pt modelId="{EFFBC16E-D827-45B5-A584-FCB65E01A582}" type="pres">
+      <dgm:prSet presAssocID="{3562C60D-B6DE-4C33-A590-30E6C20F67EA}" presName="node" presStyleLbl="node1" presStyleIdx="3" presStyleCnt="5">
+        <dgm:presLayoutVars>
+          <dgm:bulletEnabled val="1"/>
+        </dgm:presLayoutVars>
+      </dgm:prSet>
+      <dgm:spPr/>
+      <dgm:t>
+        <a:bodyPr/>
+        <a:lstStyle/>
+        <a:p>
+          <a:endParaRPr lang="de-DE"/>
+        </a:p>
+      </dgm:t>
+    </dgm:pt>
+    <dgm:pt modelId="{EF4B894E-A424-49B4-A76E-8B19CCB456FD}" type="pres">
+      <dgm:prSet presAssocID="{FBC88C4D-51AF-4DFF-9D3B-64DA397B0701}" presName="sibTrans" presStyleLbl="sibTrans2D1" presStyleIdx="3" presStyleCnt="4"/>
+      <dgm:spPr/>
+      <dgm:t>
+        <a:bodyPr/>
+        <a:lstStyle/>
+        <a:p>
+          <a:endParaRPr lang="de-DE"/>
+        </a:p>
+      </dgm:t>
+    </dgm:pt>
+    <dgm:pt modelId="{4F3563E5-09DD-428D-9058-098045D29AAB}" type="pres">
+      <dgm:prSet presAssocID="{FBC88C4D-51AF-4DFF-9D3B-64DA397B0701}" presName="connectorText" presStyleLbl="sibTrans2D1" presStyleIdx="3" presStyleCnt="4"/>
+      <dgm:spPr/>
+      <dgm:t>
+        <a:bodyPr/>
+        <a:lstStyle/>
+        <a:p>
+          <a:endParaRPr lang="de-DE"/>
+        </a:p>
+      </dgm:t>
+    </dgm:pt>
+    <dgm:pt modelId="{3DE87748-6AA3-488C-9F4A-A906874F2422}" type="pres">
+      <dgm:prSet presAssocID="{EDB7A953-EC6F-4911-815B-AF3ED3DF28AB}" presName="node" presStyleLbl="node1" presStyleIdx="4" presStyleCnt="5">
+        <dgm:presLayoutVars>
+          <dgm:bulletEnabled val="1"/>
+        </dgm:presLayoutVars>
+      </dgm:prSet>
+      <dgm:spPr/>
+      <dgm:t>
+        <a:bodyPr/>
+        <a:lstStyle/>
+        <a:p>
+          <a:endParaRPr lang="de-DE"/>
+        </a:p>
+      </dgm:t>
+    </dgm:pt>
+  </dgm:ptLst>
+  <dgm:cxnLst>
+    <dgm:cxn modelId="{73007C32-EFA1-433B-BA19-0EE5133CE369}" type="presOf" srcId="{E540C146-3755-4534-9BD5-F3D62C7474AF}" destId="{15EFE04D-73AA-41FF-A2DE-FDF35ACA5415}" srcOrd="0" destOrd="0" presId="urn:microsoft.com/office/officeart/2005/8/layout/process2"/>
+    <dgm:cxn modelId="{84DEE59A-F5FD-43AB-8CCD-DDC797E55A09}" type="presOf" srcId="{FBC88C4D-51AF-4DFF-9D3B-64DA397B0701}" destId="{EF4B894E-A424-49B4-A76E-8B19CCB456FD}" srcOrd="0" destOrd="0" presId="urn:microsoft.com/office/officeart/2005/8/layout/process2"/>
+    <dgm:cxn modelId="{A5ABBF4E-B66F-4DD8-BF06-AEEE8EC249C6}" srcId="{F6695FA0-6FCE-495A-88E8-3B83EB56ED3B}" destId="{883B4115-6FC4-44A7-B9C7-5C33DBCF33AE}" srcOrd="1" destOrd="0" parTransId="{C297166A-474C-4E15-8750-9B03D18CCFF6}" sibTransId="{D975FE47-31BA-42C7-9CE8-48468A4F6A06}"/>
+    <dgm:cxn modelId="{D64A2D64-0F80-41B9-BB75-A9E686F1C50D}" type="presOf" srcId="{68D04D58-2270-4BE3-9D8C-8CF3995FC312}" destId="{1A6B8648-FF51-467C-99BF-C507E6A02D29}" srcOrd="1" destOrd="0" presId="urn:microsoft.com/office/officeart/2005/8/layout/process2"/>
+    <dgm:cxn modelId="{3723ACB8-B909-412F-9AE5-373716F8BF65}" type="presOf" srcId="{F6695FA0-6FCE-495A-88E8-3B83EB56ED3B}" destId="{68FC5FCA-1C51-4371-8D10-7C79BB6C50C8}" srcOrd="0" destOrd="0" presId="urn:microsoft.com/office/officeart/2005/8/layout/process2"/>
+    <dgm:cxn modelId="{56D92CE0-CE96-443B-AD88-B5E1A1F7EEA7}" type="presOf" srcId="{883B4115-6FC4-44A7-B9C7-5C33DBCF33AE}" destId="{D31CC3E8-2341-4337-9741-B7D26D35669A}" srcOrd="0" destOrd="0" presId="urn:microsoft.com/office/officeart/2005/8/layout/process2"/>
+    <dgm:cxn modelId="{8D305051-CBCB-4C6D-AFEA-9816B0DC9A25}" type="presOf" srcId="{EDB7A953-EC6F-4911-815B-AF3ED3DF28AB}" destId="{3DE87748-6AA3-488C-9F4A-A906874F2422}" srcOrd="0" destOrd="0" presId="urn:microsoft.com/office/officeart/2005/8/layout/process2"/>
+    <dgm:cxn modelId="{F2FD7C9D-A56F-4F43-A0FB-EBB29786869A}" type="presOf" srcId="{D975FE47-31BA-42C7-9CE8-48468A4F6A06}" destId="{E4ABA5BD-2A48-49A1-9BA7-303EA8D0CBA2}" srcOrd="1" destOrd="0" presId="urn:microsoft.com/office/officeart/2005/8/layout/process2"/>
+    <dgm:cxn modelId="{A8DED6D8-C182-4BA0-B627-E091F8E22B49}" type="presOf" srcId="{94E8A036-7CED-443A-89D4-E72BE7BB0C94}" destId="{7AF88F15-3B35-4D27-BAD3-CBC44147F2B1}" srcOrd="0" destOrd="0" presId="urn:microsoft.com/office/officeart/2005/8/layout/process2"/>
+    <dgm:cxn modelId="{20C85854-DF10-41B2-8355-2293C5EA9E94}" type="presOf" srcId="{FBC88C4D-51AF-4DFF-9D3B-64DA397B0701}" destId="{4F3563E5-09DD-428D-9058-098045D29AAB}" srcOrd="1" destOrd="0" presId="urn:microsoft.com/office/officeart/2005/8/layout/process2"/>
+    <dgm:cxn modelId="{08F31A9F-9940-4BAB-AB5C-2F8A0B0CDCCE}" srcId="{F6695FA0-6FCE-495A-88E8-3B83EB56ED3B}" destId="{E540C146-3755-4534-9BD5-F3D62C7474AF}" srcOrd="0" destOrd="0" parTransId="{E57EECFB-4AF7-496C-AA21-9D2BDB952164}" sibTransId="{68D04D58-2270-4BE3-9D8C-8CF3995FC312}"/>
+    <dgm:cxn modelId="{17545458-0DAF-4FF0-B223-3AF5CA913554}" type="presOf" srcId="{1F136B2F-1158-48FB-BDFB-F6E66779C97E}" destId="{FB1739B4-DA90-41D8-B9A7-1B16ED90DCE5}" srcOrd="0" destOrd="0" presId="urn:microsoft.com/office/officeart/2005/8/layout/process2"/>
+    <dgm:cxn modelId="{BE35415B-F67F-48F9-8C03-8924AE5A2F0A}" type="presOf" srcId="{3562C60D-B6DE-4C33-A590-30E6C20F67EA}" destId="{EFFBC16E-D827-45B5-A584-FCB65E01A582}" srcOrd="0" destOrd="0" presId="urn:microsoft.com/office/officeart/2005/8/layout/process2"/>
+    <dgm:cxn modelId="{A753EA2C-A4C6-44F2-9C76-59F46461CC9C}" srcId="{F6695FA0-6FCE-495A-88E8-3B83EB56ED3B}" destId="{94E8A036-7CED-443A-89D4-E72BE7BB0C94}" srcOrd="2" destOrd="0" parTransId="{713D5F08-46DF-4FCB-8AA0-F36FA7FC2EE4}" sibTransId="{1F136B2F-1158-48FB-BDFB-F6E66779C97E}"/>
+    <dgm:cxn modelId="{878878A8-5E70-425E-AD08-AF02177885B6}" srcId="{F6695FA0-6FCE-495A-88E8-3B83EB56ED3B}" destId="{EDB7A953-EC6F-4911-815B-AF3ED3DF28AB}" srcOrd="4" destOrd="0" parTransId="{9BAEF0D2-03EF-4506-92E5-C021E9748159}" sibTransId="{280F9EDE-2C4C-44DD-95FC-0083E3626222}"/>
+    <dgm:cxn modelId="{E4C3FF03-1DE6-41B9-B80A-4216CA618F92}" type="presOf" srcId="{1F136B2F-1158-48FB-BDFB-F6E66779C97E}" destId="{691C7C12-93FA-43A9-8E81-9A53C1697F60}" srcOrd="1" destOrd="0" presId="urn:microsoft.com/office/officeart/2005/8/layout/process2"/>
+    <dgm:cxn modelId="{D7F713D1-52F7-40ED-AA52-2FE78B425560}" type="presOf" srcId="{D975FE47-31BA-42C7-9CE8-48468A4F6A06}" destId="{1070C37C-C3F8-459A-87BE-B3BA51397199}" srcOrd="0" destOrd="0" presId="urn:microsoft.com/office/officeart/2005/8/layout/process2"/>
+    <dgm:cxn modelId="{78E9A333-69E5-4D5D-9BED-BB153224E0E1}" srcId="{F6695FA0-6FCE-495A-88E8-3B83EB56ED3B}" destId="{3562C60D-B6DE-4C33-A590-30E6C20F67EA}" srcOrd="3" destOrd="0" parTransId="{C6CDA3AD-EA65-4157-B9C6-964F7B80EBD7}" sibTransId="{FBC88C4D-51AF-4DFF-9D3B-64DA397B0701}"/>
+    <dgm:cxn modelId="{146507C7-F3BA-41C0-B83B-B04574CE6D98}" type="presOf" srcId="{68D04D58-2270-4BE3-9D8C-8CF3995FC312}" destId="{61D0C34D-7EA4-46C7-80D3-027C68C542A6}" srcOrd="0" destOrd="0" presId="urn:microsoft.com/office/officeart/2005/8/layout/process2"/>
+    <dgm:cxn modelId="{F569AF15-5678-44F3-BD1A-C73FEA537856}" type="presParOf" srcId="{68FC5FCA-1C51-4371-8D10-7C79BB6C50C8}" destId="{15EFE04D-73AA-41FF-A2DE-FDF35ACA5415}" srcOrd="0" destOrd="0" presId="urn:microsoft.com/office/officeart/2005/8/layout/process2"/>
+    <dgm:cxn modelId="{D5E5536F-2C72-475A-A1FF-8B6EC0E9AD29}" type="presParOf" srcId="{68FC5FCA-1C51-4371-8D10-7C79BB6C50C8}" destId="{61D0C34D-7EA4-46C7-80D3-027C68C542A6}" srcOrd="1" destOrd="0" presId="urn:microsoft.com/office/officeart/2005/8/layout/process2"/>
+    <dgm:cxn modelId="{D4AA6532-B98B-4DCD-BB90-F81E2B35555E}" type="presParOf" srcId="{61D0C34D-7EA4-46C7-80D3-027C68C542A6}" destId="{1A6B8648-FF51-467C-99BF-C507E6A02D29}" srcOrd="0" destOrd="0" presId="urn:microsoft.com/office/officeart/2005/8/layout/process2"/>
+    <dgm:cxn modelId="{6C24064C-4B56-4C75-B8CB-3860FCECACF2}" type="presParOf" srcId="{68FC5FCA-1C51-4371-8D10-7C79BB6C50C8}" destId="{D31CC3E8-2341-4337-9741-B7D26D35669A}" srcOrd="2" destOrd="0" presId="urn:microsoft.com/office/officeart/2005/8/layout/process2"/>
+    <dgm:cxn modelId="{E2CA3822-977B-4466-B32A-075BC4532361}" type="presParOf" srcId="{68FC5FCA-1C51-4371-8D10-7C79BB6C50C8}" destId="{1070C37C-C3F8-459A-87BE-B3BA51397199}" srcOrd="3" destOrd="0" presId="urn:microsoft.com/office/officeart/2005/8/layout/process2"/>
+    <dgm:cxn modelId="{3FACA43E-5930-4F34-B564-9B4BEFD747F1}" type="presParOf" srcId="{1070C37C-C3F8-459A-87BE-B3BA51397199}" destId="{E4ABA5BD-2A48-49A1-9BA7-303EA8D0CBA2}" srcOrd="0" destOrd="0" presId="urn:microsoft.com/office/officeart/2005/8/layout/process2"/>
+    <dgm:cxn modelId="{042A24A2-FD00-488D-AEF7-101016AF5D57}" type="presParOf" srcId="{68FC5FCA-1C51-4371-8D10-7C79BB6C50C8}" destId="{7AF88F15-3B35-4D27-BAD3-CBC44147F2B1}" srcOrd="4" destOrd="0" presId="urn:microsoft.com/office/officeart/2005/8/layout/process2"/>
+    <dgm:cxn modelId="{A392F4B9-0B24-4B69-8F65-C996FE10018E}" type="presParOf" srcId="{68FC5FCA-1C51-4371-8D10-7C79BB6C50C8}" destId="{FB1739B4-DA90-41D8-B9A7-1B16ED90DCE5}" srcOrd="5" destOrd="0" presId="urn:microsoft.com/office/officeart/2005/8/layout/process2"/>
+    <dgm:cxn modelId="{9DBD20E7-7FDB-4649-A08D-7FC49D7FD1FA}" type="presParOf" srcId="{FB1739B4-DA90-41D8-B9A7-1B16ED90DCE5}" destId="{691C7C12-93FA-43A9-8E81-9A53C1697F60}" srcOrd="0" destOrd="0" presId="urn:microsoft.com/office/officeart/2005/8/layout/process2"/>
+    <dgm:cxn modelId="{3406B9CD-2ED8-456E-8337-1208790AA29C}" type="presParOf" srcId="{68FC5FCA-1C51-4371-8D10-7C79BB6C50C8}" destId="{EFFBC16E-D827-45B5-A584-FCB65E01A582}" srcOrd="6" destOrd="0" presId="urn:microsoft.com/office/officeart/2005/8/layout/process2"/>
+    <dgm:cxn modelId="{D90A8BDF-527B-4FFA-9374-AA380ED15420}" type="presParOf" srcId="{68FC5FCA-1C51-4371-8D10-7C79BB6C50C8}" destId="{EF4B894E-A424-49B4-A76E-8B19CCB456FD}" srcOrd="7" destOrd="0" presId="urn:microsoft.com/office/officeart/2005/8/layout/process2"/>
+    <dgm:cxn modelId="{8FA44A6E-2F5D-4E2F-AE59-78835C2D0827}" type="presParOf" srcId="{EF4B894E-A424-49B4-A76E-8B19CCB456FD}" destId="{4F3563E5-09DD-428D-9058-098045D29AAB}" srcOrd="0" destOrd="0" presId="urn:microsoft.com/office/officeart/2005/8/layout/process2"/>
+    <dgm:cxn modelId="{94079C96-F689-4A90-8AFB-DF15BAAE2DC5}" type="presParOf" srcId="{68FC5FCA-1C51-4371-8D10-7C79BB6C50C8}" destId="{3DE87748-6AA3-488C-9F4A-A906874F2422}" srcOrd="8" destOrd="0" presId="urn:microsoft.com/office/officeart/2005/8/layout/process2"/>
+  </dgm:cxnLst>
+  <dgm:bg/>
+  <dgm:whole/>
+  <dgm:extLst>
+    <a:ext uri="http://schemas.microsoft.com/office/drawing/2008/diagram">
+      <dsp:dataModelExt xmlns:dsp="http://schemas.microsoft.com/office/drawing/2008/diagram" relId="rId7" minVer="http://schemas.openxmlformats.org/drawingml/2006/diagram"/>
+    </a:ext>
+  </dgm:extLst>
+</dgm:dataModel>
+</file>
+
+<file path=ppt/diagrams/data11.xml><?xml version="1.0" encoding="utf-8"?>
+<dgm:dataModel xmlns:dgm="http://schemas.openxmlformats.org/drawingml/2006/diagram" xmlns:a="http://schemas.openxmlformats.org/drawingml/2006/main">
+  <dgm:ptLst>
+    <dgm:pt modelId="{F6695FA0-6FCE-495A-88E8-3B83EB56ED3B}" type="doc">
+      <dgm:prSet loTypeId="urn:microsoft.com/office/officeart/2005/8/layout/process2" loCatId="process" qsTypeId="urn:microsoft.com/office/officeart/2005/8/quickstyle/simple1" qsCatId="simple" csTypeId="urn:microsoft.com/office/officeart/2005/8/colors/accent1_2" csCatId="accent1" phldr="1"/>
+      <dgm:spPr/>
+    </dgm:pt>
+    <dgm:pt modelId="{E540C146-3755-4534-9BD5-F3D62C7474AF}">
+      <dgm:prSet phldrT="[Text]" custT="1"/>
+      <dgm:spPr>
+        <a:solidFill>
+          <a:srgbClr val="036A90">
+            <a:alpha val="54000"/>
+          </a:srgbClr>
+        </a:solidFill>
+      </dgm:spPr>
+      <dgm:t>
+        <a:bodyPr/>
+        <a:lstStyle/>
+        <a:p>
+          <a:r>
+            <a:rPr lang="de-DE" sz="1400" dirty="0" smtClean="0"/>
+            <a:t>Einführung</a:t>
+          </a:r>
+          <a:endParaRPr lang="de-DE" sz="1400" dirty="0"/>
+        </a:p>
+      </dgm:t>
+    </dgm:pt>
+    <dgm:pt modelId="{E57EECFB-4AF7-496C-AA21-9D2BDB952164}" type="parTrans" cxnId="{08F31A9F-9940-4BAB-AB5C-2F8A0B0CDCCE}">
+      <dgm:prSet/>
+      <dgm:spPr/>
+      <dgm:t>
+        <a:bodyPr/>
+        <a:lstStyle/>
+        <a:p>
+          <a:endParaRPr lang="de-DE" sz="1400"/>
+        </a:p>
+      </dgm:t>
+    </dgm:pt>
+    <dgm:pt modelId="{68D04D58-2270-4BE3-9D8C-8CF3995FC312}" type="sibTrans" cxnId="{08F31A9F-9940-4BAB-AB5C-2F8A0B0CDCCE}">
+      <dgm:prSet custT="1"/>
+      <dgm:spPr/>
+      <dgm:t>
+        <a:bodyPr/>
+        <a:lstStyle/>
+        <a:p>
+          <a:endParaRPr lang="de-DE" sz="1400" dirty="0"/>
+        </a:p>
+      </dgm:t>
+    </dgm:pt>
+    <dgm:pt modelId="{EDB7A953-EC6F-4911-815B-AF3ED3DF28AB}">
+      <dgm:prSet phldrT="[Text]" custT="1"/>
+      <dgm:spPr>
+        <a:solidFill>
+          <a:srgbClr val="036A90">
+            <a:alpha val="54000"/>
+          </a:srgbClr>
+        </a:solidFill>
+      </dgm:spPr>
+      <dgm:t>
+        <a:bodyPr/>
+        <a:lstStyle/>
+        <a:p>
+          <a:r>
+            <a:rPr lang="de-DE" sz="1400" dirty="0" smtClean="0"/>
+            <a:t>Projekt-abschluss</a:t>
+          </a:r>
+          <a:endParaRPr lang="de-DE" sz="1400" dirty="0"/>
+        </a:p>
+      </dgm:t>
+    </dgm:pt>
+    <dgm:pt modelId="{9BAEF0D2-03EF-4506-92E5-C021E9748159}" type="parTrans" cxnId="{878878A8-5E70-425E-AD08-AF02177885B6}">
+      <dgm:prSet/>
+      <dgm:spPr/>
+      <dgm:t>
+        <a:bodyPr/>
+        <a:lstStyle/>
+        <a:p>
+          <a:endParaRPr lang="de-DE" sz="1400"/>
+        </a:p>
+      </dgm:t>
+    </dgm:pt>
+    <dgm:pt modelId="{280F9EDE-2C4C-44DD-95FC-0083E3626222}" type="sibTrans" cxnId="{878878A8-5E70-425E-AD08-AF02177885B6}">
+      <dgm:prSet/>
+      <dgm:spPr/>
+      <dgm:t>
+        <a:bodyPr/>
+        <a:lstStyle/>
+        <a:p>
+          <a:endParaRPr lang="de-DE" sz="1400"/>
+        </a:p>
+      </dgm:t>
+    </dgm:pt>
+    <dgm:pt modelId="{3562C60D-B6DE-4C33-A590-30E6C20F67EA}">
+      <dgm:prSet phldrT="[Text]" custT="1"/>
+      <dgm:spPr>
+        <a:solidFill>
+          <a:srgbClr val="036A90">
+            <a:alpha val="54000"/>
+          </a:srgbClr>
+        </a:solidFill>
+      </dgm:spPr>
+      <dgm:t>
+        <a:bodyPr/>
+        <a:lstStyle/>
+        <a:p>
+          <a:r>
+            <a:rPr lang="de-DE" sz="1400" dirty="0" smtClean="0"/>
             <a:t>Projektplanung</a:t>
           </a:r>
           <a:endParaRPr lang="de-DE" sz="1400" dirty="0"/>
@@ -11387,7 +13319,443 @@
 </dgm:dataModel>
 </file>
 
-<file path=ppt/diagrams/data11.xml><?xml version="1.0" encoding="utf-8"?>
+<file path=ppt/diagrams/data12.xml><?xml version="1.0" encoding="utf-8"?>
+<dgm:dataModel xmlns:dgm="http://schemas.openxmlformats.org/drawingml/2006/diagram" xmlns:a="http://schemas.openxmlformats.org/drawingml/2006/main">
+  <dgm:ptLst>
+    <dgm:pt modelId="{F6695FA0-6FCE-495A-88E8-3B83EB56ED3B}" type="doc">
+      <dgm:prSet loTypeId="urn:microsoft.com/office/officeart/2005/8/layout/process2" loCatId="process" qsTypeId="urn:microsoft.com/office/officeart/2005/8/quickstyle/simple1" qsCatId="simple" csTypeId="urn:microsoft.com/office/officeart/2005/8/colors/accent1_2" csCatId="accent1" phldr="1"/>
+      <dgm:spPr/>
+    </dgm:pt>
+    <dgm:pt modelId="{E540C146-3755-4534-9BD5-F3D62C7474AF}">
+      <dgm:prSet phldrT="[Text]" custT="1"/>
+      <dgm:spPr>
+        <a:solidFill>
+          <a:srgbClr val="036A90">
+            <a:alpha val="54000"/>
+          </a:srgbClr>
+        </a:solidFill>
+      </dgm:spPr>
+      <dgm:t>
+        <a:bodyPr/>
+        <a:lstStyle/>
+        <a:p>
+          <a:r>
+            <a:rPr lang="de-DE" sz="1400" dirty="0" smtClean="0"/>
+            <a:t>Einführung</a:t>
+          </a:r>
+          <a:endParaRPr lang="de-DE" sz="1400" dirty="0"/>
+        </a:p>
+      </dgm:t>
+    </dgm:pt>
+    <dgm:pt modelId="{E57EECFB-4AF7-496C-AA21-9D2BDB952164}" type="parTrans" cxnId="{08F31A9F-9940-4BAB-AB5C-2F8A0B0CDCCE}">
+      <dgm:prSet/>
+      <dgm:spPr/>
+      <dgm:t>
+        <a:bodyPr/>
+        <a:lstStyle/>
+        <a:p>
+          <a:endParaRPr lang="de-DE" sz="1400"/>
+        </a:p>
+      </dgm:t>
+    </dgm:pt>
+    <dgm:pt modelId="{68D04D58-2270-4BE3-9D8C-8CF3995FC312}" type="sibTrans" cxnId="{08F31A9F-9940-4BAB-AB5C-2F8A0B0CDCCE}">
+      <dgm:prSet custT="1"/>
+      <dgm:spPr/>
+      <dgm:t>
+        <a:bodyPr/>
+        <a:lstStyle/>
+        <a:p>
+          <a:endParaRPr lang="de-DE" sz="1400" dirty="0"/>
+        </a:p>
+      </dgm:t>
+    </dgm:pt>
+    <dgm:pt modelId="{EDB7A953-EC6F-4911-815B-AF3ED3DF28AB}">
+      <dgm:prSet phldrT="[Text]" custT="1"/>
+      <dgm:spPr>
+        <a:solidFill>
+          <a:srgbClr val="036A90">
+            <a:alpha val="54000"/>
+          </a:srgbClr>
+        </a:solidFill>
+      </dgm:spPr>
+      <dgm:t>
+        <a:bodyPr/>
+        <a:lstStyle/>
+        <a:p>
+          <a:r>
+            <a:rPr lang="de-DE" sz="1400" dirty="0" smtClean="0"/>
+            <a:t>Projekt-abschluss</a:t>
+          </a:r>
+          <a:endParaRPr lang="de-DE" sz="1400" dirty="0"/>
+        </a:p>
+      </dgm:t>
+    </dgm:pt>
+    <dgm:pt modelId="{9BAEF0D2-03EF-4506-92E5-C021E9748159}" type="parTrans" cxnId="{878878A8-5E70-425E-AD08-AF02177885B6}">
+      <dgm:prSet/>
+      <dgm:spPr/>
+      <dgm:t>
+        <a:bodyPr/>
+        <a:lstStyle/>
+        <a:p>
+          <a:endParaRPr lang="de-DE" sz="1400"/>
+        </a:p>
+      </dgm:t>
+    </dgm:pt>
+    <dgm:pt modelId="{280F9EDE-2C4C-44DD-95FC-0083E3626222}" type="sibTrans" cxnId="{878878A8-5E70-425E-AD08-AF02177885B6}">
+      <dgm:prSet/>
+      <dgm:spPr/>
+      <dgm:t>
+        <a:bodyPr/>
+        <a:lstStyle/>
+        <a:p>
+          <a:endParaRPr lang="de-DE" sz="1400"/>
+        </a:p>
+      </dgm:t>
+    </dgm:pt>
+    <dgm:pt modelId="{3562C60D-B6DE-4C33-A590-30E6C20F67EA}">
+      <dgm:prSet phldrT="[Text]" custT="1"/>
+      <dgm:spPr>
+        <a:solidFill>
+          <a:srgbClr val="036A90">
+            <a:alpha val="54000"/>
+          </a:srgbClr>
+        </a:solidFill>
+      </dgm:spPr>
+      <dgm:t>
+        <a:bodyPr/>
+        <a:lstStyle/>
+        <a:p>
+          <a:r>
+            <a:rPr lang="de-DE" sz="1400" dirty="0" smtClean="0"/>
+            <a:t>Projektplanung</a:t>
+          </a:r>
+          <a:endParaRPr lang="de-DE" sz="1400" dirty="0"/>
+        </a:p>
+      </dgm:t>
+    </dgm:pt>
+    <dgm:pt modelId="{C6CDA3AD-EA65-4157-B9C6-964F7B80EBD7}" type="parTrans" cxnId="{78E9A333-69E5-4D5D-9BED-BB153224E0E1}">
+      <dgm:prSet/>
+      <dgm:spPr/>
+      <dgm:t>
+        <a:bodyPr/>
+        <a:lstStyle/>
+        <a:p>
+          <a:endParaRPr lang="de-DE" sz="1400"/>
+        </a:p>
+      </dgm:t>
+    </dgm:pt>
+    <dgm:pt modelId="{FBC88C4D-51AF-4DFF-9D3B-64DA397B0701}" type="sibTrans" cxnId="{78E9A333-69E5-4D5D-9BED-BB153224E0E1}">
+      <dgm:prSet custT="1"/>
+      <dgm:spPr/>
+      <dgm:t>
+        <a:bodyPr/>
+        <a:lstStyle/>
+        <a:p>
+          <a:endParaRPr lang="de-DE" sz="1400" dirty="0"/>
+        </a:p>
+      </dgm:t>
+    </dgm:pt>
+    <dgm:pt modelId="{883B4115-6FC4-44A7-B9C7-5C33DBCF33AE}">
+      <dgm:prSet phldrT="[Text]" custT="1"/>
+      <dgm:spPr>
+        <a:solidFill>
+          <a:srgbClr val="036A90">
+            <a:alpha val="54000"/>
+          </a:srgbClr>
+        </a:solidFill>
+      </dgm:spPr>
+      <dgm:t>
+        <a:bodyPr/>
+        <a:lstStyle/>
+        <a:p>
+          <a:r>
+            <a:rPr lang="de-DE" sz="1400" dirty="0" smtClean="0"/>
+            <a:t>Projektauftrag</a:t>
+          </a:r>
+          <a:endParaRPr lang="de-DE" sz="1400" dirty="0"/>
+        </a:p>
+      </dgm:t>
+    </dgm:pt>
+    <dgm:pt modelId="{C297166A-474C-4E15-8750-9B03D18CCFF6}" type="parTrans" cxnId="{A5ABBF4E-B66F-4DD8-BF06-AEEE8EC249C6}">
+      <dgm:prSet/>
+      <dgm:spPr/>
+      <dgm:t>
+        <a:bodyPr/>
+        <a:lstStyle/>
+        <a:p>
+          <a:endParaRPr lang="de-DE" sz="1400"/>
+        </a:p>
+      </dgm:t>
+    </dgm:pt>
+    <dgm:pt modelId="{D975FE47-31BA-42C7-9CE8-48468A4F6A06}" type="sibTrans" cxnId="{A5ABBF4E-B66F-4DD8-BF06-AEEE8EC249C6}">
+      <dgm:prSet custT="1"/>
+      <dgm:spPr/>
+      <dgm:t>
+        <a:bodyPr/>
+        <a:lstStyle/>
+        <a:p>
+          <a:endParaRPr lang="de-DE" sz="1400" dirty="0"/>
+        </a:p>
+      </dgm:t>
+    </dgm:pt>
+    <dgm:pt modelId="{94E8A036-7CED-443A-89D4-E72BE7BB0C94}">
+      <dgm:prSet phldrT="[Text]" custT="1"/>
+      <dgm:spPr>
+        <a:solidFill>
+          <a:srgbClr val="036A90"/>
+        </a:solidFill>
+      </dgm:spPr>
+      <dgm:t>
+        <a:bodyPr/>
+        <a:lstStyle/>
+        <a:p>
+          <a:r>
+            <a:rPr lang="de-DE" sz="1400" dirty="0" smtClean="0"/>
+            <a:t>Projekt-realisierung</a:t>
+          </a:r>
+          <a:endParaRPr lang="de-DE" sz="1400" dirty="0"/>
+        </a:p>
+      </dgm:t>
+    </dgm:pt>
+    <dgm:pt modelId="{713D5F08-46DF-4FCB-8AA0-F36FA7FC2EE4}" type="parTrans" cxnId="{A753EA2C-A4C6-44F2-9C76-59F46461CC9C}">
+      <dgm:prSet/>
+      <dgm:spPr/>
+      <dgm:t>
+        <a:bodyPr/>
+        <a:lstStyle/>
+        <a:p>
+          <a:endParaRPr lang="de-DE" sz="1400"/>
+        </a:p>
+      </dgm:t>
+    </dgm:pt>
+    <dgm:pt modelId="{1F136B2F-1158-48FB-BDFB-F6E66779C97E}" type="sibTrans" cxnId="{A753EA2C-A4C6-44F2-9C76-59F46461CC9C}">
+      <dgm:prSet custT="1"/>
+      <dgm:spPr/>
+      <dgm:t>
+        <a:bodyPr/>
+        <a:lstStyle/>
+        <a:p>
+          <a:endParaRPr lang="de-DE" sz="1400" dirty="0"/>
+        </a:p>
+      </dgm:t>
+    </dgm:pt>
+    <dgm:pt modelId="{68FC5FCA-1C51-4371-8D10-7C79BB6C50C8}" type="pres">
+      <dgm:prSet presAssocID="{F6695FA0-6FCE-495A-88E8-3B83EB56ED3B}" presName="linearFlow" presStyleCnt="0">
+        <dgm:presLayoutVars>
+          <dgm:resizeHandles val="exact"/>
+        </dgm:presLayoutVars>
+      </dgm:prSet>
+      <dgm:spPr/>
+    </dgm:pt>
+    <dgm:pt modelId="{15EFE04D-73AA-41FF-A2DE-FDF35ACA5415}" type="pres">
+      <dgm:prSet presAssocID="{E540C146-3755-4534-9BD5-F3D62C7474AF}" presName="node" presStyleLbl="node1" presStyleIdx="0" presStyleCnt="5">
+        <dgm:presLayoutVars>
+          <dgm:bulletEnabled val="1"/>
+        </dgm:presLayoutVars>
+      </dgm:prSet>
+      <dgm:spPr/>
+      <dgm:t>
+        <a:bodyPr/>
+        <a:lstStyle/>
+        <a:p>
+          <a:endParaRPr lang="de-DE"/>
+        </a:p>
+      </dgm:t>
+    </dgm:pt>
+    <dgm:pt modelId="{61D0C34D-7EA4-46C7-80D3-027C68C542A6}" type="pres">
+      <dgm:prSet presAssocID="{68D04D58-2270-4BE3-9D8C-8CF3995FC312}" presName="sibTrans" presStyleLbl="sibTrans2D1" presStyleIdx="0" presStyleCnt="4"/>
+      <dgm:spPr/>
+      <dgm:t>
+        <a:bodyPr/>
+        <a:lstStyle/>
+        <a:p>
+          <a:endParaRPr lang="de-DE"/>
+        </a:p>
+      </dgm:t>
+    </dgm:pt>
+    <dgm:pt modelId="{1A6B8648-FF51-467C-99BF-C507E6A02D29}" type="pres">
+      <dgm:prSet presAssocID="{68D04D58-2270-4BE3-9D8C-8CF3995FC312}" presName="connectorText" presStyleLbl="sibTrans2D1" presStyleIdx="0" presStyleCnt="4"/>
+      <dgm:spPr/>
+      <dgm:t>
+        <a:bodyPr/>
+        <a:lstStyle/>
+        <a:p>
+          <a:endParaRPr lang="de-DE"/>
+        </a:p>
+      </dgm:t>
+    </dgm:pt>
+    <dgm:pt modelId="{D31CC3E8-2341-4337-9741-B7D26D35669A}" type="pres">
+      <dgm:prSet presAssocID="{883B4115-6FC4-44A7-B9C7-5C33DBCF33AE}" presName="node" presStyleLbl="node1" presStyleIdx="1" presStyleCnt="5">
+        <dgm:presLayoutVars>
+          <dgm:bulletEnabled val="1"/>
+        </dgm:presLayoutVars>
+      </dgm:prSet>
+      <dgm:spPr/>
+      <dgm:t>
+        <a:bodyPr/>
+        <a:lstStyle/>
+        <a:p>
+          <a:endParaRPr lang="de-DE"/>
+        </a:p>
+      </dgm:t>
+    </dgm:pt>
+    <dgm:pt modelId="{1070C37C-C3F8-459A-87BE-B3BA51397199}" type="pres">
+      <dgm:prSet presAssocID="{D975FE47-31BA-42C7-9CE8-48468A4F6A06}" presName="sibTrans" presStyleLbl="sibTrans2D1" presStyleIdx="1" presStyleCnt="4"/>
+      <dgm:spPr/>
+      <dgm:t>
+        <a:bodyPr/>
+        <a:lstStyle/>
+        <a:p>
+          <a:endParaRPr lang="de-DE"/>
+        </a:p>
+      </dgm:t>
+    </dgm:pt>
+    <dgm:pt modelId="{E4ABA5BD-2A48-49A1-9BA7-303EA8D0CBA2}" type="pres">
+      <dgm:prSet presAssocID="{D975FE47-31BA-42C7-9CE8-48468A4F6A06}" presName="connectorText" presStyleLbl="sibTrans2D1" presStyleIdx="1" presStyleCnt="4"/>
+      <dgm:spPr/>
+      <dgm:t>
+        <a:bodyPr/>
+        <a:lstStyle/>
+        <a:p>
+          <a:endParaRPr lang="de-DE"/>
+        </a:p>
+      </dgm:t>
+    </dgm:pt>
+    <dgm:pt modelId="{EFFBC16E-D827-45B5-A584-FCB65E01A582}" type="pres">
+      <dgm:prSet presAssocID="{3562C60D-B6DE-4C33-A590-30E6C20F67EA}" presName="node" presStyleLbl="node1" presStyleIdx="2" presStyleCnt="5">
+        <dgm:presLayoutVars>
+          <dgm:bulletEnabled val="1"/>
+        </dgm:presLayoutVars>
+      </dgm:prSet>
+      <dgm:spPr/>
+      <dgm:t>
+        <a:bodyPr/>
+        <a:lstStyle/>
+        <a:p>
+          <a:endParaRPr lang="de-DE"/>
+        </a:p>
+      </dgm:t>
+    </dgm:pt>
+    <dgm:pt modelId="{EF4B894E-A424-49B4-A76E-8B19CCB456FD}" type="pres">
+      <dgm:prSet presAssocID="{FBC88C4D-51AF-4DFF-9D3B-64DA397B0701}" presName="sibTrans" presStyleLbl="sibTrans2D1" presStyleIdx="2" presStyleCnt="4"/>
+      <dgm:spPr/>
+      <dgm:t>
+        <a:bodyPr/>
+        <a:lstStyle/>
+        <a:p>
+          <a:endParaRPr lang="de-DE"/>
+        </a:p>
+      </dgm:t>
+    </dgm:pt>
+    <dgm:pt modelId="{4F3563E5-09DD-428D-9058-098045D29AAB}" type="pres">
+      <dgm:prSet presAssocID="{FBC88C4D-51AF-4DFF-9D3B-64DA397B0701}" presName="connectorText" presStyleLbl="sibTrans2D1" presStyleIdx="2" presStyleCnt="4"/>
+      <dgm:spPr/>
+      <dgm:t>
+        <a:bodyPr/>
+        <a:lstStyle/>
+        <a:p>
+          <a:endParaRPr lang="de-DE"/>
+        </a:p>
+      </dgm:t>
+    </dgm:pt>
+    <dgm:pt modelId="{7AF88F15-3B35-4D27-BAD3-CBC44147F2B1}" type="pres">
+      <dgm:prSet presAssocID="{94E8A036-7CED-443A-89D4-E72BE7BB0C94}" presName="node" presStyleLbl="node1" presStyleIdx="3" presStyleCnt="5" custLinFactNeighborX="-556" custLinFactNeighborY="-4564">
+        <dgm:presLayoutVars>
+          <dgm:bulletEnabled val="1"/>
+        </dgm:presLayoutVars>
+      </dgm:prSet>
+      <dgm:spPr/>
+      <dgm:t>
+        <a:bodyPr/>
+        <a:lstStyle/>
+        <a:p>
+          <a:endParaRPr lang="de-DE"/>
+        </a:p>
+      </dgm:t>
+    </dgm:pt>
+    <dgm:pt modelId="{FB1739B4-DA90-41D8-B9A7-1B16ED90DCE5}" type="pres">
+      <dgm:prSet presAssocID="{1F136B2F-1158-48FB-BDFB-F6E66779C97E}" presName="sibTrans" presStyleLbl="sibTrans2D1" presStyleIdx="3" presStyleCnt="4"/>
+      <dgm:spPr/>
+      <dgm:t>
+        <a:bodyPr/>
+        <a:lstStyle/>
+        <a:p>
+          <a:endParaRPr lang="de-DE"/>
+        </a:p>
+      </dgm:t>
+    </dgm:pt>
+    <dgm:pt modelId="{691C7C12-93FA-43A9-8E81-9A53C1697F60}" type="pres">
+      <dgm:prSet presAssocID="{1F136B2F-1158-48FB-BDFB-F6E66779C97E}" presName="connectorText" presStyleLbl="sibTrans2D1" presStyleIdx="3" presStyleCnt="4"/>
+      <dgm:spPr/>
+      <dgm:t>
+        <a:bodyPr/>
+        <a:lstStyle/>
+        <a:p>
+          <a:endParaRPr lang="de-DE"/>
+        </a:p>
+      </dgm:t>
+    </dgm:pt>
+    <dgm:pt modelId="{3DE87748-6AA3-488C-9F4A-A906874F2422}" type="pres">
+      <dgm:prSet presAssocID="{EDB7A953-EC6F-4911-815B-AF3ED3DF28AB}" presName="node" presStyleLbl="node1" presStyleIdx="4" presStyleCnt="5">
+        <dgm:presLayoutVars>
+          <dgm:bulletEnabled val="1"/>
+        </dgm:presLayoutVars>
+      </dgm:prSet>
+      <dgm:spPr/>
+      <dgm:t>
+        <a:bodyPr/>
+        <a:lstStyle/>
+        <a:p>
+          <a:endParaRPr lang="de-DE"/>
+        </a:p>
+      </dgm:t>
+    </dgm:pt>
+  </dgm:ptLst>
+  <dgm:cxnLst>
+    <dgm:cxn modelId="{C186AFC6-E82A-4AE1-A42D-EF8366744536}" type="presOf" srcId="{EDB7A953-EC6F-4911-815B-AF3ED3DF28AB}" destId="{3DE87748-6AA3-488C-9F4A-A906874F2422}" srcOrd="0" destOrd="0" presId="urn:microsoft.com/office/officeart/2005/8/layout/process2"/>
+    <dgm:cxn modelId="{BA50507E-BE39-4A15-8254-0DD4CD9A4650}" type="presOf" srcId="{94E8A036-7CED-443A-89D4-E72BE7BB0C94}" destId="{7AF88F15-3B35-4D27-BAD3-CBC44147F2B1}" srcOrd="0" destOrd="0" presId="urn:microsoft.com/office/officeart/2005/8/layout/process2"/>
+    <dgm:cxn modelId="{A5ABBF4E-B66F-4DD8-BF06-AEEE8EC249C6}" srcId="{F6695FA0-6FCE-495A-88E8-3B83EB56ED3B}" destId="{883B4115-6FC4-44A7-B9C7-5C33DBCF33AE}" srcOrd="1" destOrd="0" parTransId="{C297166A-474C-4E15-8750-9B03D18CCFF6}" sibTransId="{D975FE47-31BA-42C7-9CE8-48468A4F6A06}"/>
+    <dgm:cxn modelId="{F36930D0-E2B8-4355-AF4B-CBFBDAA8839B}" type="presOf" srcId="{68D04D58-2270-4BE3-9D8C-8CF3995FC312}" destId="{61D0C34D-7EA4-46C7-80D3-027C68C542A6}" srcOrd="0" destOrd="0" presId="urn:microsoft.com/office/officeart/2005/8/layout/process2"/>
+    <dgm:cxn modelId="{AC19E9F6-DE9A-4AAE-9DED-5E0176E25FE1}" type="presOf" srcId="{FBC88C4D-51AF-4DFF-9D3B-64DA397B0701}" destId="{4F3563E5-09DD-428D-9058-098045D29AAB}" srcOrd="1" destOrd="0" presId="urn:microsoft.com/office/officeart/2005/8/layout/process2"/>
+    <dgm:cxn modelId="{2456FB1C-E099-4898-A56F-5660C139165E}" type="presOf" srcId="{D975FE47-31BA-42C7-9CE8-48468A4F6A06}" destId="{E4ABA5BD-2A48-49A1-9BA7-303EA8D0CBA2}" srcOrd="1" destOrd="0" presId="urn:microsoft.com/office/officeart/2005/8/layout/process2"/>
+    <dgm:cxn modelId="{A4DCEB8D-D659-42A0-99E0-2190ECE290CF}" type="presOf" srcId="{D975FE47-31BA-42C7-9CE8-48468A4F6A06}" destId="{1070C37C-C3F8-459A-87BE-B3BA51397199}" srcOrd="0" destOrd="0" presId="urn:microsoft.com/office/officeart/2005/8/layout/process2"/>
+    <dgm:cxn modelId="{88C5505D-764B-48F6-8A8B-814C2335D1A8}" type="presOf" srcId="{3562C60D-B6DE-4C33-A590-30E6C20F67EA}" destId="{EFFBC16E-D827-45B5-A584-FCB65E01A582}" srcOrd="0" destOrd="0" presId="urn:microsoft.com/office/officeart/2005/8/layout/process2"/>
+    <dgm:cxn modelId="{8172D8D4-E7A4-411B-B729-0D8A3CECF652}" type="presOf" srcId="{E540C146-3755-4534-9BD5-F3D62C7474AF}" destId="{15EFE04D-73AA-41FF-A2DE-FDF35ACA5415}" srcOrd="0" destOrd="0" presId="urn:microsoft.com/office/officeart/2005/8/layout/process2"/>
+    <dgm:cxn modelId="{3BB786F4-2A66-4B09-9C78-D9B96D4E218B}" type="presOf" srcId="{1F136B2F-1158-48FB-BDFB-F6E66779C97E}" destId="{FB1739B4-DA90-41D8-B9A7-1B16ED90DCE5}" srcOrd="0" destOrd="0" presId="urn:microsoft.com/office/officeart/2005/8/layout/process2"/>
+    <dgm:cxn modelId="{08F31A9F-9940-4BAB-AB5C-2F8A0B0CDCCE}" srcId="{F6695FA0-6FCE-495A-88E8-3B83EB56ED3B}" destId="{E540C146-3755-4534-9BD5-F3D62C7474AF}" srcOrd="0" destOrd="0" parTransId="{E57EECFB-4AF7-496C-AA21-9D2BDB952164}" sibTransId="{68D04D58-2270-4BE3-9D8C-8CF3995FC312}"/>
+    <dgm:cxn modelId="{4E139C70-6489-4DA0-9219-6997243AD14F}" type="presOf" srcId="{883B4115-6FC4-44A7-B9C7-5C33DBCF33AE}" destId="{D31CC3E8-2341-4337-9741-B7D26D35669A}" srcOrd="0" destOrd="0" presId="urn:microsoft.com/office/officeart/2005/8/layout/process2"/>
+    <dgm:cxn modelId="{63D0D140-8A3A-4162-85C8-F3C94D2391F5}" type="presOf" srcId="{F6695FA0-6FCE-495A-88E8-3B83EB56ED3B}" destId="{68FC5FCA-1C51-4371-8D10-7C79BB6C50C8}" srcOrd="0" destOrd="0" presId="urn:microsoft.com/office/officeart/2005/8/layout/process2"/>
+    <dgm:cxn modelId="{1B68C083-7F8A-4182-A147-18582DB7BE6F}" type="presOf" srcId="{68D04D58-2270-4BE3-9D8C-8CF3995FC312}" destId="{1A6B8648-FF51-467C-99BF-C507E6A02D29}" srcOrd="1" destOrd="0" presId="urn:microsoft.com/office/officeart/2005/8/layout/process2"/>
+    <dgm:cxn modelId="{A753EA2C-A4C6-44F2-9C76-59F46461CC9C}" srcId="{F6695FA0-6FCE-495A-88E8-3B83EB56ED3B}" destId="{94E8A036-7CED-443A-89D4-E72BE7BB0C94}" srcOrd="3" destOrd="0" parTransId="{713D5F08-46DF-4FCB-8AA0-F36FA7FC2EE4}" sibTransId="{1F136B2F-1158-48FB-BDFB-F6E66779C97E}"/>
+    <dgm:cxn modelId="{08998185-544D-4E60-8506-447A548A584F}" type="presOf" srcId="{FBC88C4D-51AF-4DFF-9D3B-64DA397B0701}" destId="{EF4B894E-A424-49B4-A76E-8B19CCB456FD}" srcOrd="0" destOrd="0" presId="urn:microsoft.com/office/officeart/2005/8/layout/process2"/>
+    <dgm:cxn modelId="{878878A8-5E70-425E-AD08-AF02177885B6}" srcId="{F6695FA0-6FCE-495A-88E8-3B83EB56ED3B}" destId="{EDB7A953-EC6F-4911-815B-AF3ED3DF28AB}" srcOrd="4" destOrd="0" parTransId="{9BAEF0D2-03EF-4506-92E5-C021E9748159}" sibTransId="{280F9EDE-2C4C-44DD-95FC-0083E3626222}"/>
+    <dgm:cxn modelId="{5F27763D-1439-4112-B3C6-31E792C93872}" type="presOf" srcId="{1F136B2F-1158-48FB-BDFB-F6E66779C97E}" destId="{691C7C12-93FA-43A9-8E81-9A53C1697F60}" srcOrd="1" destOrd="0" presId="urn:microsoft.com/office/officeart/2005/8/layout/process2"/>
+    <dgm:cxn modelId="{78E9A333-69E5-4D5D-9BED-BB153224E0E1}" srcId="{F6695FA0-6FCE-495A-88E8-3B83EB56ED3B}" destId="{3562C60D-B6DE-4C33-A590-30E6C20F67EA}" srcOrd="2" destOrd="0" parTransId="{C6CDA3AD-EA65-4157-B9C6-964F7B80EBD7}" sibTransId="{FBC88C4D-51AF-4DFF-9D3B-64DA397B0701}"/>
+    <dgm:cxn modelId="{8604542C-EA51-4771-8ED0-A8C3EB3717D0}" type="presParOf" srcId="{68FC5FCA-1C51-4371-8D10-7C79BB6C50C8}" destId="{15EFE04D-73AA-41FF-A2DE-FDF35ACA5415}" srcOrd="0" destOrd="0" presId="urn:microsoft.com/office/officeart/2005/8/layout/process2"/>
+    <dgm:cxn modelId="{BAD1C0CD-64B6-4AAD-89E0-71CEB172E584}" type="presParOf" srcId="{68FC5FCA-1C51-4371-8D10-7C79BB6C50C8}" destId="{61D0C34D-7EA4-46C7-80D3-027C68C542A6}" srcOrd="1" destOrd="0" presId="urn:microsoft.com/office/officeart/2005/8/layout/process2"/>
+    <dgm:cxn modelId="{5BE7EC8A-5E18-4CCF-99AC-2A9C5B86F19B}" type="presParOf" srcId="{61D0C34D-7EA4-46C7-80D3-027C68C542A6}" destId="{1A6B8648-FF51-467C-99BF-C507E6A02D29}" srcOrd="0" destOrd="0" presId="urn:microsoft.com/office/officeart/2005/8/layout/process2"/>
+    <dgm:cxn modelId="{DB2DB0DB-1877-42CB-8C23-AD971AC5C62B}" type="presParOf" srcId="{68FC5FCA-1C51-4371-8D10-7C79BB6C50C8}" destId="{D31CC3E8-2341-4337-9741-B7D26D35669A}" srcOrd="2" destOrd="0" presId="urn:microsoft.com/office/officeart/2005/8/layout/process2"/>
+    <dgm:cxn modelId="{71391604-61F9-454C-A21B-B1A5B4940AB3}" type="presParOf" srcId="{68FC5FCA-1C51-4371-8D10-7C79BB6C50C8}" destId="{1070C37C-C3F8-459A-87BE-B3BA51397199}" srcOrd="3" destOrd="0" presId="urn:microsoft.com/office/officeart/2005/8/layout/process2"/>
+    <dgm:cxn modelId="{196D5853-9B90-4161-9DF3-16712EAE9DD6}" type="presParOf" srcId="{1070C37C-C3F8-459A-87BE-B3BA51397199}" destId="{E4ABA5BD-2A48-49A1-9BA7-303EA8D0CBA2}" srcOrd="0" destOrd="0" presId="urn:microsoft.com/office/officeart/2005/8/layout/process2"/>
+    <dgm:cxn modelId="{AFE46C15-FD64-44E3-98B3-299E12C56D8F}" type="presParOf" srcId="{68FC5FCA-1C51-4371-8D10-7C79BB6C50C8}" destId="{EFFBC16E-D827-45B5-A584-FCB65E01A582}" srcOrd="4" destOrd="0" presId="urn:microsoft.com/office/officeart/2005/8/layout/process2"/>
+    <dgm:cxn modelId="{F4E6514C-A847-47CA-AA13-5D66CB233D21}" type="presParOf" srcId="{68FC5FCA-1C51-4371-8D10-7C79BB6C50C8}" destId="{EF4B894E-A424-49B4-A76E-8B19CCB456FD}" srcOrd="5" destOrd="0" presId="urn:microsoft.com/office/officeart/2005/8/layout/process2"/>
+    <dgm:cxn modelId="{8ADE87CF-E35C-4382-B7D3-5752A351498C}" type="presParOf" srcId="{EF4B894E-A424-49B4-A76E-8B19CCB456FD}" destId="{4F3563E5-09DD-428D-9058-098045D29AAB}" srcOrd="0" destOrd="0" presId="urn:microsoft.com/office/officeart/2005/8/layout/process2"/>
+    <dgm:cxn modelId="{FC8E3DF2-40A2-4A4B-8CB7-B4D938902D74}" type="presParOf" srcId="{68FC5FCA-1C51-4371-8D10-7C79BB6C50C8}" destId="{7AF88F15-3B35-4D27-BAD3-CBC44147F2B1}" srcOrd="6" destOrd="0" presId="urn:microsoft.com/office/officeart/2005/8/layout/process2"/>
+    <dgm:cxn modelId="{AB33ACAD-0908-4C63-AB52-BBAF0AD1FA15}" type="presParOf" srcId="{68FC5FCA-1C51-4371-8D10-7C79BB6C50C8}" destId="{FB1739B4-DA90-41D8-B9A7-1B16ED90DCE5}" srcOrd="7" destOrd="0" presId="urn:microsoft.com/office/officeart/2005/8/layout/process2"/>
+    <dgm:cxn modelId="{1B046261-8E6D-485F-9E6D-A0AD72B7980A}" type="presParOf" srcId="{FB1739B4-DA90-41D8-B9A7-1B16ED90DCE5}" destId="{691C7C12-93FA-43A9-8E81-9A53C1697F60}" srcOrd="0" destOrd="0" presId="urn:microsoft.com/office/officeart/2005/8/layout/process2"/>
+    <dgm:cxn modelId="{8F953ECB-D0A0-4181-9E53-2F07DDA07E56}" type="presParOf" srcId="{68FC5FCA-1C51-4371-8D10-7C79BB6C50C8}" destId="{3DE87748-6AA3-488C-9F4A-A906874F2422}" srcOrd="8" destOrd="0" presId="urn:microsoft.com/office/officeart/2005/8/layout/process2"/>
+  </dgm:cxnLst>
+  <dgm:bg/>
+  <dgm:whole/>
+  <dgm:extLst>
+    <a:ext uri="http://schemas.microsoft.com/office/drawing/2008/diagram">
+      <dsp:dataModelExt xmlns:dsp="http://schemas.microsoft.com/office/drawing/2008/diagram" relId="rId6" minVer="http://schemas.openxmlformats.org/drawingml/2006/diagram"/>
+    </a:ext>
+  </dgm:extLst>
+</dgm:dataModel>
+</file>
+
+<file path=ppt/diagrams/data13.xml><?xml version="1.0" encoding="utf-8"?>
 <dgm:dataModel xmlns:dgm="http://schemas.openxmlformats.org/drawingml/2006/diagram" xmlns:a="http://schemas.openxmlformats.org/drawingml/2006/main">
   <dgm:ptLst>
     <dgm:pt modelId="{F6695FA0-6FCE-495A-88E8-3B83EB56ED3B}" type="doc">
@@ -11794,8 +14162,8 @@
     <dgm:cxn modelId="{5C86E224-C0E2-4AFB-8E27-617568ADC722}" type="presOf" srcId="{F6695FA0-6FCE-495A-88E8-3B83EB56ED3B}" destId="{68FC5FCA-1C51-4371-8D10-7C79BB6C50C8}" srcOrd="0" destOrd="0" presId="urn:microsoft.com/office/officeart/2005/8/layout/process2"/>
     <dgm:cxn modelId="{A753EA2C-A4C6-44F2-9C76-59F46461CC9C}" srcId="{F6695FA0-6FCE-495A-88E8-3B83EB56ED3B}" destId="{94E8A036-7CED-443A-89D4-E72BE7BB0C94}" srcOrd="2" destOrd="0" parTransId="{713D5F08-46DF-4FCB-8AA0-F36FA7FC2EE4}" sibTransId="{1F136B2F-1158-48FB-BDFB-F6E66779C97E}"/>
     <dgm:cxn modelId="{F0EDC168-2441-4EAC-90C7-DE8B4558D32F}" type="presOf" srcId="{D975FE47-31BA-42C7-9CE8-48468A4F6A06}" destId="{E4ABA5BD-2A48-49A1-9BA7-303EA8D0CBA2}" srcOrd="1" destOrd="0" presId="urn:microsoft.com/office/officeart/2005/8/layout/process2"/>
+    <dgm:cxn modelId="{273E0C51-A06D-4BDC-A52C-6E2ECCBD6C92}" type="presOf" srcId="{FBC88C4D-51AF-4DFF-9D3B-64DA397B0701}" destId="{4F3563E5-09DD-428D-9058-098045D29AAB}" srcOrd="1" destOrd="0" presId="urn:microsoft.com/office/officeart/2005/8/layout/process2"/>
     <dgm:cxn modelId="{3F549D58-17A5-4207-8B91-7D721190B6FB}" type="presOf" srcId="{3562C60D-B6DE-4C33-A590-30E6C20F67EA}" destId="{EFFBC16E-D827-45B5-A584-FCB65E01A582}" srcOrd="0" destOrd="0" presId="urn:microsoft.com/office/officeart/2005/8/layout/process2"/>
-    <dgm:cxn modelId="{273E0C51-A06D-4BDC-A52C-6E2ECCBD6C92}" type="presOf" srcId="{FBC88C4D-51AF-4DFF-9D3B-64DA397B0701}" destId="{4F3563E5-09DD-428D-9058-098045D29AAB}" srcOrd="1" destOrd="0" presId="urn:microsoft.com/office/officeart/2005/8/layout/process2"/>
     <dgm:cxn modelId="{878878A8-5E70-425E-AD08-AF02177885B6}" srcId="{F6695FA0-6FCE-495A-88E8-3B83EB56ED3B}" destId="{EDB7A953-EC6F-4911-815B-AF3ED3DF28AB}" srcOrd="4" destOrd="0" parTransId="{9BAEF0D2-03EF-4506-92E5-C021E9748159}" sibTransId="{280F9EDE-2C4C-44DD-95FC-0083E3626222}"/>
     <dgm:cxn modelId="{CCECB38B-E5D6-42C4-BD59-FFC10C7E1819}" type="presOf" srcId="{68D04D58-2270-4BE3-9D8C-8CF3995FC312}" destId="{61D0C34D-7EA4-46C7-80D3-027C68C542A6}" srcOrd="0" destOrd="0" presId="urn:microsoft.com/office/officeart/2005/8/layout/process2"/>
     <dgm:cxn modelId="{78E9A333-69E5-4D5D-9BED-BB153224E0E1}" srcId="{F6695FA0-6FCE-495A-88E8-3B83EB56ED3B}" destId="{3562C60D-B6DE-4C33-A590-30E6C20F67EA}" srcOrd="3" destOrd="0" parTransId="{C6CDA3AD-EA65-4157-B9C6-964F7B80EBD7}" sibTransId="{FBC88C4D-51AF-4DFF-9D3B-64DA397B0701}"/>
@@ -11823,7 +14191,7 @@
 </dgm:dataModel>
 </file>
 
-<file path=ppt/diagrams/data12.xml><?xml version="1.0" encoding="utf-8"?>
+<file path=ppt/diagrams/data14.xml><?xml version="1.0" encoding="utf-8"?>
 <dgm:dataModel xmlns:dgm="http://schemas.openxmlformats.org/drawingml/2006/diagram" xmlns:a="http://schemas.openxmlformats.org/drawingml/2006/main">
   <dgm:ptLst>
     <dgm:pt modelId="{F6695FA0-6FCE-495A-88E8-3B83EB56ED3B}" type="doc">
@@ -12259,7 +14627,7 @@
 </dgm:dataModel>
 </file>
 
-<file path=ppt/diagrams/data13.xml><?xml version="1.0" encoding="utf-8"?>
+<file path=ppt/diagrams/data15.xml><?xml version="1.0" encoding="utf-8"?>
 <dgm:dataModel xmlns:dgm="http://schemas.openxmlformats.org/drawingml/2006/diagram" xmlns:a="http://schemas.openxmlformats.org/drawingml/2006/main">
   <dgm:ptLst>
     <dgm:pt modelId="{F6695FA0-6FCE-495A-88E8-3B83EB56ED3B}" type="doc">
@@ -15714,8 +18082,8 @@
     <dgm:cxn modelId="{2124A048-45E0-4C05-B8A2-35B862214239}" type="presOf" srcId="{D975FE47-31BA-42C7-9CE8-48468A4F6A06}" destId="{1070C37C-C3F8-459A-87BE-B3BA51397199}" srcOrd="0" destOrd="0" presId="urn:microsoft.com/office/officeart/2005/8/layout/process2"/>
     <dgm:cxn modelId="{994F523E-1FED-4D40-A5FA-A528A4CD83C5}" type="presOf" srcId="{94E8A036-7CED-443A-89D4-E72BE7BB0C94}" destId="{7AF88F15-3B35-4D27-BAD3-CBC44147F2B1}" srcOrd="0" destOrd="0" presId="urn:microsoft.com/office/officeart/2005/8/layout/process2"/>
     <dgm:cxn modelId="{863F2DF6-F090-4EE2-836D-99E1444CD734}" type="presOf" srcId="{F6695FA0-6FCE-495A-88E8-3B83EB56ED3B}" destId="{68FC5FCA-1C51-4371-8D10-7C79BB6C50C8}" srcOrd="0" destOrd="0" presId="urn:microsoft.com/office/officeart/2005/8/layout/process2"/>
+    <dgm:cxn modelId="{1648E8A2-7BA3-4BBF-831A-36CC8572A39B}" type="presOf" srcId="{1F136B2F-1158-48FB-BDFB-F6E66779C97E}" destId="{691C7C12-93FA-43A9-8E81-9A53C1697F60}" srcOrd="1" destOrd="0" presId="urn:microsoft.com/office/officeart/2005/8/layout/process2"/>
     <dgm:cxn modelId="{0D18B839-4432-4923-8227-94A0D3763801}" type="presOf" srcId="{D975FE47-31BA-42C7-9CE8-48468A4F6A06}" destId="{E4ABA5BD-2A48-49A1-9BA7-303EA8D0CBA2}" srcOrd="1" destOrd="0" presId="urn:microsoft.com/office/officeart/2005/8/layout/process2"/>
-    <dgm:cxn modelId="{1648E8A2-7BA3-4BBF-831A-36CC8572A39B}" type="presOf" srcId="{1F136B2F-1158-48FB-BDFB-F6E66779C97E}" destId="{691C7C12-93FA-43A9-8E81-9A53C1697F60}" srcOrd="1" destOrd="0" presId="urn:microsoft.com/office/officeart/2005/8/layout/process2"/>
     <dgm:cxn modelId="{08F31A9F-9940-4BAB-AB5C-2F8A0B0CDCCE}" srcId="{F6695FA0-6FCE-495A-88E8-3B83EB56ED3B}" destId="{E540C146-3755-4534-9BD5-F3D62C7474AF}" srcOrd="0" destOrd="0" parTransId="{E57EECFB-4AF7-496C-AA21-9D2BDB952164}" sibTransId="{68D04D58-2270-4BE3-9D8C-8CF3995FC312}"/>
     <dgm:cxn modelId="{96538730-2504-4974-895B-5F528BBB365E}" type="presOf" srcId="{1F136B2F-1158-48FB-BDFB-F6E66779C97E}" destId="{FB1739B4-DA90-41D8-B9A7-1B16ED90DCE5}" srcOrd="0" destOrd="0" presId="urn:microsoft.com/office/officeart/2005/8/layout/process2"/>
     <dgm:cxn modelId="{AAC53643-7AF7-44CF-98A6-E34694C03BF9}" type="presOf" srcId="{3562C60D-B6DE-4C33-A590-30E6C20F67EA}" destId="{EFFBC16E-D827-45B5-A584-FCB65E01A582}" srcOrd="0" destOrd="0" presId="urn:microsoft.com/office/officeart/2005/8/layout/process2"/>
@@ -15855,7 +18223,7 @@
         <a:p>
           <a:r>
             <a:rPr lang="de-DE" sz="1400" dirty="0" smtClean="0"/>
-            <a:t>Projektplanung</a:t>
+            <a:t>Projekt-realisierung</a:t>
           </a:r>
           <a:endParaRPr lang="de-DE" sz="1400" dirty="0"/>
         </a:p>
@@ -15939,7 +18307,7 @@
         <a:p>
           <a:r>
             <a:rPr lang="de-DE" sz="1400" dirty="0" smtClean="0"/>
-            <a:t>Projekt-realisierung</a:t>
+            <a:t>Projektplanung</a:t>
           </a:r>
           <a:endParaRPr lang="de-DE" sz="1400" dirty="0"/>
         </a:p>
@@ -16049,8 +18417,45 @@
         </a:p>
       </dgm:t>
     </dgm:pt>
+    <dgm:pt modelId="{7AF88F15-3B35-4D27-BAD3-CBC44147F2B1}" type="pres">
+      <dgm:prSet presAssocID="{94E8A036-7CED-443A-89D4-E72BE7BB0C94}" presName="node" presStyleLbl="node1" presStyleIdx="2" presStyleCnt="5">
+        <dgm:presLayoutVars>
+          <dgm:bulletEnabled val="1"/>
+        </dgm:presLayoutVars>
+      </dgm:prSet>
+      <dgm:spPr/>
+      <dgm:t>
+        <a:bodyPr/>
+        <a:lstStyle/>
+        <a:p>
+          <a:endParaRPr lang="de-DE"/>
+        </a:p>
+      </dgm:t>
+    </dgm:pt>
+    <dgm:pt modelId="{FB1739B4-DA90-41D8-B9A7-1B16ED90DCE5}" type="pres">
+      <dgm:prSet presAssocID="{1F136B2F-1158-48FB-BDFB-F6E66779C97E}" presName="sibTrans" presStyleLbl="sibTrans2D1" presStyleIdx="2" presStyleCnt="4"/>
+      <dgm:spPr/>
+      <dgm:t>
+        <a:bodyPr/>
+        <a:lstStyle/>
+        <a:p>
+          <a:endParaRPr lang="de-DE"/>
+        </a:p>
+      </dgm:t>
+    </dgm:pt>
+    <dgm:pt modelId="{691C7C12-93FA-43A9-8E81-9A53C1697F60}" type="pres">
+      <dgm:prSet presAssocID="{1F136B2F-1158-48FB-BDFB-F6E66779C97E}" presName="connectorText" presStyleLbl="sibTrans2D1" presStyleIdx="2" presStyleCnt="4"/>
+      <dgm:spPr/>
+      <dgm:t>
+        <a:bodyPr/>
+        <a:lstStyle/>
+        <a:p>
+          <a:endParaRPr lang="de-DE"/>
+        </a:p>
+      </dgm:t>
+    </dgm:pt>
     <dgm:pt modelId="{EFFBC16E-D827-45B5-A584-FCB65E01A582}" type="pres">
-      <dgm:prSet presAssocID="{3562C60D-B6DE-4C33-A590-30E6C20F67EA}" presName="node" presStyleLbl="node1" presStyleIdx="2" presStyleCnt="5">
+      <dgm:prSet presAssocID="{3562C60D-B6DE-4C33-A590-30E6C20F67EA}" presName="node" presStyleLbl="node1" presStyleIdx="3" presStyleCnt="5">
         <dgm:presLayoutVars>
           <dgm:bulletEnabled val="1"/>
         </dgm:presLayoutVars>
@@ -16065,7 +18470,7 @@
       </dgm:t>
     </dgm:pt>
     <dgm:pt modelId="{EF4B894E-A424-49B4-A76E-8B19CCB456FD}" type="pres">
-      <dgm:prSet presAssocID="{FBC88C4D-51AF-4DFF-9D3B-64DA397B0701}" presName="sibTrans" presStyleLbl="sibTrans2D1" presStyleIdx="2" presStyleCnt="4"/>
+      <dgm:prSet presAssocID="{FBC88C4D-51AF-4DFF-9D3B-64DA397B0701}" presName="sibTrans" presStyleLbl="sibTrans2D1" presStyleIdx="3" presStyleCnt="4"/>
       <dgm:spPr/>
       <dgm:t>
         <a:bodyPr/>
@@ -16076,44 +18481,7 @@
       </dgm:t>
     </dgm:pt>
     <dgm:pt modelId="{4F3563E5-09DD-428D-9058-098045D29AAB}" type="pres">
-      <dgm:prSet presAssocID="{FBC88C4D-51AF-4DFF-9D3B-64DA397B0701}" presName="connectorText" presStyleLbl="sibTrans2D1" presStyleIdx="2" presStyleCnt="4"/>
-      <dgm:spPr/>
-      <dgm:t>
-        <a:bodyPr/>
-        <a:lstStyle/>
-        <a:p>
-          <a:endParaRPr lang="de-DE"/>
-        </a:p>
-      </dgm:t>
-    </dgm:pt>
-    <dgm:pt modelId="{7AF88F15-3B35-4D27-BAD3-CBC44147F2B1}" type="pres">
-      <dgm:prSet presAssocID="{94E8A036-7CED-443A-89D4-E72BE7BB0C94}" presName="node" presStyleLbl="node1" presStyleIdx="3" presStyleCnt="5" custLinFactNeighborX="-556" custLinFactNeighborY="-4564">
-        <dgm:presLayoutVars>
-          <dgm:bulletEnabled val="1"/>
-        </dgm:presLayoutVars>
-      </dgm:prSet>
-      <dgm:spPr/>
-      <dgm:t>
-        <a:bodyPr/>
-        <a:lstStyle/>
-        <a:p>
-          <a:endParaRPr lang="de-DE"/>
-        </a:p>
-      </dgm:t>
-    </dgm:pt>
-    <dgm:pt modelId="{FB1739B4-DA90-41D8-B9A7-1B16ED90DCE5}" type="pres">
-      <dgm:prSet presAssocID="{1F136B2F-1158-48FB-BDFB-F6E66779C97E}" presName="sibTrans" presStyleLbl="sibTrans2D1" presStyleIdx="3" presStyleCnt="4"/>
-      <dgm:spPr/>
-      <dgm:t>
-        <a:bodyPr/>
-        <a:lstStyle/>
-        <a:p>
-          <a:endParaRPr lang="de-DE"/>
-        </a:p>
-      </dgm:t>
-    </dgm:pt>
-    <dgm:pt modelId="{691C7C12-93FA-43A9-8E81-9A53C1697F60}" type="pres">
-      <dgm:prSet presAssocID="{1F136B2F-1158-48FB-BDFB-F6E66779C97E}" presName="connectorText" presStyleLbl="sibTrans2D1" presStyleIdx="3" presStyleCnt="4"/>
+      <dgm:prSet presAssocID="{FBC88C4D-51AF-4DFF-9D3B-64DA397B0701}" presName="connectorText" presStyleLbl="sibTrans2D1" presStyleIdx="3" presStyleCnt="4"/>
       <dgm:spPr/>
       <dgm:t>
         <a:bodyPr/>
@@ -16140,44 +18508,44 @@
     </dgm:pt>
   </dgm:ptLst>
   <dgm:cxnLst>
-    <dgm:cxn modelId="{C186AFC6-E82A-4AE1-A42D-EF8366744536}" type="presOf" srcId="{EDB7A953-EC6F-4911-815B-AF3ED3DF28AB}" destId="{3DE87748-6AA3-488C-9F4A-A906874F2422}" srcOrd="0" destOrd="0" presId="urn:microsoft.com/office/officeart/2005/8/layout/process2"/>
-    <dgm:cxn modelId="{BA50507E-BE39-4A15-8254-0DD4CD9A4650}" type="presOf" srcId="{94E8A036-7CED-443A-89D4-E72BE7BB0C94}" destId="{7AF88F15-3B35-4D27-BAD3-CBC44147F2B1}" srcOrd="0" destOrd="0" presId="urn:microsoft.com/office/officeart/2005/8/layout/process2"/>
+    <dgm:cxn modelId="{5F740D98-4BE4-47D7-B2F8-FBDA89A25C61}" type="presOf" srcId="{94E8A036-7CED-443A-89D4-E72BE7BB0C94}" destId="{7AF88F15-3B35-4D27-BAD3-CBC44147F2B1}" srcOrd="0" destOrd="0" presId="urn:microsoft.com/office/officeart/2005/8/layout/process2"/>
     <dgm:cxn modelId="{A5ABBF4E-B66F-4DD8-BF06-AEEE8EC249C6}" srcId="{F6695FA0-6FCE-495A-88E8-3B83EB56ED3B}" destId="{883B4115-6FC4-44A7-B9C7-5C33DBCF33AE}" srcOrd="1" destOrd="0" parTransId="{C297166A-474C-4E15-8750-9B03D18CCFF6}" sibTransId="{D975FE47-31BA-42C7-9CE8-48468A4F6A06}"/>
-    <dgm:cxn modelId="{F36930D0-E2B8-4355-AF4B-CBFBDAA8839B}" type="presOf" srcId="{68D04D58-2270-4BE3-9D8C-8CF3995FC312}" destId="{61D0C34D-7EA4-46C7-80D3-027C68C542A6}" srcOrd="0" destOrd="0" presId="urn:microsoft.com/office/officeart/2005/8/layout/process2"/>
-    <dgm:cxn modelId="{AC19E9F6-DE9A-4AAE-9DED-5E0176E25FE1}" type="presOf" srcId="{FBC88C4D-51AF-4DFF-9D3B-64DA397B0701}" destId="{4F3563E5-09DD-428D-9058-098045D29AAB}" srcOrd="1" destOrd="0" presId="urn:microsoft.com/office/officeart/2005/8/layout/process2"/>
-    <dgm:cxn modelId="{2456FB1C-E099-4898-A56F-5660C139165E}" type="presOf" srcId="{D975FE47-31BA-42C7-9CE8-48468A4F6A06}" destId="{E4ABA5BD-2A48-49A1-9BA7-303EA8D0CBA2}" srcOrd="1" destOrd="0" presId="urn:microsoft.com/office/officeart/2005/8/layout/process2"/>
-    <dgm:cxn modelId="{A4DCEB8D-D659-42A0-99E0-2190ECE290CF}" type="presOf" srcId="{D975FE47-31BA-42C7-9CE8-48468A4F6A06}" destId="{1070C37C-C3F8-459A-87BE-B3BA51397199}" srcOrd="0" destOrd="0" presId="urn:microsoft.com/office/officeart/2005/8/layout/process2"/>
-    <dgm:cxn modelId="{88C5505D-764B-48F6-8A8B-814C2335D1A8}" type="presOf" srcId="{3562C60D-B6DE-4C33-A590-30E6C20F67EA}" destId="{EFFBC16E-D827-45B5-A584-FCB65E01A582}" srcOrd="0" destOrd="0" presId="urn:microsoft.com/office/officeart/2005/8/layout/process2"/>
-    <dgm:cxn modelId="{8172D8D4-E7A4-411B-B729-0D8A3CECF652}" type="presOf" srcId="{E540C146-3755-4534-9BD5-F3D62C7474AF}" destId="{15EFE04D-73AA-41FF-A2DE-FDF35ACA5415}" srcOrd="0" destOrd="0" presId="urn:microsoft.com/office/officeart/2005/8/layout/process2"/>
-    <dgm:cxn modelId="{3BB786F4-2A66-4B09-9C78-D9B96D4E218B}" type="presOf" srcId="{1F136B2F-1158-48FB-BDFB-F6E66779C97E}" destId="{FB1739B4-DA90-41D8-B9A7-1B16ED90DCE5}" srcOrd="0" destOrd="0" presId="urn:microsoft.com/office/officeart/2005/8/layout/process2"/>
+    <dgm:cxn modelId="{6B44EF29-53E8-406B-B39B-E953A971125C}" type="presOf" srcId="{FBC88C4D-51AF-4DFF-9D3B-64DA397B0701}" destId="{EF4B894E-A424-49B4-A76E-8B19CCB456FD}" srcOrd="0" destOrd="0" presId="urn:microsoft.com/office/officeart/2005/8/layout/process2"/>
+    <dgm:cxn modelId="{4A45FCBB-5B23-414C-82C2-839EFBC0BEF9}" type="presOf" srcId="{1F136B2F-1158-48FB-BDFB-F6E66779C97E}" destId="{FB1739B4-DA90-41D8-B9A7-1B16ED90DCE5}" srcOrd="0" destOrd="0" presId="urn:microsoft.com/office/officeart/2005/8/layout/process2"/>
+    <dgm:cxn modelId="{5758BEDF-C71E-4701-8844-E9948895C941}" type="presOf" srcId="{EDB7A953-EC6F-4911-815B-AF3ED3DF28AB}" destId="{3DE87748-6AA3-488C-9F4A-A906874F2422}" srcOrd="0" destOrd="0" presId="urn:microsoft.com/office/officeart/2005/8/layout/process2"/>
+    <dgm:cxn modelId="{BB20593A-54F9-445C-BFF9-3DCE2D80E603}" type="presOf" srcId="{3562C60D-B6DE-4C33-A590-30E6C20F67EA}" destId="{EFFBC16E-D827-45B5-A584-FCB65E01A582}" srcOrd="0" destOrd="0" presId="urn:microsoft.com/office/officeart/2005/8/layout/process2"/>
+    <dgm:cxn modelId="{EEBCE856-5E65-4F54-91CF-3A7949CA86C0}" type="presOf" srcId="{FBC88C4D-51AF-4DFF-9D3B-64DA397B0701}" destId="{4F3563E5-09DD-428D-9058-098045D29AAB}" srcOrd="1" destOrd="0" presId="urn:microsoft.com/office/officeart/2005/8/layout/process2"/>
+    <dgm:cxn modelId="{AE12FEAC-9F02-4CD8-AAD9-CF265D1EF3AF}" type="presOf" srcId="{E540C146-3755-4534-9BD5-F3D62C7474AF}" destId="{15EFE04D-73AA-41FF-A2DE-FDF35ACA5415}" srcOrd="0" destOrd="0" presId="urn:microsoft.com/office/officeart/2005/8/layout/process2"/>
     <dgm:cxn modelId="{08F31A9F-9940-4BAB-AB5C-2F8A0B0CDCCE}" srcId="{F6695FA0-6FCE-495A-88E8-3B83EB56ED3B}" destId="{E540C146-3755-4534-9BD5-F3D62C7474AF}" srcOrd="0" destOrd="0" parTransId="{E57EECFB-4AF7-496C-AA21-9D2BDB952164}" sibTransId="{68D04D58-2270-4BE3-9D8C-8CF3995FC312}"/>
-    <dgm:cxn modelId="{4E139C70-6489-4DA0-9219-6997243AD14F}" type="presOf" srcId="{883B4115-6FC4-44A7-B9C7-5C33DBCF33AE}" destId="{D31CC3E8-2341-4337-9741-B7D26D35669A}" srcOrd="0" destOrd="0" presId="urn:microsoft.com/office/officeart/2005/8/layout/process2"/>
-    <dgm:cxn modelId="{63D0D140-8A3A-4162-85C8-F3C94D2391F5}" type="presOf" srcId="{F6695FA0-6FCE-495A-88E8-3B83EB56ED3B}" destId="{68FC5FCA-1C51-4371-8D10-7C79BB6C50C8}" srcOrd="0" destOrd="0" presId="urn:microsoft.com/office/officeart/2005/8/layout/process2"/>
-    <dgm:cxn modelId="{1B68C083-7F8A-4182-A147-18582DB7BE6F}" type="presOf" srcId="{68D04D58-2270-4BE3-9D8C-8CF3995FC312}" destId="{1A6B8648-FF51-467C-99BF-C507E6A02D29}" srcOrd="1" destOrd="0" presId="urn:microsoft.com/office/officeart/2005/8/layout/process2"/>
-    <dgm:cxn modelId="{A753EA2C-A4C6-44F2-9C76-59F46461CC9C}" srcId="{F6695FA0-6FCE-495A-88E8-3B83EB56ED3B}" destId="{94E8A036-7CED-443A-89D4-E72BE7BB0C94}" srcOrd="3" destOrd="0" parTransId="{713D5F08-46DF-4FCB-8AA0-F36FA7FC2EE4}" sibTransId="{1F136B2F-1158-48FB-BDFB-F6E66779C97E}"/>
-    <dgm:cxn modelId="{08998185-544D-4E60-8506-447A548A584F}" type="presOf" srcId="{FBC88C4D-51AF-4DFF-9D3B-64DA397B0701}" destId="{EF4B894E-A424-49B4-A76E-8B19CCB456FD}" srcOrd="0" destOrd="0" presId="urn:microsoft.com/office/officeart/2005/8/layout/process2"/>
+    <dgm:cxn modelId="{EB78B59E-CEF7-46E5-A72A-6174ED19114E}" type="presOf" srcId="{883B4115-6FC4-44A7-B9C7-5C33DBCF33AE}" destId="{D31CC3E8-2341-4337-9741-B7D26D35669A}" srcOrd="0" destOrd="0" presId="urn:microsoft.com/office/officeart/2005/8/layout/process2"/>
+    <dgm:cxn modelId="{68A3DE61-A8F0-41C7-AE3D-C801EC756C70}" type="presOf" srcId="{68D04D58-2270-4BE3-9D8C-8CF3995FC312}" destId="{1A6B8648-FF51-467C-99BF-C507E6A02D29}" srcOrd="1" destOrd="0" presId="urn:microsoft.com/office/officeart/2005/8/layout/process2"/>
+    <dgm:cxn modelId="{32E7B603-F7AC-4309-9C97-3F8C6BF2569D}" type="presOf" srcId="{F6695FA0-6FCE-495A-88E8-3B83EB56ED3B}" destId="{68FC5FCA-1C51-4371-8D10-7C79BB6C50C8}" srcOrd="0" destOrd="0" presId="urn:microsoft.com/office/officeart/2005/8/layout/process2"/>
+    <dgm:cxn modelId="{A753EA2C-A4C6-44F2-9C76-59F46461CC9C}" srcId="{F6695FA0-6FCE-495A-88E8-3B83EB56ED3B}" destId="{94E8A036-7CED-443A-89D4-E72BE7BB0C94}" srcOrd="2" destOrd="0" parTransId="{713D5F08-46DF-4FCB-8AA0-F36FA7FC2EE4}" sibTransId="{1F136B2F-1158-48FB-BDFB-F6E66779C97E}"/>
+    <dgm:cxn modelId="{A85B3126-7D0F-4909-A565-D7274CF05D02}" type="presOf" srcId="{D975FE47-31BA-42C7-9CE8-48468A4F6A06}" destId="{1070C37C-C3F8-459A-87BE-B3BA51397199}" srcOrd="0" destOrd="0" presId="urn:microsoft.com/office/officeart/2005/8/layout/process2"/>
+    <dgm:cxn modelId="{4FED5D78-6F3B-4843-A6A9-871AA0105CD0}" type="presOf" srcId="{D975FE47-31BA-42C7-9CE8-48468A4F6A06}" destId="{E4ABA5BD-2A48-49A1-9BA7-303EA8D0CBA2}" srcOrd="1" destOrd="0" presId="urn:microsoft.com/office/officeart/2005/8/layout/process2"/>
     <dgm:cxn modelId="{878878A8-5E70-425E-AD08-AF02177885B6}" srcId="{F6695FA0-6FCE-495A-88E8-3B83EB56ED3B}" destId="{EDB7A953-EC6F-4911-815B-AF3ED3DF28AB}" srcOrd="4" destOrd="0" parTransId="{9BAEF0D2-03EF-4506-92E5-C021E9748159}" sibTransId="{280F9EDE-2C4C-44DD-95FC-0083E3626222}"/>
-    <dgm:cxn modelId="{5F27763D-1439-4112-B3C6-31E792C93872}" type="presOf" srcId="{1F136B2F-1158-48FB-BDFB-F6E66779C97E}" destId="{691C7C12-93FA-43A9-8E81-9A53C1697F60}" srcOrd="1" destOrd="0" presId="urn:microsoft.com/office/officeart/2005/8/layout/process2"/>
-    <dgm:cxn modelId="{78E9A333-69E5-4D5D-9BED-BB153224E0E1}" srcId="{F6695FA0-6FCE-495A-88E8-3B83EB56ED3B}" destId="{3562C60D-B6DE-4C33-A590-30E6C20F67EA}" srcOrd="2" destOrd="0" parTransId="{C6CDA3AD-EA65-4157-B9C6-964F7B80EBD7}" sibTransId="{FBC88C4D-51AF-4DFF-9D3B-64DA397B0701}"/>
-    <dgm:cxn modelId="{8604542C-EA51-4771-8ED0-A8C3EB3717D0}" type="presParOf" srcId="{68FC5FCA-1C51-4371-8D10-7C79BB6C50C8}" destId="{15EFE04D-73AA-41FF-A2DE-FDF35ACA5415}" srcOrd="0" destOrd="0" presId="urn:microsoft.com/office/officeart/2005/8/layout/process2"/>
-    <dgm:cxn modelId="{BAD1C0CD-64B6-4AAD-89E0-71CEB172E584}" type="presParOf" srcId="{68FC5FCA-1C51-4371-8D10-7C79BB6C50C8}" destId="{61D0C34D-7EA4-46C7-80D3-027C68C542A6}" srcOrd="1" destOrd="0" presId="urn:microsoft.com/office/officeart/2005/8/layout/process2"/>
-    <dgm:cxn modelId="{5BE7EC8A-5E18-4CCF-99AC-2A9C5B86F19B}" type="presParOf" srcId="{61D0C34D-7EA4-46C7-80D3-027C68C542A6}" destId="{1A6B8648-FF51-467C-99BF-C507E6A02D29}" srcOrd="0" destOrd="0" presId="urn:microsoft.com/office/officeart/2005/8/layout/process2"/>
-    <dgm:cxn modelId="{DB2DB0DB-1877-42CB-8C23-AD971AC5C62B}" type="presParOf" srcId="{68FC5FCA-1C51-4371-8D10-7C79BB6C50C8}" destId="{D31CC3E8-2341-4337-9741-B7D26D35669A}" srcOrd="2" destOrd="0" presId="urn:microsoft.com/office/officeart/2005/8/layout/process2"/>
-    <dgm:cxn modelId="{71391604-61F9-454C-A21B-B1A5B4940AB3}" type="presParOf" srcId="{68FC5FCA-1C51-4371-8D10-7C79BB6C50C8}" destId="{1070C37C-C3F8-459A-87BE-B3BA51397199}" srcOrd="3" destOrd="0" presId="urn:microsoft.com/office/officeart/2005/8/layout/process2"/>
-    <dgm:cxn modelId="{196D5853-9B90-4161-9DF3-16712EAE9DD6}" type="presParOf" srcId="{1070C37C-C3F8-459A-87BE-B3BA51397199}" destId="{E4ABA5BD-2A48-49A1-9BA7-303EA8D0CBA2}" srcOrd="0" destOrd="0" presId="urn:microsoft.com/office/officeart/2005/8/layout/process2"/>
-    <dgm:cxn modelId="{AFE46C15-FD64-44E3-98B3-299E12C56D8F}" type="presParOf" srcId="{68FC5FCA-1C51-4371-8D10-7C79BB6C50C8}" destId="{EFFBC16E-D827-45B5-A584-FCB65E01A582}" srcOrd="4" destOrd="0" presId="urn:microsoft.com/office/officeart/2005/8/layout/process2"/>
-    <dgm:cxn modelId="{F4E6514C-A847-47CA-AA13-5D66CB233D21}" type="presParOf" srcId="{68FC5FCA-1C51-4371-8D10-7C79BB6C50C8}" destId="{EF4B894E-A424-49B4-A76E-8B19CCB456FD}" srcOrd="5" destOrd="0" presId="urn:microsoft.com/office/officeart/2005/8/layout/process2"/>
-    <dgm:cxn modelId="{8ADE87CF-E35C-4382-B7D3-5752A351498C}" type="presParOf" srcId="{EF4B894E-A424-49B4-A76E-8B19CCB456FD}" destId="{4F3563E5-09DD-428D-9058-098045D29AAB}" srcOrd="0" destOrd="0" presId="urn:microsoft.com/office/officeart/2005/8/layout/process2"/>
-    <dgm:cxn modelId="{FC8E3DF2-40A2-4A4B-8CB7-B4D938902D74}" type="presParOf" srcId="{68FC5FCA-1C51-4371-8D10-7C79BB6C50C8}" destId="{7AF88F15-3B35-4D27-BAD3-CBC44147F2B1}" srcOrd="6" destOrd="0" presId="urn:microsoft.com/office/officeart/2005/8/layout/process2"/>
-    <dgm:cxn modelId="{AB33ACAD-0908-4C63-AB52-BBAF0AD1FA15}" type="presParOf" srcId="{68FC5FCA-1C51-4371-8D10-7C79BB6C50C8}" destId="{FB1739B4-DA90-41D8-B9A7-1B16ED90DCE5}" srcOrd="7" destOrd="0" presId="urn:microsoft.com/office/officeart/2005/8/layout/process2"/>
-    <dgm:cxn modelId="{1B046261-8E6D-485F-9E6D-A0AD72B7980A}" type="presParOf" srcId="{FB1739B4-DA90-41D8-B9A7-1B16ED90DCE5}" destId="{691C7C12-93FA-43A9-8E81-9A53C1697F60}" srcOrd="0" destOrd="0" presId="urn:microsoft.com/office/officeart/2005/8/layout/process2"/>
-    <dgm:cxn modelId="{8F953ECB-D0A0-4181-9E53-2F07DDA07E56}" type="presParOf" srcId="{68FC5FCA-1C51-4371-8D10-7C79BB6C50C8}" destId="{3DE87748-6AA3-488C-9F4A-A906874F2422}" srcOrd="8" destOrd="0" presId="urn:microsoft.com/office/officeart/2005/8/layout/process2"/>
+    <dgm:cxn modelId="{1F7CDD10-AA32-4D23-AC3E-6C73B71ECC6D}" type="presOf" srcId="{68D04D58-2270-4BE3-9D8C-8CF3995FC312}" destId="{61D0C34D-7EA4-46C7-80D3-027C68C542A6}" srcOrd="0" destOrd="0" presId="urn:microsoft.com/office/officeart/2005/8/layout/process2"/>
+    <dgm:cxn modelId="{660A407E-84E1-4D06-84F8-C1C8633B01EB}" type="presOf" srcId="{1F136B2F-1158-48FB-BDFB-F6E66779C97E}" destId="{691C7C12-93FA-43A9-8E81-9A53C1697F60}" srcOrd="1" destOrd="0" presId="urn:microsoft.com/office/officeart/2005/8/layout/process2"/>
+    <dgm:cxn modelId="{78E9A333-69E5-4D5D-9BED-BB153224E0E1}" srcId="{F6695FA0-6FCE-495A-88E8-3B83EB56ED3B}" destId="{3562C60D-B6DE-4C33-A590-30E6C20F67EA}" srcOrd="3" destOrd="0" parTransId="{C6CDA3AD-EA65-4157-B9C6-964F7B80EBD7}" sibTransId="{FBC88C4D-51AF-4DFF-9D3B-64DA397B0701}"/>
+    <dgm:cxn modelId="{5FB7517D-F8A4-498B-83E9-40CB5087C31A}" type="presParOf" srcId="{68FC5FCA-1C51-4371-8D10-7C79BB6C50C8}" destId="{15EFE04D-73AA-41FF-A2DE-FDF35ACA5415}" srcOrd="0" destOrd="0" presId="urn:microsoft.com/office/officeart/2005/8/layout/process2"/>
+    <dgm:cxn modelId="{ABD884EE-8756-4B8A-84DE-B786F99F7432}" type="presParOf" srcId="{68FC5FCA-1C51-4371-8D10-7C79BB6C50C8}" destId="{61D0C34D-7EA4-46C7-80D3-027C68C542A6}" srcOrd="1" destOrd="0" presId="urn:microsoft.com/office/officeart/2005/8/layout/process2"/>
+    <dgm:cxn modelId="{7AA4AAB8-20FB-4B3A-96AC-CD5984E23462}" type="presParOf" srcId="{61D0C34D-7EA4-46C7-80D3-027C68C542A6}" destId="{1A6B8648-FF51-467C-99BF-C507E6A02D29}" srcOrd="0" destOrd="0" presId="urn:microsoft.com/office/officeart/2005/8/layout/process2"/>
+    <dgm:cxn modelId="{9AA2903A-962F-490C-8EC4-E6ABD4AB585A}" type="presParOf" srcId="{68FC5FCA-1C51-4371-8D10-7C79BB6C50C8}" destId="{D31CC3E8-2341-4337-9741-B7D26D35669A}" srcOrd="2" destOrd="0" presId="urn:microsoft.com/office/officeart/2005/8/layout/process2"/>
+    <dgm:cxn modelId="{A197146F-2A31-4BAC-BECE-BE2BED229441}" type="presParOf" srcId="{68FC5FCA-1C51-4371-8D10-7C79BB6C50C8}" destId="{1070C37C-C3F8-459A-87BE-B3BA51397199}" srcOrd="3" destOrd="0" presId="urn:microsoft.com/office/officeart/2005/8/layout/process2"/>
+    <dgm:cxn modelId="{DA9C66F0-8A08-405A-BA73-C7203CB9581F}" type="presParOf" srcId="{1070C37C-C3F8-459A-87BE-B3BA51397199}" destId="{E4ABA5BD-2A48-49A1-9BA7-303EA8D0CBA2}" srcOrd="0" destOrd="0" presId="urn:microsoft.com/office/officeart/2005/8/layout/process2"/>
+    <dgm:cxn modelId="{B3261C7B-8009-4AC2-AEDD-5E705F118ABF}" type="presParOf" srcId="{68FC5FCA-1C51-4371-8D10-7C79BB6C50C8}" destId="{7AF88F15-3B35-4D27-BAD3-CBC44147F2B1}" srcOrd="4" destOrd="0" presId="urn:microsoft.com/office/officeart/2005/8/layout/process2"/>
+    <dgm:cxn modelId="{890FCF8F-FBB9-42F9-90A5-CBF64D84084F}" type="presParOf" srcId="{68FC5FCA-1C51-4371-8D10-7C79BB6C50C8}" destId="{FB1739B4-DA90-41D8-B9A7-1B16ED90DCE5}" srcOrd="5" destOrd="0" presId="urn:microsoft.com/office/officeart/2005/8/layout/process2"/>
+    <dgm:cxn modelId="{40BB6136-D41A-4E74-8EA0-2A933C312E37}" type="presParOf" srcId="{FB1739B4-DA90-41D8-B9A7-1B16ED90DCE5}" destId="{691C7C12-93FA-43A9-8E81-9A53C1697F60}" srcOrd="0" destOrd="0" presId="urn:microsoft.com/office/officeart/2005/8/layout/process2"/>
+    <dgm:cxn modelId="{AF8AA76A-BA96-48F9-AD22-A6EE161EB29E}" type="presParOf" srcId="{68FC5FCA-1C51-4371-8D10-7C79BB6C50C8}" destId="{EFFBC16E-D827-45B5-A584-FCB65E01A582}" srcOrd="6" destOrd="0" presId="urn:microsoft.com/office/officeart/2005/8/layout/process2"/>
+    <dgm:cxn modelId="{28F030D1-6124-45FE-A4F0-9FEA9327A6A5}" type="presParOf" srcId="{68FC5FCA-1C51-4371-8D10-7C79BB6C50C8}" destId="{EF4B894E-A424-49B4-A76E-8B19CCB456FD}" srcOrd="7" destOrd="0" presId="urn:microsoft.com/office/officeart/2005/8/layout/process2"/>
+    <dgm:cxn modelId="{C0D1DB8B-ABF8-4B4A-995E-C1AEA4ED3F8F}" type="presParOf" srcId="{EF4B894E-A424-49B4-A76E-8B19CCB456FD}" destId="{4F3563E5-09DD-428D-9058-098045D29AAB}" srcOrd="0" destOrd="0" presId="urn:microsoft.com/office/officeart/2005/8/layout/process2"/>
+    <dgm:cxn modelId="{16123753-7F9C-4377-B554-D1E00006E0CB}" type="presParOf" srcId="{68FC5FCA-1C51-4371-8D10-7C79BB6C50C8}" destId="{3DE87748-6AA3-488C-9F4A-A906874F2422}" srcOrd="8" destOrd="0" presId="urn:microsoft.com/office/officeart/2005/8/layout/process2"/>
   </dgm:cxnLst>
   <dgm:bg/>
   <dgm:whole/>
   <dgm:extLst>
     <a:ext uri="http://schemas.microsoft.com/office/drawing/2008/diagram">
-      <dsp:dataModelExt xmlns:dsp="http://schemas.microsoft.com/office/drawing/2008/diagram" relId="rId6" minVer="http://schemas.openxmlformats.org/drawingml/2006/diagram"/>
+      <dsp:dataModelExt xmlns:dsp="http://schemas.microsoft.com/office/drawing/2008/diagram" relId="rId7" minVer="http://schemas.openxmlformats.org/drawingml/2006/diagram"/>
     </a:ext>
   </dgm:extLst>
 </dgm:dataModel>
@@ -16852,6 +19220,672 @@
       </dsp:nvSpPr>
       <dsp:spPr>
         <a:xfrm>
+          <a:off x="0" y="2223"/>
+          <a:ext cx="1008676" cy="519856"/>
+        </a:xfrm>
+        <a:prstGeom prst="roundRect">
+          <a:avLst>
+            <a:gd name="adj" fmla="val 10000"/>
+          </a:avLst>
+        </a:prstGeom>
+        <a:solidFill>
+          <a:srgbClr val="036A90">
+            <a:alpha val="54000"/>
+          </a:srgbClr>
+        </a:solidFill>
+        <a:ln w="19050" cap="flat" cmpd="sng" algn="ctr">
+          <a:solidFill>
+            <a:schemeClr val="lt1">
+              <a:hueOff val="0"/>
+              <a:satOff val="0"/>
+              <a:lumOff val="0"/>
+              <a:alphaOff val="0"/>
+            </a:schemeClr>
+          </a:solidFill>
+          <a:prstDash val="solid"/>
+        </a:ln>
+        <a:effectLst/>
+      </dsp:spPr>
+      <dsp:style>
+        <a:lnRef idx="2">
+          <a:scrgbClr r="0" g="0" b="0"/>
+        </a:lnRef>
+        <a:fillRef idx="1">
+          <a:scrgbClr r="0" g="0" b="0"/>
+        </a:fillRef>
+        <a:effectRef idx="0">
+          <a:scrgbClr r="0" g="0" b="0"/>
+        </a:effectRef>
+        <a:fontRef idx="minor">
+          <a:schemeClr val="lt1"/>
+        </a:fontRef>
+      </dsp:style>
+      <dsp:txBody>
+        <a:bodyPr spcFirstLastPara="0" vert="horz" wrap="square" lIns="53340" tIns="53340" rIns="53340" bIns="53340" numCol="1" spcCol="1270" anchor="ctr" anchorCtr="0">
+          <a:noAutofit/>
+        </a:bodyPr>
+        <a:lstStyle/>
+        <a:p>
+          <a:pPr lvl="0" algn="ctr" defTabSz="622300">
+            <a:lnSpc>
+              <a:spcPct val="90000"/>
+            </a:lnSpc>
+            <a:spcBef>
+              <a:spcPct val="0"/>
+            </a:spcBef>
+            <a:spcAft>
+              <a:spcPct val="35000"/>
+            </a:spcAft>
+          </a:pPr>
+          <a:r>
+            <a:rPr lang="de-DE" sz="1400" kern="1200" dirty="0" smtClean="0"/>
+            <a:t>Einführung</a:t>
+          </a:r>
+          <a:endParaRPr lang="de-DE" sz="1400" kern="1200" dirty="0"/>
+        </a:p>
+      </dsp:txBody>
+      <dsp:txXfrm>
+        <a:off x="15226" y="17449"/>
+        <a:ext cx="978224" cy="489404"/>
+      </dsp:txXfrm>
+    </dsp:sp>
+    <dsp:sp modelId="{61D0C34D-7EA4-46C7-80D3-027C68C542A6}">
+      <dsp:nvSpPr>
+        <dsp:cNvPr id="0" name=""/>
+        <dsp:cNvSpPr/>
+      </dsp:nvSpPr>
+      <dsp:spPr>
+        <a:xfrm rot="5400000">
+          <a:off x="406864" y="535076"/>
+          <a:ext cx="194946" cy="233935"/>
+        </a:xfrm>
+        <a:prstGeom prst="rightArrow">
+          <a:avLst>
+            <a:gd name="adj1" fmla="val 60000"/>
+            <a:gd name="adj2" fmla="val 50000"/>
+          </a:avLst>
+        </a:prstGeom>
+        <a:solidFill>
+          <a:schemeClr val="accent1">
+            <a:tint val="60000"/>
+            <a:hueOff val="0"/>
+            <a:satOff val="0"/>
+            <a:lumOff val="0"/>
+            <a:alphaOff val="0"/>
+          </a:schemeClr>
+        </a:solidFill>
+        <a:ln>
+          <a:noFill/>
+        </a:ln>
+        <a:effectLst/>
+      </dsp:spPr>
+      <dsp:style>
+        <a:lnRef idx="0">
+          <a:scrgbClr r="0" g="0" b="0"/>
+        </a:lnRef>
+        <a:fillRef idx="1">
+          <a:scrgbClr r="0" g="0" b="0"/>
+        </a:fillRef>
+        <a:effectRef idx="0">
+          <a:scrgbClr r="0" g="0" b="0"/>
+        </a:effectRef>
+        <a:fontRef idx="minor">
+          <a:schemeClr val="lt1"/>
+        </a:fontRef>
+      </dsp:style>
+      <dsp:txBody>
+        <a:bodyPr spcFirstLastPara="0" vert="horz" wrap="square" lIns="0" tIns="0" rIns="0" bIns="0" numCol="1" spcCol="1270" anchor="ctr" anchorCtr="0">
+          <a:noAutofit/>
+        </a:bodyPr>
+        <a:lstStyle/>
+        <a:p>
+          <a:pPr lvl="0" algn="ctr" defTabSz="622300">
+            <a:lnSpc>
+              <a:spcPct val="90000"/>
+            </a:lnSpc>
+            <a:spcBef>
+              <a:spcPct val="0"/>
+            </a:spcBef>
+            <a:spcAft>
+              <a:spcPct val="35000"/>
+            </a:spcAft>
+          </a:pPr>
+          <a:endParaRPr lang="de-DE" sz="1400" kern="1200" dirty="0"/>
+        </a:p>
+      </dsp:txBody>
+      <dsp:txXfrm rot="-5400000">
+        <a:off x="434157" y="554570"/>
+        <a:ext cx="140361" cy="136462"/>
+      </dsp:txXfrm>
+    </dsp:sp>
+    <dsp:sp modelId="{D31CC3E8-2341-4337-9741-B7D26D35669A}">
+      <dsp:nvSpPr>
+        <dsp:cNvPr id="0" name=""/>
+        <dsp:cNvSpPr/>
+      </dsp:nvSpPr>
+      <dsp:spPr>
+        <a:xfrm>
+          <a:off x="0" y="782007"/>
+          <a:ext cx="1008676" cy="519856"/>
+        </a:xfrm>
+        <a:prstGeom prst="roundRect">
+          <a:avLst>
+            <a:gd name="adj" fmla="val 10000"/>
+          </a:avLst>
+        </a:prstGeom>
+        <a:solidFill>
+          <a:srgbClr val="036A90">
+            <a:alpha val="54000"/>
+          </a:srgbClr>
+        </a:solidFill>
+        <a:ln w="19050" cap="flat" cmpd="sng" algn="ctr">
+          <a:solidFill>
+            <a:schemeClr val="lt1">
+              <a:hueOff val="0"/>
+              <a:satOff val="0"/>
+              <a:lumOff val="0"/>
+              <a:alphaOff val="0"/>
+            </a:schemeClr>
+          </a:solidFill>
+          <a:prstDash val="solid"/>
+        </a:ln>
+        <a:effectLst/>
+      </dsp:spPr>
+      <dsp:style>
+        <a:lnRef idx="2">
+          <a:scrgbClr r="0" g="0" b="0"/>
+        </a:lnRef>
+        <a:fillRef idx="1">
+          <a:scrgbClr r="0" g="0" b="0"/>
+        </a:fillRef>
+        <a:effectRef idx="0">
+          <a:scrgbClr r="0" g="0" b="0"/>
+        </a:effectRef>
+        <a:fontRef idx="minor">
+          <a:schemeClr val="lt1"/>
+        </a:fontRef>
+      </dsp:style>
+      <dsp:txBody>
+        <a:bodyPr spcFirstLastPara="0" vert="horz" wrap="square" lIns="53340" tIns="53340" rIns="53340" bIns="53340" numCol="1" spcCol="1270" anchor="ctr" anchorCtr="0">
+          <a:noAutofit/>
+        </a:bodyPr>
+        <a:lstStyle/>
+        <a:p>
+          <a:pPr lvl="0" algn="ctr" defTabSz="622300">
+            <a:lnSpc>
+              <a:spcPct val="90000"/>
+            </a:lnSpc>
+            <a:spcBef>
+              <a:spcPct val="0"/>
+            </a:spcBef>
+            <a:spcAft>
+              <a:spcPct val="35000"/>
+            </a:spcAft>
+          </a:pPr>
+          <a:r>
+            <a:rPr lang="de-DE" sz="1400" kern="1200" dirty="0" smtClean="0"/>
+            <a:t>Projektauftrag</a:t>
+          </a:r>
+          <a:endParaRPr lang="de-DE" sz="1400" kern="1200" dirty="0"/>
+        </a:p>
+      </dsp:txBody>
+      <dsp:txXfrm>
+        <a:off x="15226" y="797233"/>
+        <a:ext cx="978224" cy="489404"/>
+      </dsp:txXfrm>
+    </dsp:sp>
+    <dsp:sp modelId="{1070C37C-C3F8-459A-87BE-B3BA51397199}">
+      <dsp:nvSpPr>
+        <dsp:cNvPr id="0" name=""/>
+        <dsp:cNvSpPr/>
+      </dsp:nvSpPr>
+      <dsp:spPr>
+        <a:xfrm rot="5400000">
+          <a:off x="406864" y="1314860"/>
+          <a:ext cx="194946" cy="233935"/>
+        </a:xfrm>
+        <a:prstGeom prst="rightArrow">
+          <a:avLst>
+            <a:gd name="adj1" fmla="val 60000"/>
+            <a:gd name="adj2" fmla="val 50000"/>
+          </a:avLst>
+        </a:prstGeom>
+        <a:solidFill>
+          <a:schemeClr val="accent1">
+            <a:tint val="60000"/>
+            <a:hueOff val="0"/>
+            <a:satOff val="0"/>
+            <a:lumOff val="0"/>
+            <a:alphaOff val="0"/>
+          </a:schemeClr>
+        </a:solidFill>
+        <a:ln>
+          <a:noFill/>
+        </a:ln>
+        <a:effectLst/>
+      </dsp:spPr>
+      <dsp:style>
+        <a:lnRef idx="0">
+          <a:scrgbClr r="0" g="0" b="0"/>
+        </a:lnRef>
+        <a:fillRef idx="1">
+          <a:scrgbClr r="0" g="0" b="0"/>
+        </a:fillRef>
+        <a:effectRef idx="0">
+          <a:scrgbClr r="0" g="0" b="0"/>
+        </a:effectRef>
+        <a:fontRef idx="minor">
+          <a:schemeClr val="lt1"/>
+        </a:fontRef>
+      </dsp:style>
+      <dsp:txBody>
+        <a:bodyPr spcFirstLastPara="0" vert="horz" wrap="square" lIns="0" tIns="0" rIns="0" bIns="0" numCol="1" spcCol="1270" anchor="ctr" anchorCtr="0">
+          <a:noAutofit/>
+        </a:bodyPr>
+        <a:lstStyle/>
+        <a:p>
+          <a:pPr lvl="0" algn="ctr" defTabSz="622300">
+            <a:lnSpc>
+              <a:spcPct val="90000"/>
+            </a:lnSpc>
+            <a:spcBef>
+              <a:spcPct val="0"/>
+            </a:spcBef>
+            <a:spcAft>
+              <a:spcPct val="35000"/>
+            </a:spcAft>
+          </a:pPr>
+          <a:endParaRPr lang="de-DE" sz="1400" kern="1200" dirty="0"/>
+        </a:p>
+      </dsp:txBody>
+      <dsp:txXfrm rot="-5400000">
+        <a:off x="434157" y="1334354"/>
+        <a:ext cx="140361" cy="136462"/>
+      </dsp:txXfrm>
+    </dsp:sp>
+    <dsp:sp modelId="{7AF88F15-3B35-4D27-BAD3-CBC44147F2B1}">
+      <dsp:nvSpPr>
+        <dsp:cNvPr id="0" name=""/>
+        <dsp:cNvSpPr/>
+      </dsp:nvSpPr>
+      <dsp:spPr>
+        <a:xfrm>
+          <a:off x="0" y="1561792"/>
+          <a:ext cx="1008676" cy="519856"/>
+        </a:xfrm>
+        <a:prstGeom prst="roundRect">
+          <a:avLst>
+            <a:gd name="adj" fmla="val 10000"/>
+          </a:avLst>
+        </a:prstGeom>
+        <a:solidFill>
+          <a:srgbClr val="036A90"/>
+        </a:solidFill>
+        <a:ln w="19050" cap="flat" cmpd="sng" algn="ctr">
+          <a:solidFill>
+            <a:schemeClr val="lt1">
+              <a:hueOff val="0"/>
+              <a:satOff val="0"/>
+              <a:lumOff val="0"/>
+              <a:alphaOff val="0"/>
+            </a:schemeClr>
+          </a:solidFill>
+          <a:prstDash val="solid"/>
+        </a:ln>
+        <a:effectLst/>
+      </dsp:spPr>
+      <dsp:style>
+        <a:lnRef idx="2">
+          <a:scrgbClr r="0" g="0" b="0"/>
+        </a:lnRef>
+        <a:fillRef idx="1">
+          <a:scrgbClr r="0" g="0" b="0"/>
+        </a:fillRef>
+        <a:effectRef idx="0">
+          <a:scrgbClr r="0" g="0" b="0"/>
+        </a:effectRef>
+        <a:fontRef idx="minor">
+          <a:schemeClr val="lt1"/>
+        </a:fontRef>
+      </dsp:style>
+      <dsp:txBody>
+        <a:bodyPr spcFirstLastPara="0" vert="horz" wrap="square" lIns="53340" tIns="53340" rIns="53340" bIns="53340" numCol="1" spcCol="1270" anchor="ctr" anchorCtr="0">
+          <a:noAutofit/>
+        </a:bodyPr>
+        <a:lstStyle/>
+        <a:p>
+          <a:pPr lvl="0" algn="ctr" defTabSz="622300">
+            <a:lnSpc>
+              <a:spcPct val="90000"/>
+            </a:lnSpc>
+            <a:spcBef>
+              <a:spcPct val="0"/>
+            </a:spcBef>
+            <a:spcAft>
+              <a:spcPct val="35000"/>
+            </a:spcAft>
+          </a:pPr>
+          <a:r>
+            <a:rPr lang="de-DE" sz="1400" kern="1200" dirty="0" smtClean="0"/>
+            <a:t>Projektplanung</a:t>
+          </a:r>
+          <a:endParaRPr lang="de-DE" sz="1400" kern="1200" dirty="0"/>
+        </a:p>
+      </dsp:txBody>
+      <dsp:txXfrm>
+        <a:off x="15226" y="1577018"/>
+        <a:ext cx="978224" cy="489404"/>
+      </dsp:txXfrm>
+    </dsp:sp>
+    <dsp:sp modelId="{FB1739B4-DA90-41D8-B9A7-1B16ED90DCE5}">
+      <dsp:nvSpPr>
+        <dsp:cNvPr id="0" name=""/>
+        <dsp:cNvSpPr/>
+      </dsp:nvSpPr>
+      <dsp:spPr>
+        <a:xfrm rot="5400000">
+          <a:off x="406864" y="2094645"/>
+          <a:ext cx="194946" cy="233935"/>
+        </a:xfrm>
+        <a:prstGeom prst="rightArrow">
+          <a:avLst>
+            <a:gd name="adj1" fmla="val 60000"/>
+            <a:gd name="adj2" fmla="val 50000"/>
+          </a:avLst>
+        </a:prstGeom>
+        <a:solidFill>
+          <a:schemeClr val="accent1">
+            <a:tint val="60000"/>
+            <a:hueOff val="0"/>
+            <a:satOff val="0"/>
+            <a:lumOff val="0"/>
+            <a:alphaOff val="0"/>
+          </a:schemeClr>
+        </a:solidFill>
+        <a:ln>
+          <a:noFill/>
+        </a:ln>
+        <a:effectLst/>
+      </dsp:spPr>
+      <dsp:style>
+        <a:lnRef idx="0">
+          <a:scrgbClr r="0" g="0" b="0"/>
+        </a:lnRef>
+        <a:fillRef idx="1">
+          <a:scrgbClr r="0" g="0" b="0"/>
+        </a:fillRef>
+        <a:effectRef idx="0">
+          <a:scrgbClr r="0" g="0" b="0"/>
+        </a:effectRef>
+        <a:fontRef idx="minor">
+          <a:schemeClr val="lt1"/>
+        </a:fontRef>
+      </dsp:style>
+      <dsp:txBody>
+        <a:bodyPr spcFirstLastPara="0" vert="horz" wrap="square" lIns="0" tIns="0" rIns="0" bIns="0" numCol="1" spcCol="1270" anchor="ctr" anchorCtr="0">
+          <a:noAutofit/>
+        </a:bodyPr>
+        <a:lstStyle/>
+        <a:p>
+          <a:pPr lvl="0" algn="ctr" defTabSz="622300">
+            <a:lnSpc>
+              <a:spcPct val="90000"/>
+            </a:lnSpc>
+            <a:spcBef>
+              <a:spcPct val="0"/>
+            </a:spcBef>
+            <a:spcAft>
+              <a:spcPct val="35000"/>
+            </a:spcAft>
+          </a:pPr>
+          <a:endParaRPr lang="de-DE" sz="1400" kern="1200" dirty="0"/>
+        </a:p>
+      </dsp:txBody>
+      <dsp:txXfrm rot="-5400000">
+        <a:off x="434157" y="2114139"/>
+        <a:ext cx="140361" cy="136462"/>
+      </dsp:txXfrm>
+    </dsp:sp>
+    <dsp:sp modelId="{EFFBC16E-D827-45B5-A584-FCB65E01A582}">
+      <dsp:nvSpPr>
+        <dsp:cNvPr id="0" name=""/>
+        <dsp:cNvSpPr/>
+      </dsp:nvSpPr>
+      <dsp:spPr>
+        <a:xfrm>
+          <a:off x="0" y="2341576"/>
+          <a:ext cx="1008676" cy="519856"/>
+        </a:xfrm>
+        <a:prstGeom prst="roundRect">
+          <a:avLst>
+            <a:gd name="adj" fmla="val 10000"/>
+          </a:avLst>
+        </a:prstGeom>
+        <a:solidFill>
+          <a:srgbClr val="036A90">
+            <a:alpha val="54000"/>
+          </a:srgbClr>
+        </a:solidFill>
+        <a:ln w="19050" cap="flat" cmpd="sng" algn="ctr">
+          <a:solidFill>
+            <a:schemeClr val="lt1">
+              <a:hueOff val="0"/>
+              <a:satOff val="0"/>
+              <a:lumOff val="0"/>
+              <a:alphaOff val="0"/>
+            </a:schemeClr>
+          </a:solidFill>
+          <a:prstDash val="solid"/>
+        </a:ln>
+        <a:effectLst/>
+      </dsp:spPr>
+      <dsp:style>
+        <a:lnRef idx="2">
+          <a:scrgbClr r="0" g="0" b="0"/>
+        </a:lnRef>
+        <a:fillRef idx="1">
+          <a:scrgbClr r="0" g="0" b="0"/>
+        </a:fillRef>
+        <a:effectRef idx="0">
+          <a:scrgbClr r="0" g="0" b="0"/>
+        </a:effectRef>
+        <a:fontRef idx="minor">
+          <a:schemeClr val="lt1"/>
+        </a:fontRef>
+      </dsp:style>
+      <dsp:txBody>
+        <a:bodyPr spcFirstLastPara="0" vert="horz" wrap="square" lIns="53340" tIns="53340" rIns="53340" bIns="53340" numCol="1" spcCol="1270" anchor="ctr" anchorCtr="0">
+          <a:noAutofit/>
+        </a:bodyPr>
+        <a:lstStyle/>
+        <a:p>
+          <a:pPr lvl="0" algn="ctr" defTabSz="622300">
+            <a:lnSpc>
+              <a:spcPct val="90000"/>
+            </a:lnSpc>
+            <a:spcBef>
+              <a:spcPct val="0"/>
+            </a:spcBef>
+            <a:spcAft>
+              <a:spcPct val="35000"/>
+            </a:spcAft>
+          </a:pPr>
+          <a:r>
+            <a:rPr lang="de-DE" sz="1400" kern="1200" dirty="0" smtClean="0"/>
+            <a:t>Projekt-realisierung</a:t>
+          </a:r>
+          <a:endParaRPr lang="de-DE" sz="1400" kern="1200" dirty="0"/>
+        </a:p>
+      </dsp:txBody>
+      <dsp:txXfrm>
+        <a:off x="15226" y="2356802"/>
+        <a:ext cx="978224" cy="489404"/>
+      </dsp:txXfrm>
+    </dsp:sp>
+    <dsp:sp modelId="{EF4B894E-A424-49B4-A76E-8B19CCB456FD}">
+      <dsp:nvSpPr>
+        <dsp:cNvPr id="0" name=""/>
+        <dsp:cNvSpPr/>
+      </dsp:nvSpPr>
+      <dsp:spPr>
+        <a:xfrm rot="5400000">
+          <a:off x="406864" y="2874429"/>
+          <a:ext cx="194946" cy="233935"/>
+        </a:xfrm>
+        <a:prstGeom prst="rightArrow">
+          <a:avLst>
+            <a:gd name="adj1" fmla="val 60000"/>
+            <a:gd name="adj2" fmla="val 50000"/>
+          </a:avLst>
+        </a:prstGeom>
+        <a:solidFill>
+          <a:schemeClr val="accent1">
+            <a:tint val="60000"/>
+            <a:hueOff val="0"/>
+            <a:satOff val="0"/>
+            <a:lumOff val="0"/>
+            <a:alphaOff val="0"/>
+          </a:schemeClr>
+        </a:solidFill>
+        <a:ln>
+          <a:noFill/>
+        </a:ln>
+        <a:effectLst/>
+      </dsp:spPr>
+      <dsp:style>
+        <a:lnRef idx="0">
+          <a:scrgbClr r="0" g="0" b="0"/>
+        </a:lnRef>
+        <a:fillRef idx="1">
+          <a:scrgbClr r="0" g="0" b="0"/>
+        </a:fillRef>
+        <a:effectRef idx="0">
+          <a:scrgbClr r="0" g="0" b="0"/>
+        </a:effectRef>
+        <a:fontRef idx="minor">
+          <a:schemeClr val="lt1"/>
+        </a:fontRef>
+      </dsp:style>
+      <dsp:txBody>
+        <a:bodyPr spcFirstLastPara="0" vert="horz" wrap="square" lIns="0" tIns="0" rIns="0" bIns="0" numCol="1" spcCol="1270" anchor="ctr" anchorCtr="0">
+          <a:noAutofit/>
+        </a:bodyPr>
+        <a:lstStyle/>
+        <a:p>
+          <a:pPr lvl="0" algn="ctr" defTabSz="622300">
+            <a:lnSpc>
+              <a:spcPct val="90000"/>
+            </a:lnSpc>
+            <a:spcBef>
+              <a:spcPct val="0"/>
+            </a:spcBef>
+            <a:spcAft>
+              <a:spcPct val="35000"/>
+            </a:spcAft>
+          </a:pPr>
+          <a:endParaRPr lang="de-DE" sz="1400" kern="1200" dirty="0"/>
+        </a:p>
+      </dsp:txBody>
+      <dsp:txXfrm rot="-5400000">
+        <a:off x="434157" y="2893923"/>
+        <a:ext cx="140361" cy="136462"/>
+      </dsp:txXfrm>
+    </dsp:sp>
+    <dsp:sp modelId="{3DE87748-6AA3-488C-9F4A-A906874F2422}">
+      <dsp:nvSpPr>
+        <dsp:cNvPr id="0" name=""/>
+        <dsp:cNvSpPr/>
+      </dsp:nvSpPr>
+      <dsp:spPr>
+        <a:xfrm>
+          <a:off x="0" y="3121361"/>
+          <a:ext cx="1008676" cy="519856"/>
+        </a:xfrm>
+        <a:prstGeom prst="roundRect">
+          <a:avLst>
+            <a:gd name="adj" fmla="val 10000"/>
+          </a:avLst>
+        </a:prstGeom>
+        <a:solidFill>
+          <a:srgbClr val="036A90">
+            <a:alpha val="54000"/>
+          </a:srgbClr>
+        </a:solidFill>
+        <a:ln w="19050" cap="flat" cmpd="sng" algn="ctr">
+          <a:solidFill>
+            <a:schemeClr val="lt1">
+              <a:hueOff val="0"/>
+              <a:satOff val="0"/>
+              <a:lumOff val="0"/>
+              <a:alphaOff val="0"/>
+            </a:schemeClr>
+          </a:solidFill>
+          <a:prstDash val="solid"/>
+        </a:ln>
+        <a:effectLst/>
+      </dsp:spPr>
+      <dsp:style>
+        <a:lnRef idx="2">
+          <a:scrgbClr r="0" g="0" b="0"/>
+        </a:lnRef>
+        <a:fillRef idx="1">
+          <a:scrgbClr r="0" g="0" b="0"/>
+        </a:fillRef>
+        <a:effectRef idx="0">
+          <a:scrgbClr r="0" g="0" b="0"/>
+        </a:effectRef>
+        <a:fontRef idx="minor">
+          <a:schemeClr val="lt1"/>
+        </a:fontRef>
+      </dsp:style>
+      <dsp:txBody>
+        <a:bodyPr spcFirstLastPara="0" vert="horz" wrap="square" lIns="53340" tIns="53340" rIns="53340" bIns="53340" numCol="1" spcCol="1270" anchor="ctr" anchorCtr="0">
+          <a:noAutofit/>
+        </a:bodyPr>
+        <a:lstStyle/>
+        <a:p>
+          <a:pPr lvl="0" algn="ctr" defTabSz="622300">
+            <a:lnSpc>
+              <a:spcPct val="90000"/>
+            </a:lnSpc>
+            <a:spcBef>
+              <a:spcPct val="0"/>
+            </a:spcBef>
+            <a:spcAft>
+              <a:spcPct val="35000"/>
+            </a:spcAft>
+          </a:pPr>
+          <a:r>
+            <a:rPr lang="de-DE" sz="1400" kern="1200" dirty="0" smtClean="0"/>
+            <a:t>Projekt-abschluss</a:t>
+          </a:r>
+          <a:endParaRPr lang="de-DE" sz="1400" kern="1200" dirty="0"/>
+        </a:p>
+      </dsp:txBody>
+      <dsp:txXfrm>
+        <a:off x="15226" y="3136587"/>
+        <a:ext cx="978224" cy="489404"/>
+      </dsp:txXfrm>
+    </dsp:sp>
+  </dsp:spTree>
+</dsp:drawing>
+</file>
+
+<file path=ppt/diagrams/drawing11.xml><?xml version="1.0" encoding="utf-8"?>
+<dsp:drawing xmlns:dgm="http://schemas.openxmlformats.org/drawingml/2006/diagram" xmlns:dsp="http://schemas.microsoft.com/office/drawing/2008/diagram" xmlns:a="http://schemas.openxmlformats.org/drawingml/2006/main">
+  <dsp:spTree>
+    <dsp:nvGrpSpPr>
+      <dsp:cNvPr id="0" name=""/>
+      <dsp:cNvGrpSpPr/>
+    </dsp:nvGrpSpPr>
+    <dsp:grpSpPr/>
+    <dsp:sp modelId="{15EFE04D-73AA-41FF-A2DE-FDF35ACA5415}">
+      <dsp:nvSpPr>
+        <dsp:cNvPr id="0" name=""/>
+        <dsp:cNvSpPr/>
+      </dsp:nvSpPr>
+      <dsp:spPr>
+        <a:xfrm>
           <a:off x="7263" y="453"/>
           <a:ext cx="1203702" cy="530648"/>
         </a:xfrm>
@@ -17503,7 +20537,673 @@
 </dsp:drawing>
 </file>
 
-<file path=ppt/diagrams/drawing11.xml><?xml version="1.0" encoding="utf-8"?>
+<file path=ppt/diagrams/drawing12.xml><?xml version="1.0" encoding="utf-8"?>
+<dsp:drawing xmlns:dgm="http://schemas.openxmlformats.org/drawingml/2006/diagram" xmlns:dsp="http://schemas.microsoft.com/office/drawing/2008/diagram" xmlns:a="http://schemas.openxmlformats.org/drawingml/2006/main">
+  <dsp:spTree>
+    <dsp:nvGrpSpPr>
+      <dsp:cNvPr id="0" name=""/>
+      <dsp:cNvGrpSpPr/>
+    </dsp:nvGrpSpPr>
+    <dsp:grpSpPr/>
+    <dsp:sp modelId="{15EFE04D-73AA-41FF-A2DE-FDF35ACA5415}">
+      <dsp:nvSpPr>
+        <dsp:cNvPr id="0" name=""/>
+        <dsp:cNvSpPr/>
+      </dsp:nvSpPr>
+      <dsp:spPr>
+        <a:xfrm>
+          <a:off x="7263" y="453"/>
+          <a:ext cx="1203702" cy="530648"/>
+        </a:xfrm>
+        <a:prstGeom prst="roundRect">
+          <a:avLst>
+            <a:gd name="adj" fmla="val 10000"/>
+          </a:avLst>
+        </a:prstGeom>
+        <a:solidFill>
+          <a:srgbClr val="036A90">
+            <a:alpha val="54000"/>
+          </a:srgbClr>
+        </a:solidFill>
+        <a:ln w="19050" cap="flat" cmpd="sng" algn="ctr">
+          <a:solidFill>
+            <a:schemeClr val="lt1">
+              <a:hueOff val="0"/>
+              <a:satOff val="0"/>
+              <a:lumOff val="0"/>
+              <a:alphaOff val="0"/>
+            </a:schemeClr>
+          </a:solidFill>
+          <a:prstDash val="solid"/>
+        </a:ln>
+        <a:effectLst/>
+      </dsp:spPr>
+      <dsp:style>
+        <a:lnRef idx="2">
+          <a:scrgbClr r="0" g="0" b="0"/>
+        </a:lnRef>
+        <a:fillRef idx="1">
+          <a:scrgbClr r="0" g="0" b="0"/>
+        </a:fillRef>
+        <a:effectRef idx="0">
+          <a:scrgbClr r="0" g="0" b="0"/>
+        </a:effectRef>
+        <a:fontRef idx="minor">
+          <a:schemeClr val="lt1"/>
+        </a:fontRef>
+      </dsp:style>
+      <dsp:txBody>
+        <a:bodyPr spcFirstLastPara="0" vert="horz" wrap="square" lIns="53340" tIns="53340" rIns="53340" bIns="53340" numCol="1" spcCol="1270" anchor="ctr" anchorCtr="0">
+          <a:noAutofit/>
+        </a:bodyPr>
+        <a:lstStyle/>
+        <a:p>
+          <a:pPr lvl="0" algn="ctr" defTabSz="622300">
+            <a:lnSpc>
+              <a:spcPct val="90000"/>
+            </a:lnSpc>
+            <a:spcBef>
+              <a:spcPct val="0"/>
+            </a:spcBef>
+            <a:spcAft>
+              <a:spcPct val="35000"/>
+            </a:spcAft>
+          </a:pPr>
+          <a:r>
+            <a:rPr lang="de-DE" sz="1400" kern="1200" dirty="0" smtClean="0"/>
+            <a:t>Einführung</a:t>
+          </a:r>
+          <a:endParaRPr lang="de-DE" sz="1400" kern="1200" dirty="0"/>
+        </a:p>
+      </dsp:txBody>
+      <dsp:txXfrm>
+        <a:off x="22805" y="15995"/>
+        <a:ext cx="1172618" cy="499564"/>
+      </dsp:txXfrm>
+    </dsp:sp>
+    <dsp:sp modelId="{61D0C34D-7EA4-46C7-80D3-027C68C542A6}">
+      <dsp:nvSpPr>
+        <dsp:cNvPr id="0" name=""/>
+        <dsp:cNvSpPr/>
+      </dsp:nvSpPr>
+      <dsp:spPr>
+        <a:xfrm rot="5400000">
+          <a:off x="509617" y="544368"/>
+          <a:ext cx="198993" cy="238791"/>
+        </a:xfrm>
+        <a:prstGeom prst="rightArrow">
+          <a:avLst>
+            <a:gd name="adj1" fmla="val 60000"/>
+            <a:gd name="adj2" fmla="val 50000"/>
+          </a:avLst>
+        </a:prstGeom>
+        <a:solidFill>
+          <a:schemeClr val="accent1">
+            <a:tint val="60000"/>
+            <a:hueOff val="0"/>
+            <a:satOff val="0"/>
+            <a:lumOff val="0"/>
+            <a:alphaOff val="0"/>
+          </a:schemeClr>
+        </a:solidFill>
+        <a:ln>
+          <a:noFill/>
+        </a:ln>
+        <a:effectLst/>
+      </dsp:spPr>
+      <dsp:style>
+        <a:lnRef idx="0">
+          <a:scrgbClr r="0" g="0" b="0"/>
+        </a:lnRef>
+        <a:fillRef idx="1">
+          <a:scrgbClr r="0" g="0" b="0"/>
+        </a:fillRef>
+        <a:effectRef idx="0">
+          <a:scrgbClr r="0" g="0" b="0"/>
+        </a:effectRef>
+        <a:fontRef idx="minor">
+          <a:schemeClr val="lt1"/>
+        </a:fontRef>
+      </dsp:style>
+      <dsp:txBody>
+        <a:bodyPr spcFirstLastPara="0" vert="horz" wrap="square" lIns="0" tIns="0" rIns="0" bIns="0" numCol="1" spcCol="1270" anchor="ctr" anchorCtr="0">
+          <a:noAutofit/>
+        </a:bodyPr>
+        <a:lstStyle/>
+        <a:p>
+          <a:pPr lvl="0" algn="ctr" defTabSz="622300">
+            <a:lnSpc>
+              <a:spcPct val="90000"/>
+            </a:lnSpc>
+            <a:spcBef>
+              <a:spcPct val="0"/>
+            </a:spcBef>
+            <a:spcAft>
+              <a:spcPct val="35000"/>
+            </a:spcAft>
+          </a:pPr>
+          <a:endParaRPr lang="de-DE" sz="1400" kern="1200" dirty="0"/>
+        </a:p>
+      </dsp:txBody>
+      <dsp:txXfrm rot="-5400000">
+        <a:off x="537476" y="564267"/>
+        <a:ext cx="143275" cy="139295"/>
+      </dsp:txXfrm>
+    </dsp:sp>
+    <dsp:sp modelId="{D31CC3E8-2341-4337-9741-B7D26D35669A}">
+      <dsp:nvSpPr>
+        <dsp:cNvPr id="0" name=""/>
+        <dsp:cNvSpPr/>
+      </dsp:nvSpPr>
+      <dsp:spPr>
+        <a:xfrm>
+          <a:off x="7263" y="796426"/>
+          <a:ext cx="1203702" cy="530648"/>
+        </a:xfrm>
+        <a:prstGeom prst="roundRect">
+          <a:avLst>
+            <a:gd name="adj" fmla="val 10000"/>
+          </a:avLst>
+        </a:prstGeom>
+        <a:solidFill>
+          <a:srgbClr val="036A90">
+            <a:alpha val="54000"/>
+          </a:srgbClr>
+        </a:solidFill>
+        <a:ln w="19050" cap="flat" cmpd="sng" algn="ctr">
+          <a:solidFill>
+            <a:schemeClr val="lt1">
+              <a:hueOff val="0"/>
+              <a:satOff val="0"/>
+              <a:lumOff val="0"/>
+              <a:alphaOff val="0"/>
+            </a:schemeClr>
+          </a:solidFill>
+          <a:prstDash val="solid"/>
+        </a:ln>
+        <a:effectLst/>
+      </dsp:spPr>
+      <dsp:style>
+        <a:lnRef idx="2">
+          <a:scrgbClr r="0" g="0" b="0"/>
+        </a:lnRef>
+        <a:fillRef idx="1">
+          <a:scrgbClr r="0" g="0" b="0"/>
+        </a:fillRef>
+        <a:effectRef idx="0">
+          <a:scrgbClr r="0" g="0" b="0"/>
+        </a:effectRef>
+        <a:fontRef idx="minor">
+          <a:schemeClr val="lt1"/>
+        </a:fontRef>
+      </dsp:style>
+      <dsp:txBody>
+        <a:bodyPr spcFirstLastPara="0" vert="horz" wrap="square" lIns="53340" tIns="53340" rIns="53340" bIns="53340" numCol="1" spcCol="1270" anchor="ctr" anchorCtr="0">
+          <a:noAutofit/>
+        </a:bodyPr>
+        <a:lstStyle/>
+        <a:p>
+          <a:pPr lvl="0" algn="ctr" defTabSz="622300">
+            <a:lnSpc>
+              <a:spcPct val="90000"/>
+            </a:lnSpc>
+            <a:spcBef>
+              <a:spcPct val="0"/>
+            </a:spcBef>
+            <a:spcAft>
+              <a:spcPct val="35000"/>
+            </a:spcAft>
+          </a:pPr>
+          <a:r>
+            <a:rPr lang="de-DE" sz="1400" kern="1200" dirty="0" smtClean="0"/>
+            <a:t>Projektauftrag</a:t>
+          </a:r>
+          <a:endParaRPr lang="de-DE" sz="1400" kern="1200" dirty="0"/>
+        </a:p>
+      </dsp:txBody>
+      <dsp:txXfrm>
+        <a:off x="22805" y="811968"/>
+        <a:ext cx="1172618" cy="499564"/>
+      </dsp:txXfrm>
+    </dsp:sp>
+    <dsp:sp modelId="{1070C37C-C3F8-459A-87BE-B3BA51397199}">
+      <dsp:nvSpPr>
+        <dsp:cNvPr id="0" name=""/>
+        <dsp:cNvSpPr/>
+      </dsp:nvSpPr>
+      <dsp:spPr>
+        <a:xfrm rot="5400000">
+          <a:off x="509617" y="1340341"/>
+          <a:ext cx="198993" cy="238791"/>
+        </a:xfrm>
+        <a:prstGeom prst="rightArrow">
+          <a:avLst>
+            <a:gd name="adj1" fmla="val 60000"/>
+            <a:gd name="adj2" fmla="val 50000"/>
+          </a:avLst>
+        </a:prstGeom>
+        <a:solidFill>
+          <a:schemeClr val="accent1">
+            <a:tint val="60000"/>
+            <a:hueOff val="0"/>
+            <a:satOff val="0"/>
+            <a:lumOff val="0"/>
+            <a:alphaOff val="0"/>
+          </a:schemeClr>
+        </a:solidFill>
+        <a:ln>
+          <a:noFill/>
+        </a:ln>
+        <a:effectLst/>
+      </dsp:spPr>
+      <dsp:style>
+        <a:lnRef idx="0">
+          <a:scrgbClr r="0" g="0" b="0"/>
+        </a:lnRef>
+        <a:fillRef idx="1">
+          <a:scrgbClr r="0" g="0" b="0"/>
+        </a:fillRef>
+        <a:effectRef idx="0">
+          <a:scrgbClr r="0" g="0" b="0"/>
+        </a:effectRef>
+        <a:fontRef idx="minor">
+          <a:schemeClr val="lt1"/>
+        </a:fontRef>
+      </dsp:style>
+      <dsp:txBody>
+        <a:bodyPr spcFirstLastPara="0" vert="horz" wrap="square" lIns="0" tIns="0" rIns="0" bIns="0" numCol="1" spcCol="1270" anchor="ctr" anchorCtr="0">
+          <a:noAutofit/>
+        </a:bodyPr>
+        <a:lstStyle/>
+        <a:p>
+          <a:pPr lvl="0" algn="ctr" defTabSz="622300">
+            <a:lnSpc>
+              <a:spcPct val="90000"/>
+            </a:lnSpc>
+            <a:spcBef>
+              <a:spcPct val="0"/>
+            </a:spcBef>
+            <a:spcAft>
+              <a:spcPct val="35000"/>
+            </a:spcAft>
+          </a:pPr>
+          <a:endParaRPr lang="de-DE" sz="1400" kern="1200" dirty="0"/>
+        </a:p>
+      </dsp:txBody>
+      <dsp:txXfrm rot="-5400000">
+        <a:off x="537476" y="1360240"/>
+        <a:ext cx="143275" cy="139295"/>
+      </dsp:txXfrm>
+    </dsp:sp>
+    <dsp:sp modelId="{EFFBC16E-D827-45B5-A584-FCB65E01A582}">
+      <dsp:nvSpPr>
+        <dsp:cNvPr id="0" name=""/>
+        <dsp:cNvSpPr/>
+      </dsp:nvSpPr>
+      <dsp:spPr>
+        <a:xfrm>
+          <a:off x="7263" y="1592400"/>
+          <a:ext cx="1203702" cy="530648"/>
+        </a:xfrm>
+        <a:prstGeom prst="roundRect">
+          <a:avLst>
+            <a:gd name="adj" fmla="val 10000"/>
+          </a:avLst>
+        </a:prstGeom>
+        <a:solidFill>
+          <a:srgbClr val="036A90">
+            <a:alpha val="54000"/>
+          </a:srgbClr>
+        </a:solidFill>
+        <a:ln w="19050" cap="flat" cmpd="sng" algn="ctr">
+          <a:solidFill>
+            <a:schemeClr val="lt1">
+              <a:hueOff val="0"/>
+              <a:satOff val="0"/>
+              <a:lumOff val="0"/>
+              <a:alphaOff val="0"/>
+            </a:schemeClr>
+          </a:solidFill>
+          <a:prstDash val="solid"/>
+        </a:ln>
+        <a:effectLst/>
+      </dsp:spPr>
+      <dsp:style>
+        <a:lnRef idx="2">
+          <a:scrgbClr r="0" g="0" b="0"/>
+        </a:lnRef>
+        <a:fillRef idx="1">
+          <a:scrgbClr r="0" g="0" b="0"/>
+        </a:fillRef>
+        <a:effectRef idx="0">
+          <a:scrgbClr r="0" g="0" b="0"/>
+        </a:effectRef>
+        <a:fontRef idx="minor">
+          <a:schemeClr val="lt1"/>
+        </a:fontRef>
+      </dsp:style>
+      <dsp:txBody>
+        <a:bodyPr spcFirstLastPara="0" vert="horz" wrap="square" lIns="53340" tIns="53340" rIns="53340" bIns="53340" numCol="1" spcCol="1270" anchor="ctr" anchorCtr="0">
+          <a:noAutofit/>
+        </a:bodyPr>
+        <a:lstStyle/>
+        <a:p>
+          <a:pPr lvl="0" algn="ctr" defTabSz="622300">
+            <a:lnSpc>
+              <a:spcPct val="90000"/>
+            </a:lnSpc>
+            <a:spcBef>
+              <a:spcPct val="0"/>
+            </a:spcBef>
+            <a:spcAft>
+              <a:spcPct val="35000"/>
+            </a:spcAft>
+          </a:pPr>
+          <a:r>
+            <a:rPr lang="de-DE" sz="1400" kern="1200" dirty="0" smtClean="0"/>
+            <a:t>Projektplanung</a:t>
+          </a:r>
+          <a:endParaRPr lang="de-DE" sz="1400" kern="1200" dirty="0"/>
+        </a:p>
+      </dsp:txBody>
+      <dsp:txXfrm>
+        <a:off x="22805" y="1607942"/>
+        <a:ext cx="1172618" cy="499564"/>
+      </dsp:txXfrm>
+    </dsp:sp>
+    <dsp:sp modelId="{EF4B894E-A424-49B4-A76E-8B19CCB456FD}">
+      <dsp:nvSpPr>
+        <dsp:cNvPr id="0" name=""/>
+        <dsp:cNvSpPr/>
+      </dsp:nvSpPr>
+      <dsp:spPr>
+        <a:xfrm rot="5429351">
+          <a:off x="510809" y="2130260"/>
+          <a:ext cx="189918" cy="238791"/>
+        </a:xfrm>
+        <a:prstGeom prst="rightArrow">
+          <a:avLst>
+            <a:gd name="adj1" fmla="val 60000"/>
+            <a:gd name="adj2" fmla="val 50000"/>
+          </a:avLst>
+        </a:prstGeom>
+        <a:solidFill>
+          <a:schemeClr val="accent1">
+            <a:tint val="60000"/>
+            <a:hueOff val="0"/>
+            <a:satOff val="0"/>
+            <a:lumOff val="0"/>
+            <a:alphaOff val="0"/>
+          </a:schemeClr>
+        </a:solidFill>
+        <a:ln>
+          <a:noFill/>
+        </a:ln>
+        <a:effectLst/>
+      </dsp:spPr>
+      <dsp:style>
+        <a:lnRef idx="0">
+          <a:scrgbClr r="0" g="0" b="0"/>
+        </a:lnRef>
+        <a:fillRef idx="1">
+          <a:scrgbClr r="0" g="0" b="0"/>
+        </a:fillRef>
+        <a:effectRef idx="0">
+          <a:scrgbClr r="0" g="0" b="0"/>
+        </a:effectRef>
+        <a:fontRef idx="minor">
+          <a:schemeClr val="lt1"/>
+        </a:fontRef>
+      </dsp:style>
+      <dsp:txBody>
+        <a:bodyPr spcFirstLastPara="0" vert="horz" wrap="square" lIns="0" tIns="0" rIns="0" bIns="0" numCol="1" spcCol="1270" anchor="ctr" anchorCtr="0">
+          <a:noAutofit/>
+        </a:bodyPr>
+        <a:lstStyle/>
+        <a:p>
+          <a:pPr lvl="0" algn="ctr" defTabSz="622300">
+            <a:lnSpc>
+              <a:spcPct val="90000"/>
+            </a:lnSpc>
+            <a:spcBef>
+              <a:spcPct val="0"/>
+            </a:spcBef>
+            <a:spcAft>
+              <a:spcPct val="35000"/>
+            </a:spcAft>
+          </a:pPr>
+          <a:endParaRPr lang="de-DE" sz="1400" kern="1200" dirty="0"/>
+        </a:p>
+      </dsp:txBody>
+      <dsp:txXfrm rot="-5400000">
+        <a:off x="534374" y="2154698"/>
+        <a:ext cx="143275" cy="132943"/>
+      </dsp:txXfrm>
+    </dsp:sp>
+    <dsp:sp modelId="{7AF88F15-3B35-4D27-BAD3-CBC44147F2B1}">
+      <dsp:nvSpPr>
+        <dsp:cNvPr id="0" name=""/>
+        <dsp:cNvSpPr/>
+      </dsp:nvSpPr>
+      <dsp:spPr>
+        <a:xfrm>
+          <a:off x="570" y="2376263"/>
+          <a:ext cx="1203702" cy="530648"/>
+        </a:xfrm>
+        <a:prstGeom prst="roundRect">
+          <a:avLst>
+            <a:gd name="adj" fmla="val 10000"/>
+          </a:avLst>
+        </a:prstGeom>
+        <a:solidFill>
+          <a:srgbClr val="036A90"/>
+        </a:solidFill>
+        <a:ln w="19050" cap="flat" cmpd="sng" algn="ctr">
+          <a:solidFill>
+            <a:schemeClr val="lt1">
+              <a:hueOff val="0"/>
+              <a:satOff val="0"/>
+              <a:lumOff val="0"/>
+              <a:alphaOff val="0"/>
+            </a:schemeClr>
+          </a:solidFill>
+          <a:prstDash val="solid"/>
+        </a:ln>
+        <a:effectLst/>
+      </dsp:spPr>
+      <dsp:style>
+        <a:lnRef idx="2">
+          <a:scrgbClr r="0" g="0" b="0"/>
+        </a:lnRef>
+        <a:fillRef idx="1">
+          <a:scrgbClr r="0" g="0" b="0"/>
+        </a:fillRef>
+        <a:effectRef idx="0">
+          <a:scrgbClr r="0" g="0" b="0"/>
+        </a:effectRef>
+        <a:fontRef idx="minor">
+          <a:schemeClr val="lt1"/>
+        </a:fontRef>
+      </dsp:style>
+      <dsp:txBody>
+        <a:bodyPr spcFirstLastPara="0" vert="horz" wrap="square" lIns="53340" tIns="53340" rIns="53340" bIns="53340" numCol="1" spcCol="1270" anchor="ctr" anchorCtr="0">
+          <a:noAutofit/>
+        </a:bodyPr>
+        <a:lstStyle/>
+        <a:p>
+          <a:pPr lvl="0" algn="ctr" defTabSz="622300">
+            <a:lnSpc>
+              <a:spcPct val="90000"/>
+            </a:lnSpc>
+            <a:spcBef>
+              <a:spcPct val="0"/>
+            </a:spcBef>
+            <a:spcAft>
+              <a:spcPct val="35000"/>
+            </a:spcAft>
+          </a:pPr>
+          <a:r>
+            <a:rPr lang="de-DE" sz="1400" kern="1200" dirty="0" smtClean="0"/>
+            <a:t>Projekt-realisierung</a:t>
+          </a:r>
+          <a:endParaRPr lang="de-DE" sz="1400" kern="1200" dirty="0"/>
+        </a:p>
+      </dsp:txBody>
+      <dsp:txXfrm>
+        <a:off x="16112" y="2391805"/>
+        <a:ext cx="1172618" cy="499564"/>
+      </dsp:txXfrm>
+    </dsp:sp>
+    <dsp:sp modelId="{FB1739B4-DA90-41D8-B9A7-1B16ED90DCE5}">
+      <dsp:nvSpPr>
+        <dsp:cNvPr id="0" name=""/>
+        <dsp:cNvSpPr/>
+      </dsp:nvSpPr>
+      <dsp:spPr>
+        <a:xfrm rot="5371529">
+          <a:off x="501726" y="2926233"/>
+          <a:ext cx="208082" cy="238791"/>
+        </a:xfrm>
+        <a:prstGeom prst="rightArrow">
+          <a:avLst>
+            <a:gd name="adj1" fmla="val 60000"/>
+            <a:gd name="adj2" fmla="val 50000"/>
+          </a:avLst>
+        </a:prstGeom>
+        <a:solidFill>
+          <a:schemeClr val="accent1">
+            <a:tint val="60000"/>
+            <a:hueOff val="0"/>
+            <a:satOff val="0"/>
+            <a:lumOff val="0"/>
+            <a:alphaOff val="0"/>
+          </a:schemeClr>
+        </a:solidFill>
+        <a:ln>
+          <a:noFill/>
+        </a:ln>
+        <a:effectLst/>
+      </dsp:spPr>
+      <dsp:style>
+        <a:lnRef idx="0">
+          <a:scrgbClr r="0" g="0" b="0"/>
+        </a:lnRef>
+        <a:fillRef idx="1">
+          <a:scrgbClr r="0" g="0" b="0"/>
+        </a:fillRef>
+        <a:effectRef idx="0">
+          <a:scrgbClr r="0" g="0" b="0"/>
+        </a:effectRef>
+        <a:fontRef idx="minor">
+          <a:schemeClr val="lt1"/>
+        </a:fontRef>
+      </dsp:style>
+      <dsp:txBody>
+        <a:bodyPr spcFirstLastPara="0" vert="horz" wrap="square" lIns="0" tIns="0" rIns="0" bIns="0" numCol="1" spcCol="1270" anchor="ctr" anchorCtr="0">
+          <a:noAutofit/>
+        </a:bodyPr>
+        <a:lstStyle/>
+        <a:p>
+          <a:pPr lvl="0" algn="ctr" defTabSz="622300">
+            <a:lnSpc>
+              <a:spcPct val="90000"/>
+            </a:lnSpc>
+            <a:spcBef>
+              <a:spcPct val="0"/>
+            </a:spcBef>
+            <a:spcAft>
+              <a:spcPct val="35000"/>
+            </a:spcAft>
+          </a:pPr>
+          <a:endParaRPr lang="de-DE" sz="1400" kern="1200" dirty="0"/>
+        </a:p>
+      </dsp:txBody>
+      <dsp:txXfrm rot="-5400000">
+        <a:off x="533871" y="2941589"/>
+        <a:ext cx="143275" cy="145657"/>
+      </dsp:txXfrm>
+    </dsp:sp>
+    <dsp:sp modelId="{3DE87748-6AA3-488C-9F4A-A906874F2422}">
+      <dsp:nvSpPr>
+        <dsp:cNvPr id="0" name=""/>
+        <dsp:cNvSpPr/>
+      </dsp:nvSpPr>
+      <dsp:spPr>
+        <a:xfrm>
+          <a:off x="7263" y="3184346"/>
+          <a:ext cx="1203702" cy="530648"/>
+        </a:xfrm>
+        <a:prstGeom prst="roundRect">
+          <a:avLst>
+            <a:gd name="adj" fmla="val 10000"/>
+          </a:avLst>
+        </a:prstGeom>
+        <a:solidFill>
+          <a:srgbClr val="036A90">
+            <a:alpha val="54000"/>
+          </a:srgbClr>
+        </a:solidFill>
+        <a:ln w="19050" cap="flat" cmpd="sng" algn="ctr">
+          <a:solidFill>
+            <a:schemeClr val="lt1">
+              <a:hueOff val="0"/>
+              <a:satOff val="0"/>
+              <a:lumOff val="0"/>
+              <a:alphaOff val="0"/>
+            </a:schemeClr>
+          </a:solidFill>
+          <a:prstDash val="solid"/>
+        </a:ln>
+        <a:effectLst/>
+      </dsp:spPr>
+      <dsp:style>
+        <a:lnRef idx="2">
+          <a:scrgbClr r="0" g="0" b="0"/>
+        </a:lnRef>
+        <a:fillRef idx="1">
+          <a:scrgbClr r="0" g="0" b="0"/>
+        </a:fillRef>
+        <a:effectRef idx="0">
+          <a:scrgbClr r="0" g="0" b="0"/>
+        </a:effectRef>
+        <a:fontRef idx="minor">
+          <a:schemeClr val="lt1"/>
+        </a:fontRef>
+      </dsp:style>
+      <dsp:txBody>
+        <a:bodyPr spcFirstLastPara="0" vert="horz" wrap="square" lIns="53340" tIns="53340" rIns="53340" bIns="53340" numCol="1" spcCol="1270" anchor="ctr" anchorCtr="0">
+          <a:noAutofit/>
+        </a:bodyPr>
+        <a:lstStyle/>
+        <a:p>
+          <a:pPr lvl="0" algn="ctr" defTabSz="622300">
+            <a:lnSpc>
+              <a:spcPct val="90000"/>
+            </a:lnSpc>
+            <a:spcBef>
+              <a:spcPct val="0"/>
+            </a:spcBef>
+            <a:spcAft>
+              <a:spcPct val="35000"/>
+            </a:spcAft>
+          </a:pPr>
+          <a:r>
+            <a:rPr lang="de-DE" sz="1400" kern="1200" dirty="0" smtClean="0"/>
+            <a:t>Projekt-abschluss</a:t>
+          </a:r>
+          <a:endParaRPr lang="de-DE" sz="1400" kern="1200" dirty="0"/>
+        </a:p>
+      </dsp:txBody>
+      <dsp:txXfrm>
+        <a:off x="22805" y="3199888"/>
+        <a:ext cx="1172618" cy="499564"/>
+      </dsp:txXfrm>
+    </dsp:sp>
+  </dsp:spTree>
+</dsp:drawing>
+</file>
+
+<file path=ppt/diagrams/drawing13.xml><?xml version="1.0" encoding="utf-8"?>
 <dsp:drawing xmlns:dgm="http://schemas.openxmlformats.org/drawingml/2006/diagram" xmlns:dsp="http://schemas.microsoft.com/office/drawing/2008/diagram" xmlns:a="http://schemas.openxmlformats.org/drawingml/2006/main">
   <dsp:spTree>
     <dsp:nvGrpSpPr>
@@ -18169,7 +21869,7 @@
 </dsp:drawing>
 </file>
 
-<file path=ppt/diagrams/drawing12.xml><?xml version="1.0" encoding="utf-8"?>
+<file path=ppt/diagrams/drawing14.xml><?xml version="1.0" encoding="utf-8"?>
 <dsp:drawing xmlns:dgm="http://schemas.openxmlformats.org/drawingml/2006/diagram" xmlns:dsp="http://schemas.microsoft.com/office/drawing/2008/diagram" xmlns:a="http://schemas.openxmlformats.org/drawingml/2006/main">
   <dsp:spTree>
     <dsp:nvGrpSpPr>
@@ -18835,7 +22535,7 @@
 </dsp:drawing>
 </file>
 
-<file path=ppt/diagrams/drawing13.xml><?xml version="1.0" encoding="utf-8"?>
+<file path=ppt/diagrams/drawing15.xml><?xml version="1.0" encoding="utf-8"?>
 <dsp:drawing xmlns:dgm="http://schemas.openxmlformats.org/drawingml/2006/diagram" xmlns:dsp="http://schemas.microsoft.com/office/drawing/2008/diagram" xmlns:a="http://schemas.openxmlformats.org/drawingml/2006/main">
   <dsp:spTree>
     <dsp:nvGrpSpPr>
@@ -24178,8 +27878,8 @@
       </dsp:nvSpPr>
       <dsp:spPr>
         <a:xfrm>
-          <a:off x="7263" y="453"/>
-          <a:ext cx="1203702" cy="530648"/>
+          <a:off x="0" y="2223"/>
+          <a:ext cx="1008676" cy="519856"/>
         </a:xfrm>
         <a:prstGeom prst="roundRect">
           <a:avLst>
@@ -24243,8 +27943,8 @@
         </a:p>
       </dsp:txBody>
       <dsp:txXfrm>
-        <a:off x="22805" y="15995"/>
-        <a:ext cx="1172618" cy="499564"/>
+        <a:off x="15226" y="17449"/>
+        <a:ext cx="978224" cy="489404"/>
       </dsp:txXfrm>
     </dsp:sp>
     <dsp:sp modelId="{61D0C34D-7EA4-46C7-80D3-027C68C542A6}">
@@ -24254,8 +27954,8 @@
       </dsp:nvSpPr>
       <dsp:spPr>
         <a:xfrm rot="5400000">
-          <a:off x="509617" y="544368"/>
-          <a:ext cx="198993" cy="238791"/>
+          <a:off x="406864" y="535076"/>
+          <a:ext cx="194946" cy="233935"/>
         </a:xfrm>
         <a:prstGeom prst="rightArrow">
           <a:avLst>
@@ -24312,8 +28012,8 @@
         </a:p>
       </dsp:txBody>
       <dsp:txXfrm rot="-5400000">
-        <a:off x="537476" y="564267"/>
-        <a:ext cx="143275" cy="139295"/>
+        <a:off x="434157" y="554570"/>
+        <a:ext cx="140361" cy="136462"/>
       </dsp:txXfrm>
     </dsp:sp>
     <dsp:sp modelId="{D31CC3E8-2341-4337-9741-B7D26D35669A}">
@@ -24323,8 +28023,8 @@
       </dsp:nvSpPr>
       <dsp:spPr>
         <a:xfrm>
-          <a:off x="7263" y="796426"/>
-          <a:ext cx="1203702" cy="530648"/>
+          <a:off x="0" y="782007"/>
+          <a:ext cx="1008676" cy="519856"/>
         </a:xfrm>
         <a:prstGeom prst="roundRect">
           <a:avLst>
@@ -24388,8 +28088,8 @@
         </a:p>
       </dsp:txBody>
       <dsp:txXfrm>
-        <a:off x="22805" y="811968"/>
-        <a:ext cx="1172618" cy="499564"/>
+        <a:off x="15226" y="797233"/>
+        <a:ext cx="978224" cy="489404"/>
       </dsp:txXfrm>
     </dsp:sp>
     <dsp:sp modelId="{1070C37C-C3F8-459A-87BE-B3BA51397199}">
@@ -24399,8 +28099,8 @@
       </dsp:nvSpPr>
       <dsp:spPr>
         <a:xfrm rot="5400000">
-          <a:off x="509617" y="1340341"/>
-          <a:ext cx="198993" cy="238791"/>
+          <a:off x="406864" y="1314860"/>
+          <a:ext cx="194946" cy="233935"/>
         </a:xfrm>
         <a:prstGeom prst="rightArrow">
           <a:avLst>
@@ -24457,8 +28157,151 @@
         </a:p>
       </dsp:txBody>
       <dsp:txXfrm rot="-5400000">
-        <a:off x="537476" y="1360240"/>
-        <a:ext cx="143275" cy="139295"/>
+        <a:off x="434157" y="1334354"/>
+        <a:ext cx="140361" cy="136462"/>
+      </dsp:txXfrm>
+    </dsp:sp>
+    <dsp:sp modelId="{7AF88F15-3B35-4D27-BAD3-CBC44147F2B1}">
+      <dsp:nvSpPr>
+        <dsp:cNvPr id="0" name=""/>
+        <dsp:cNvSpPr/>
+      </dsp:nvSpPr>
+      <dsp:spPr>
+        <a:xfrm>
+          <a:off x="0" y="1561792"/>
+          <a:ext cx="1008676" cy="519856"/>
+        </a:xfrm>
+        <a:prstGeom prst="roundRect">
+          <a:avLst>
+            <a:gd name="adj" fmla="val 10000"/>
+          </a:avLst>
+        </a:prstGeom>
+        <a:solidFill>
+          <a:srgbClr val="036A90"/>
+        </a:solidFill>
+        <a:ln w="19050" cap="flat" cmpd="sng" algn="ctr">
+          <a:solidFill>
+            <a:schemeClr val="lt1">
+              <a:hueOff val="0"/>
+              <a:satOff val="0"/>
+              <a:lumOff val="0"/>
+              <a:alphaOff val="0"/>
+            </a:schemeClr>
+          </a:solidFill>
+          <a:prstDash val="solid"/>
+        </a:ln>
+        <a:effectLst/>
+      </dsp:spPr>
+      <dsp:style>
+        <a:lnRef idx="2">
+          <a:scrgbClr r="0" g="0" b="0"/>
+        </a:lnRef>
+        <a:fillRef idx="1">
+          <a:scrgbClr r="0" g="0" b="0"/>
+        </a:fillRef>
+        <a:effectRef idx="0">
+          <a:scrgbClr r="0" g="0" b="0"/>
+        </a:effectRef>
+        <a:fontRef idx="minor">
+          <a:schemeClr val="lt1"/>
+        </a:fontRef>
+      </dsp:style>
+      <dsp:txBody>
+        <a:bodyPr spcFirstLastPara="0" vert="horz" wrap="square" lIns="53340" tIns="53340" rIns="53340" bIns="53340" numCol="1" spcCol="1270" anchor="ctr" anchorCtr="0">
+          <a:noAutofit/>
+        </a:bodyPr>
+        <a:lstStyle/>
+        <a:p>
+          <a:pPr lvl="0" algn="ctr" defTabSz="622300">
+            <a:lnSpc>
+              <a:spcPct val="90000"/>
+            </a:lnSpc>
+            <a:spcBef>
+              <a:spcPct val="0"/>
+            </a:spcBef>
+            <a:spcAft>
+              <a:spcPct val="35000"/>
+            </a:spcAft>
+          </a:pPr>
+          <a:r>
+            <a:rPr lang="de-DE" sz="1400" kern="1200" dirty="0" smtClean="0"/>
+            <a:t>Projektplanung</a:t>
+          </a:r>
+          <a:endParaRPr lang="de-DE" sz="1400" kern="1200" dirty="0"/>
+        </a:p>
+      </dsp:txBody>
+      <dsp:txXfrm>
+        <a:off x="15226" y="1577018"/>
+        <a:ext cx="978224" cy="489404"/>
+      </dsp:txXfrm>
+    </dsp:sp>
+    <dsp:sp modelId="{FB1739B4-DA90-41D8-B9A7-1B16ED90DCE5}">
+      <dsp:nvSpPr>
+        <dsp:cNvPr id="0" name=""/>
+        <dsp:cNvSpPr/>
+      </dsp:nvSpPr>
+      <dsp:spPr>
+        <a:xfrm rot="5400000">
+          <a:off x="406864" y="2094645"/>
+          <a:ext cx="194946" cy="233935"/>
+        </a:xfrm>
+        <a:prstGeom prst="rightArrow">
+          <a:avLst>
+            <a:gd name="adj1" fmla="val 60000"/>
+            <a:gd name="adj2" fmla="val 50000"/>
+          </a:avLst>
+        </a:prstGeom>
+        <a:solidFill>
+          <a:schemeClr val="accent1">
+            <a:tint val="60000"/>
+            <a:hueOff val="0"/>
+            <a:satOff val="0"/>
+            <a:lumOff val="0"/>
+            <a:alphaOff val="0"/>
+          </a:schemeClr>
+        </a:solidFill>
+        <a:ln>
+          <a:noFill/>
+        </a:ln>
+        <a:effectLst/>
+      </dsp:spPr>
+      <dsp:style>
+        <a:lnRef idx="0">
+          <a:scrgbClr r="0" g="0" b="0"/>
+        </a:lnRef>
+        <a:fillRef idx="1">
+          <a:scrgbClr r="0" g="0" b="0"/>
+        </a:fillRef>
+        <a:effectRef idx="0">
+          <a:scrgbClr r="0" g="0" b="0"/>
+        </a:effectRef>
+        <a:fontRef idx="minor">
+          <a:schemeClr val="lt1"/>
+        </a:fontRef>
+      </dsp:style>
+      <dsp:txBody>
+        <a:bodyPr spcFirstLastPara="0" vert="horz" wrap="square" lIns="0" tIns="0" rIns="0" bIns="0" numCol="1" spcCol="1270" anchor="ctr" anchorCtr="0">
+          <a:noAutofit/>
+        </a:bodyPr>
+        <a:lstStyle/>
+        <a:p>
+          <a:pPr lvl="0" algn="ctr" defTabSz="622300">
+            <a:lnSpc>
+              <a:spcPct val="90000"/>
+            </a:lnSpc>
+            <a:spcBef>
+              <a:spcPct val="0"/>
+            </a:spcBef>
+            <a:spcAft>
+              <a:spcPct val="35000"/>
+            </a:spcAft>
+          </a:pPr>
+          <a:endParaRPr lang="de-DE" sz="1400" kern="1200" dirty="0"/>
+        </a:p>
+      </dsp:txBody>
+      <dsp:txXfrm rot="-5400000">
+        <a:off x="434157" y="2114139"/>
+        <a:ext cx="140361" cy="136462"/>
       </dsp:txXfrm>
     </dsp:sp>
     <dsp:sp modelId="{EFFBC16E-D827-45B5-A584-FCB65E01A582}">
@@ -24468,8 +28311,8 @@
       </dsp:nvSpPr>
       <dsp:spPr>
         <a:xfrm>
-          <a:off x="7263" y="1592400"/>
-          <a:ext cx="1203702" cy="530648"/>
+          <a:off x="0" y="2341576"/>
+          <a:ext cx="1008676" cy="519856"/>
         </a:xfrm>
         <a:prstGeom prst="roundRect">
           <a:avLst>
@@ -24527,14 +28370,14 @@
           </a:pPr>
           <a:r>
             <a:rPr lang="de-DE" sz="1400" kern="1200" dirty="0" smtClean="0"/>
-            <a:t>Projektplanung</a:t>
+            <a:t>Projekt-realisierung</a:t>
           </a:r>
           <a:endParaRPr lang="de-DE" sz="1400" kern="1200" dirty="0"/>
         </a:p>
       </dsp:txBody>
       <dsp:txXfrm>
-        <a:off x="22805" y="1607942"/>
-        <a:ext cx="1172618" cy="499564"/>
+        <a:off x="15226" y="2356802"/>
+        <a:ext cx="978224" cy="489404"/>
       </dsp:txXfrm>
     </dsp:sp>
     <dsp:sp modelId="{EF4B894E-A424-49B4-A76E-8B19CCB456FD}">
@@ -24543,9 +28386,9 @@
         <dsp:cNvSpPr/>
       </dsp:nvSpPr>
       <dsp:spPr>
-        <a:xfrm rot="5429351">
-          <a:off x="510809" y="2130260"/>
-          <a:ext cx="189918" cy="238791"/>
+        <a:xfrm rot="5400000">
+          <a:off x="406864" y="2874429"/>
+          <a:ext cx="194946" cy="233935"/>
         </a:xfrm>
         <a:prstGeom prst="rightArrow">
           <a:avLst>
@@ -24602,151 +28445,8 @@
         </a:p>
       </dsp:txBody>
       <dsp:txXfrm rot="-5400000">
-        <a:off x="534374" y="2154698"/>
-        <a:ext cx="143275" cy="132943"/>
-      </dsp:txXfrm>
-    </dsp:sp>
-    <dsp:sp modelId="{7AF88F15-3B35-4D27-BAD3-CBC44147F2B1}">
-      <dsp:nvSpPr>
-        <dsp:cNvPr id="0" name=""/>
-        <dsp:cNvSpPr/>
-      </dsp:nvSpPr>
-      <dsp:spPr>
-        <a:xfrm>
-          <a:off x="570" y="2376263"/>
-          <a:ext cx="1203702" cy="530648"/>
-        </a:xfrm>
-        <a:prstGeom prst="roundRect">
-          <a:avLst>
-            <a:gd name="adj" fmla="val 10000"/>
-          </a:avLst>
-        </a:prstGeom>
-        <a:solidFill>
-          <a:srgbClr val="036A90"/>
-        </a:solidFill>
-        <a:ln w="19050" cap="flat" cmpd="sng" algn="ctr">
-          <a:solidFill>
-            <a:schemeClr val="lt1">
-              <a:hueOff val="0"/>
-              <a:satOff val="0"/>
-              <a:lumOff val="0"/>
-              <a:alphaOff val="0"/>
-            </a:schemeClr>
-          </a:solidFill>
-          <a:prstDash val="solid"/>
-        </a:ln>
-        <a:effectLst/>
-      </dsp:spPr>
-      <dsp:style>
-        <a:lnRef idx="2">
-          <a:scrgbClr r="0" g="0" b="0"/>
-        </a:lnRef>
-        <a:fillRef idx="1">
-          <a:scrgbClr r="0" g="0" b="0"/>
-        </a:fillRef>
-        <a:effectRef idx="0">
-          <a:scrgbClr r="0" g="0" b="0"/>
-        </a:effectRef>
-        <a:fontRef idx="minor">
-          <a:schemeClr val="lt1"/>
-        </a:fontRef>
-      </dsp:style>
-      <dsp:txBody>
-        <a:bodyPr spcFirstLastPara="0" vert="horz" wrap="square" lIns="53340" tIns="53340" rIns="53340" bIns="53340" numCol="1" spcCol="1270" anchor="ctr" anchorCtr="0">
-          <a:noAutofit/>
-        </a:bodyPr>
-        <a:lstStyle/>
-        <a:p>
-          <a:pPr lvl="0" algn="ctr" defTabSz="622300">
-            <a:lnSpc>
-              <a:spcPct val="90000"/>
-            </a:lnSpc>
-            <a:spcBef>
-              <a:spcPct val="0"/>
-            </a:spcBef>
-            <a:spcAft>
-              <a:spcPct val="35000"/>
-            </a:spcAft>
-          </a:pPr>
-          <a:r>
-            <a:rPr lang="de-DE" sz="1400" kern="1200" dirty="0" smtClean="0"/>
-            <a:t>Projekt-realisierung</a:t>
-          </a:r>
-          <a:endParaRPr lang="de-DE" sz="1400" kern="1200" dirty="0"/>
-        </a:p>
-      </dsp:txBody>
-      <dsp:txXfrm>
-        <a:off x="16112" y="2391805"/>
-        <a:ext cx="1172618" cy="499564"/>
-      </dsp:txXfrm>
-    </dsp:sp>
-    <dsp:sp modelId="{FB1739B4-DA90-41D8-B9A7-1B16ED90DCE5}">
-      <dsp:nvSpPr>
-        <dsp:cNvPr id="0" name=""/>
-        <dsp:cNvSpPr/>
-      </dsp:nvSpPr>
-      <dsp:spPr>
-        <a:xfrm rot="5371529">
-          <a:off x="501726" y="2926233"/>
-          <a:ext cx="208082" cy="238791"/>
-        </a:xfrm>
-        <a:prstGeom prst="rightArrow">
-          <a:avLst>
-            <a:gd name="adj1" fmla="val 60000"/>
-            <a:gd name="adj2" fmla="val 50000"/>
-          </a:avLst>
-        </a:prstGeom>
-        <a:solidFill>
-          <a:schemeClr val="accent1">
-            <a:tint val="60000"/>
-            <a:hueOff val="0"/>
-            <a:satOff val="0"/>
-            <a:lumOff val="0"/>
-            <a:alphaOff val="0"/>
-          </a:schemeClr>
-        </a:solidFill>
-        <a:ln>
-          <a:noFill/>
-        </a:ln>
-        <a:effectLst/>
-      </dsp:spPr>
-      <dsp:style>
-        <a:lnRef idx="0">
-          <a:scrgbClr r="0" g="0" b="0"/>
-        </a:lnRef>
-        <a:fillRef idx="1">
-          <a:scrgbClr r="0" g="0" b="0"/>
-        </a:fillRef>
-        <a:effectRef idx="0">
-          <a:scrgbClr r="0" g="0" b="0"/>
-        </a:effectRef>
-        <a:fontRef idx="minor">
-          <a:schemeClr val="lt1"/>
-        </a:fontRef>
-      </dsp:style>
-      <dsp:txBody>
-        <a:bodyPr spcFirstLastPara="0" vert="horz" wrap="square" lIns="0" tIns="0" rIns="0" bIns="0" numCol="1" spcCol="1270" anchor="ctr" anchorCtr="0">
-          <a:noAutofit/>
-        </a:bodyPr>
-        <a:lstStyle/>
-        <a:p>
-          <a:pPr lvl="0" algn="ctr" defTabSz="622300">
-            <a:lnSpc>
-              <a:spcPct val="90000"/>
-            </a:lnSpc>
-            <a:spcBef>
-              <a:spcPct val="0"/>
-            </a:spcBef>
-            <a:spcAft>
-              <a:spcPct val="35000"/>
-            </a:spcAft>
-          </a:pPr>
-          <a:endParaRPr lang="de-DE" sz="1400" kern="1200" dirty="0"/>
-        </a:p>
-      </dsp:txBody>
-      <dsp:txXfrm rot="-5400000">
-        <a:off x="533871" y="2941589"/>
-        <a:ext cx="143275" cy="145657"/>
+        <a:off x="434157" y="2893923"/>
+        <a:ext cx="140361" cy="136462"/>
       </dsp:txXfrm>
     </dsp:sp>
     <dsp:sp modelId="{3DE87748-6AA3-488C-9F4A-A906874F2422}">
@@ -24756,8 +28456,8 @@
       </dsp:nvSpPr>
       <dsp:spPr>
         <a:xfrm>
-          <a:off x="7263" y="3184346"/>
-          <a:ext cx="1203702" cy="530648"/>
+          <a:off x="0" y="3121361"/>
+          <a:ext cx="1008676" cy="519856"/>
         </a:xfrm>
         <a:prstGeom prst="roundRect">
           <a:avLst>
@@ -24821,8 +28521,8 @@
         </a:p>
       </dsp:txBody>
       <dsp:txXfrm>
-        <a:off x="22805" y="3199888"/>
-        <a:ext cx="1172618" cy="499564"/>
+        <a:off x="15226" y="3136587"/>
+        <a:ext cx="978224" cy="489404"/>
       </dsp:txXfrm>
     </dsp:sp>
   </dsp:spTree>
@@ -25426,6 +29126,304 @@
 </file>
 
 <file path=ppt/diagrams/layout13.xml><?xml version="1.0" encoding="utf-8"?>
+<dgm:layoutDef xmlns:dgm="http://schemas.openxmlformats.org/drawingml/2006/diagram" xmlns:a="http://schemas.openxmlformats.org/drawingml/2006/main" uniqueId="urn:microsoft.com/office/officeart/2005/8/layout/process2">
+  <dgm:title val=""/>
+  <dgm:desc val=""/>
+  <dgm:catLst>
+    <dgm:cat type="process" pri="13000"/>
+  </dgm:catLst>
+  <dgm:sampData useDef="1">
+    <dgm:dataModel>
+      <dgm:ptLst/>
+      <dgm:bg/>
+      <dgm:whole/>
+    </dgm:dataModel>
+  </dgm:sampData>
+  <dgm:styleData>
+    <dgm:dataModel>
+      <dgm:ptLst>
+        <dgm:pt modelId="0" type="doc"/>
+        <dgm:pt modelId="1"/>
+        <dgm:pt modelId="2"/>
+      </dgm:ptLst>
+      <dgm:cxnLst>
+        <dgm:cxn modelId="3" srcId="0" destId="1" srcOrd="0" destOrd="0"/>
+        <dgm:cxn modelId="4" srcId="0" destId="2" srcOrd="1" destOrd="0"/>
+      </dgm:cxnLst>
+      <dgm:bg/>
+      <dgm:whole/>
+    </dgm:dataModel>
+  </dgm:styleData>
+  <dgm:clrData>
+    <dgm:dataModel>
+      <dgm:ptLst>
+        <dgm:pt modelId="0" type="doc"/>
+        <dgm:pt modelId="1"/>
+        <dgm:pt modelId="2"/>
+        <dgm:pt modelId="3"/>
+        <dgm:pt modelId="4"/>
+      </dgm:ptLst>
+      <dgm:cxnLst>
+        <dgm:cxn modelId="5" srcId="0" destId="1" srcOrd="0" destOrd="0"/>
+        <dgm:cxn modelId="6" srcId="0" destId="2" srcOrd="1" destOrd="0"/>
+        <dgm:cxn modelId="7" srcId="0" destId="3" srcOrd="2" destOrd="0"/>
+        <dgm:cxn modelId="8" srcId="0" destId="4" srcOrd="3" destOrd="0"/>
+      </dgm:cxnLst>
+      <dgm:bg/>
+      <dgm:whole/>
+    </dgm:dataModel>
+  </dgm:clrData>
+  <dgm:layoutNode name="linearFlow">
+    <dgm:varLst>
+      <dgm:resizeHandles val="exact"/>
+    </dgm:varLst>
+    <dgm:alg type="lin">
+      <dgm:param type="linDir" val="fromT"/>
+    </dgm:alg>
+    <dgm:shape xmlns:r="http://schemas.openxmlformats.org/officeDocument/2006/relationships" r:blip="">
+      <dgm:adjLst/>
+    </dgm:shape>
+    <dgm:presOf/>
+    <dgm:constrLst>
+      <dgm:constr type="h" for="ch" ptType="node" refType="h"/>
+      <dgm:constr type="h" for="ch" ptType="sibTrans" refType="h" refFor="ch" refPtType="node" fact="0.5"/>
+      <dgm:constr type="w" for="ch" ptType="node" op="equ"/>
+      <dgm:constr type="primFontSz" for="ch" ptType="node" op="equ" val="65"/>
+      <dgm:constr type="primFontSz" for="des" forName="connectorText" op="equ" val="55"/>
+      <dgm:constr type="primFontSz" for="des" forName="connectorText" refType="primFontSz" refFor="ch" refPtType="node" op="lte" fact="0.8"/>
+    </dgm:constrLst>
+    <dgm:ruleLst/>
+    <dgm:forEach name="nodesForEach" axis="ch" ptType="node">
+      <dgm:layoutNode name="node">
+        <dgm:varLst>
+          <dgm:bulletEnabled val="1"/>
+        </dgm:varLst>
+        <dgm:choose name="Name0">
+          <dgm:if name="Name1" axis="root des" ptType="all node" func="maxDepth" op="gt" val="1">
+            <dgm:alg type="tx">
+              <dgm:param type="parTxLTRAlign" val="l"/>
+              <dgm:param type="parTxRTLAlign" val="r"/>
+              <dgm:param type="txAnchorVertCh" val="mid"/>
+            </dgm:alg>
+          </dgm:if>
+          <dgm:else name="Name2">
+            <dgm:alg type="tx"/>
+          </dgm:else>
+        </dgm:choose>
+        <dgm:shape xmlns:r="http://schemas.openxmlformats.org/officeDocument/2006/relationships" type="roundRect" r:blip="">
+          <dgm:adjLst>
+            <dgm:adj idx="1" val="0.1"/>
+          </dgm:adjLst>
+        </dgm:shape>
+        <dgm:presOf axis="desOrSelf" ptType="node"/>
+        <dgm:constrLst>
+          <dgm:constr type="w" refType="h" fact="1.8"/>
+          <dgm:constr type="tMarg" refType="primFontSz" fact="0.3"/>
+          <dgm:constr type="bMarg" refType="primFontSz" fact="0.3"/>
+          <dgm:constr type="lMarg" refType="primFontSz" fact="0.3"/>
+          <dgm:constr type="rMarg" refType="primFontSz" fact="0.3"/>
+        </dgm:constrLst>
+        <dgm:ruleLst>
+          <dgm:rule type="primFontSz" val="18" fact="NaN" max="NaN"/>
+          <dgm:rule type="w" val="NaN" fact="4" max="NaN"/>
+          <dgm:rule type="primFontSz" val="5" fact="NaN" max="NaN"/>
+        </dgm:ruleLst>
+      </dgm:layoutNode>
+      <dgm:forEach name="sibTransForEach" axis="followSib" ptType="sibTrans" cnt="1">
+        <dgm:layoutNode name="sibTrans">
+          <dgm:alg type="conn">
+            <dgm:param type="begPts" val="auto"/>
+            <dgm:param type="endPts" val="auto"/>
+          </dgm:alg>
+          <dgm:shape xmlns:r="http://schemas.openxmlformats.org/officeDocument/2006/relationships" type="conn" r:blip="">
+            <dgm:adjLst/>
+          </dgm:shape>
+          <dgm:presOf axis="self"/>
+          <dgm:constrLst>
+            <dgm:constr type="w" refType="h" fact="0.9"/>
+            <dgm:constr type="connDist"/>
+            <dgm:constr type="wArH" refType="w" fact="0.5"/>
+            <dgm:constr type="hArH" refType="w"/>
+            <dgm:constr type="stemThick" refType="w" fact="0.6"/>
+            <dgm:constr type="begPad" refType="connDist" fact="0.125"/>
+            <dgm:constr type="endPad" refType="connDist" fact="0.125"/>
+          </dgm:constrLst>
+          <dgm:ruleLst/>
+          <dgm:layoutNode name="connectorText">
+            <dgm:alg type="tx">
+              <dgm:param type="autoTxRot" val="upr"/>
+            </dgm:alg>
+            <dgm:shape xmlns:r="http://schemas.openxmlformats.org/officeDocument/2006/relationships" type="conn" r:blip="" hideGeom="1">
+              <dgm:adjLst/>
+            </dgm:shape>
+            <dgm:presOf axis="self"/>
+            <dgm:constrLst>
+              <dgm:constr type="lMarg"/>
+              <dgm:constr type="rMarg"/>
+              <dgm:constr type="tMarg"/>
+              <dgm:constr type="bMarg"/>
+            </dgm:constrLst>
+            <dgm:ruleLst>
+              <dgm:rule type="primFontSz" val="5" fact="NaN" max="NaN"/>
+            </dgm:ruleLst>
+          </dgm:layoutNode>
+        </dgm:layoutNode>
+      </dgm:forEach>
+    </dgm:forEach>
+  </dgm:layoutNode>
+</dgm:layoutDef>
+</file>
+
+<file path=ppt/diagrams/layout14.xml><?xml version="1.0" encoding="utf-8"?>
+<dgm:layoutDef xmlns:dgm="http://schemas.openxmlformats.org/drawingml/2006/diagram" xmlns:a="http://schemas.openxmlformats.org/drawingml/2006/main" uniqueId="urn:microsoft.com/office/officeart/2005/8/layout/process2">
+  <dgm:title val=""/>
+  <dgm:desc val=""/>
+  <dgm:catLst>
+    <dgm:cat type="process" pri="13000"/>
+  </dgm:catLst>
+  <dgm:sampData useDef="1">
+    <dgm:dataModel>
+      <dgm:ptLst/>
+      <dgm:bg/>
+      <dgm:whole/>
+    </dgm:dataModel>
+  </dgm:sampData>
+  <dgm:styleData>
+    <dgm:dataModel>
+      <dgm:ptLst>
+        <dgm:pt modelId="0" type="doc"/>
+        <dgm:pt modelId="1"/>
+        <dgm:pt modelId="2"/>
+      </dgm:ptLst>
+      <dgm:cxnLst>
+        <dgm:cxn modelId="3" srcId="0" destId="1" srcOrd="0" destOrd="0"/>
+        <dgm:cxn modelId="4" srcId="0" destId="2" srcOrd="1" destOrd="0"/>
+      </dgm:cxnLst>
+      <dgm:bg/>
+      <dgm:whole/>
+    </dgm:dataModel>
+  </dgm:styleData>
+  <dgm:clrData>
+    <dgm:dataModel>
+      <dgm:ptLst>
+        <dgm:pt modelId="0" type="doc"/>
+        <dgm:pt modelId="1"/>
+        <dgm:pt modelId="2"/>
+        <dgm:pt modelId="3"/>
+        <dgm:pt modelId="4"/>
+      </dgm:ptLst>
+      <dgm:cxnLst>
+        <dgm:cxn modelId="5" srcId="0" destId="1" srcOrd="0" destOrd="0"/>
+        <dgm:cxn modelId="6" srcId="0" destId="2" srcOrd="1" destOrd="0"/>
+        <dgm:cxn modelId="7" srcId="0" destId="3" srcOrd="2" destOrd="0"/>
+        <dgm:cxn modelId="8" srcId="0" destId="4" srcOrd="3" destOrd="0"/>
+      </dgm:cxnLst>
+      <dgm:bg/>
+      <dgm:whole/>
+    </dgm:dataModel>
+  </dgm:clrData>
+  <dgm:layoutNode name="linearFlow">
+    <dgm:varLst>
+      <dgm:resizeHandles val="exact"/>
+    </dgm:varLst>
+    <dgm:alg type="lin">
+      <dgm:param type="linDir" val="fromT"/>
+    </dgm:alg>
+    <dgm:shape xmlns:r="http://schemas.openxmlformats.org/officeDocument/2006/relationships" r:blip="">
+      <dgm:adjLst/>
+    </dgm:shape>
+    <dgm:presOf/>
+    <dgm:constrLst>
+      <dgm:constr type="h" for="ch" ptType="node" refType="h"/>
+      <dgm:constr type="h" for="ch" ptType="sibTrans" refType="h" refFor="ch" refPtType="node" fact="0.5"/>
+      <dgm:constr type="w" for="ch" ptType="node" op="equ"/>
+      <dgm:constr type="primFontSz" for="ch" ptType="node" op="equ" val="65"/>
+      <dgm:constr type="primFontSz" for="des" forName="connectorText" op="equ" val="55"/>
+      <dgm:constr type="primFontSz" for="des" forName="connectorText" refType="primFontSz" refFor="ch" refPtType="node" op="lte" fact="0.8"/>
+    </dgm:constrLst>
+    <dgm:ruleLst/>
+    <dgm:forEach name="nodesForEach" axis="ch" ptType="node">
+      <dgm:layoutNode name="node">
+        <dgm:varLst>
+          <dgm:bulletEnabled val="1"/>
+        </dgm:varLst>
+        <dgm:choose name="Name0">
+          <dgm:if name="Name1" axis="root des" ptType="all node" func="maxDepth" op="gt" val="1">
+            <dgm:alg type="tx">
+              <dgm:param type="parTxLTRAlign" val="l"/>
+              <dgm:param type="parTxRTLAlign" val="r"/>
+              <dgm:param type="txAnchorVertCh" val="mid"/>
+            </dgm:alg>
+          </dgm:if>
+          <dgm:else name="Name2">
+            <dgm:alg type="tx"/>
+          </dgm:else>
+        </dgm:choose>
+        <dgm:shape xmlns:r="http://schemas.openxmlformats.org/officeDocument/2006/relationships" type="roundRect" r:blip="">
+          <dgm:adjLst>
+            <dgm:adj idx="1" val="0.1"/>
+          </dgm:adjLst>
+        </dgm:shape>
+        <dgm:presOf axis="desOrSelf" ptType="node"/>
+        <dgm:constrLst>
+          <dgm:constr type="w" refType="h" fact="1.8"/>
+          <dgm:constr type="tMarg" refType="primFontSz" fact="0.3"/>
+          <dgm:constr type="bMarg" refType="primFontSz" fact="0.3"/>
+          <dgm:constr type="lMarg" refType="primFontSz" fact="0.3"/>
+          <dgm:constr type="rMarg" refType="primFontSz" fact="0.3"/>
+        </dgm:constrLst>
+        <dgm:ruleLst>
+          <dgm:rule type="primFontSz" val="18" fact="NaN" max="NaN"/>
+          <dgm:rule type="w" val="NaN" fact="4" max="NaN"/>
+          <dgm:rule type="primFontSz" val="5" fact="NaN" max="NaN"/>
+        </dgm:ruleLst>
+      </dgm:layoutNode>
+      <dgm:forEach name="sibTransForEach" axis="followSib" ptType="sibTrans" cnt="1">
+        <dgm:layoutNode name="sibTrans">
+          <dgm:alg type="conn">
+            <dgm:param type="begPts" val="auto"/>
+            <dgm:param type="endPts" val="auto"/>
+          </dgm:alg>
+          <dgm:shape xmlns:r="http://schemas.openxmlformats.org/officeDocument/2006/relationships" type="conn" r:blip="">
+            <dgm:adjLst/>
+          </dgm:shape>
+          <dgm:presOf axis="self"/>
+          <dgm:constrLst>
+            <dgm:constr type="w" refType="h" fact="0.9"/>
+            <dgm:constr type="connDist"/>
+            <dgm:constr type="wArH" refType="w" fact="0.5"/>
+            <dgm:constr type="hArH" refType="w"/>
+            <dgm:constr type="stemThick" refType="w" fact="0.6"/>
+            <dgm:constr type="begPad" refType="connDist" fact="0.125"/>
+            <dgm:constr type="endPad" refType="connDist" fact="0.125"/>
+          </dgm:constrLst>
+          <dgm:ruleLst/>
+          <dgm:layoutNode name="connectorText">
+            <dgm:alg type="tx">
+              <dgm:param type="autoTxRot" val="upr"/>
+            </dgm:alg>
+            <dgm:shape xmlns:r="http://schemas.openxmlformats.org/officeDocument/2006/relationships" type="conn" r:blip="" hideGeom="1">
+              <dgm:adjLst/>
+            </dgm:shape>
+            <dgm:presOf axis="self"/>
+            <dgm:constrLst>
+              <dgm:constr type="lMarg"/>
+              <dgm:constr type="rMarg"/>
+              <dgm:constr type="tMarg"/>
+              <dgm:constr type="bMarg"/>
+            </dgm:constrLst>
+            <dgm:ruleLst>
+              <dgm:rule type="primFontSz" val="5" fact="NaN" max="NaN"/>
+            </dgm:ruleLst>
+          </dgm:layoutNode>
+        </dgm:layoutNode>
+      </dgm:forEach>
+    </dgm:forEach>
+  </dgm:layoutNode>
+</dgm:layoutDef>
+</file>
+
+<file path=ppt/diagrams/layout15.xml><?xml version="1.0" encoding="utf-8"?>
 <dgm:layoutDef xmlns:dgm="http://schemas.openxmlformats.org/drawingml/2006/diagram" xmlns:a="http://schemas.openxmlformats.org/drawingml/2006/main" uniqueId="urn:microsoft.com/office/officeart/2005/8/layout/process2">
   <dgm:title val=""/>
   <dgm:desc val=""/>
@@ -31936,6 +35934,2074 @@
 </dgm:styleDef>
 </file>
 
+<file path=ppt/diagrams/quickStyle14.xml><?xml version="1.0" encoding="utf-8"?>
+<dgm:styleDef xmlns:dgm="http://schemas.openxmlformats.org/drawingml/2006/diagram" xmlns:a="http://schemas.openxmlformats.org/drawingml/2006/main" uniqueId="urn:microsoft.com/office/officeart/2005/8/quickstyle/simple1">
+  <dgm:title val=""/>
+  <dgm:desc val=""/>
+  <dgm:catLst>
+    <dgm:cat type="simple" pri="10100"/>
+  </dgm:catLst>
+  <dgm:scene3d>
+    <a:camera prst="orthographicFront"/>
+    <a:lightRig rig="threePt" dir="t"/>
+  </dgm:scene3d>
+  <dgm:styleLbl name="node0">
+    <dgm:scene3d>
+      <a:camera prst="orthographicFront"/>
+      <a:lightRig rig="threePt" dir="t"/>
+    </dgm:scene3d>
+    <dgm:sp3d/>
+    <dgm:txPr/>
+    <dgm:style>
+      <a:lnRef idx="2">
+        <a:scrgbClr r="0" g="0" b="0"/>
+      </a:lnRef>
+      <a:fillRef idx="1">
+        <a:scrgbClr r="0" g="0" b="0"/>
+      </a:fillRef>
+      <a:effectRef idx="0">
+        <a:scrgbClr r="0" g="0" b="0"/>
+      </a:effectRef>
+      <a:fontRef idx="minor">
+        <a:schemeClr val="lt1"/>
+      </a:fontRef>
+    </dgm:style>
+  </dgm:styleLbl>
+  <dgm:styleLbl name="lnNode1">
+    <dgm:scene3d>
+      <a:camera prst="orthographicFront"/>
+      <a:lightRig rig="threePt" dir="t"/>
+    </dgm:scene3d>
+    <dgm:sp3d/>
+    <dgm:txPr/>
+    <dgm:style>
+      <a:lnRef idx="2">
+        <a:scrgbClr r="0" g="0" b="0"/>
+      </a:lnRef>
+      <a:fillRef idx="1">
+        <a:scrgbClr r="0" g="0" b="0"/>
+      </a:fillRef>
+      <a:effectRef idx="0">
+        <a:scrgbClr r="0" g="0" b="0"/>
+      </a:effectRef>
+      <a:fontRef idx="minor">
+        <a:schemeClr val="lt1"/>
+      </a:fontRef>
+    </dgm:style>
+  </dgm:styleLbl>
+  <dgm:styleLbl name="vennNode1">
+    <dgm:scene3d>
+      <a:camera prst="orthographicFront"/>
+      <a:lightRig rig="threePt" dir="t"/>
+    </dgm:scene3d>
+    <dgm:sp3d/>
+    <dgm:txPr/>
+    <dgm:style>
+      <a:lnRef idx="2">
+        <a:scrgbClr r="0" g="0" b="0"/>
+      </a:lnRef>
+      <a:fillRef idx="1">
+        <a:scrgbClr r="0" g="0" b="0"/>
+      </a:fillRef>
+      <a:effectRef idx="0">
+        <a:scrgbClr r="0" g="0" b="0"/>
+      </a:effectRef>
+      <a:fontRef idx="minor">
+        <a:schemeClr val="tx1"/>
+      </a:fontRef>
+    </dgm:style>
+  </dgm:styleLbl>
+  <dgm:styleLbl name="alignNode1">
+    <dgm:scene3d>
+      <a:camera prst="orthographicFront"/>
+      <a:lightRig rig="threePt" dir="t"/>
+    </dgm:scene3d>
+    <dgm:sp3d/>
+    <dgm:txPr/>
+    <dgm:style>
+      <a:lnRef idx="2">
+        <a:scrgbClr r="0" g="0" b="0"/>
+      </a:lnRef>
+      <a:fillRef idx="1">
+        <a:scrgbClr r="0" g="0" b="0"/>
+      </a:fillRef>
+      <a:effectRef idx="0">
+        <a:scrgbClr r="0" g="0" b="0"/>
+      </a:effectRef>
+      <a:fontRef idx="minor">
+        <a:schemeClr val="lt1"/>
+      </a:fontRef>
+    </dgm:style>
+  </dgm:styleLbl>
+  <dgm:styleLbl name="node1">
+    <dgm:scene3d>
+      <a:camera prst="orthographicFront"/>
+      <a:lightRig rig="threePt" dir="t"/>
+    </dgm:scene3d>
+    <dgm:sp3d/>
+    <dgm:txPr/>
+    <dgm:style>
+      <a:lnRef idx="2">
+        <a:scrgbClr r="0" g="0" b="0"/>
+      </a:lnRef>
+      <a:fillRef idx="1">
+        <a:scrgbClr r="0" g="0" b="0"/>
+      </a:fillRef>
+      <a:effectRef idx="0">
+        <a:scrgbClr r="0" g="0" b="0"/>
+      </a:effectRef>
+      <a:fontRef idx="minor">
+        <a:schemeClr val="lt1"/>
+      </a:fontRef>
+    </dgm:style>
+  </dgm:styleLbl>
+  <dgm:styleLbl name="node2">
+    <dgm:scene3d>
+      <a:camera prst="orthographicFront"/>
+      <a:lightRig rig="threePt" dir="t"/>
+    </dgm:scene3d>
+    <dgm:sp3d/>
+    <dgm:txPr/>
+    <dgm:style>
+      <a:lnRef idx="2">
+        <a:scrgbClr r="0" g="0" b="0"/>
+      </a:lnRef>
+      <a:fillRef idx="1">
+        <a:scrgbClr r="0" g="0" b="0"/>
+      </a:fillRef>
+      <a:effectRef idx="0">
+        <a:scrgbClr r="0" g="0" b="0"/>
+      </a:effectRef>
+      <a:fontRef idx="minor">
+        <a:schemeClr val="lt1"/>
+      </a:fontRef>
+    </dgm:style>
+  </dgm:styleLbl>
+  <dgm:styleLbl name="node3">
+    <dgm:scene3d>
+      <a:camera prst="orthographicFront"/>
+      <a:lightRig rig="threePt" dir="t"/>
+    </dgm:scene3d>
+    <dgm:sp3d/>
+    <dgm:txPr/>
+    <dgm:style>
+      <a:lnRef idx="2">
+        <a:scrgbClr r="0" g="0" b="0"/>
+      </a:lnRef>
+      <a:fillRef idx="1">
+        <a:scrgbClr r="0" g="0" b="0"/>
+      </a:fillRef>
+      <a:effectRef idx="0">
+        <a:scrgbClr r="0" g="0" b="0"/>
+      </a:effectRef>
+      <a:fontRef idx="minor">
+        <a:schemeClr val="lt1"/>
+      </a:fontRef>
+    </dgm:style>
+  </dgm:styleLbl>
+  <dgm:styleLbl name="node4">
+    <dgm:scene3d>
+      <a:camera prst="orthographicFront"/>
+      <a:lightRig rig="threePt" dir="t"/>
+    </dgm:scene3d>
+    <dgm:sp3d/>
+    <dgm:txPr/>
+    <dgm:style>
+      <a:lnRef idx="2">
+        <a:scrgbClr r="0" g="0" b="0"/>
+      </a:lnRef>
+      <a:fillRef idx="1">
+        <a:scrgbClr r="0" g="0" b="0"/>
+      </a:fillRef>
+      <a:effectRef idx="0">
+        <a:scrgbClr r="0" g="0" b="0"/>
+      </a:effectRef>
+      <a:fontRef idx="minor">
+        <a:schemeClr val="lt1"/>
+      </a:fontRef>
+    </dgm:style>
+  </dgm:styleLbl>
+  <dgm:styleLbl name="fgImgPlace1">
+    <dgm:scene3d>
+      <a:camera prst="orthographicFront"/>
+      <a:lightRig rig="threePt" dir="t"/>
+    </dgm:scene3d>
+    <dgm:sp3d/>
+    <dgm:txPr/>
+    <dgm:style>
+      <a:lnRef idx="2">
+        <a:scrgbClr r="0" g="0" b="0"/>
+      </a:lnRef>
+      <a:fillRef idx="1">
+        <a:scrgbClr r="0" g="0" b="0"/>
+      </a:fillRef>
+      <a:effectRef idx="0">
+        <a:scrgbClr r="0" g="0" b="0"/>
+      </a:effectRef>
+      <a:fontRef idx="minor"/>
+    </dgm:style>
+  </dgm:styleLbl>
+  <dgm:styleLbl name="alignImgPlace1">
+    <dgm:scene3d>
+      <a:camera prst="orthographicFront"/>
+      <a:lightRig rig="threePt" dir="t"/>
+    </dgm:scene3d>
+    <dgm:sp3d/>
+    <dgm:txPr/>
+    <dgm:style>
+      <a:lnRef idx="2">
+        <a:scrgbClr r="0" g="0" b="0"/>
+      </a:lnRef>
+      <a:fillRef idx="1">
+        <a:scrgbClr r="0" g="0" b="0"/>
+      </a:fillRef>
+      <a:effectRef idx="0">
+        <a:scrgbClr r="0" g="0" b="0"/>
+      </a:effectRef>
+      <a:fontRef idx="minor"/>
+    </dgm:style>
+  </dgm:styleLbl>
+  <dgm:styleLbl name="bgImgPlace1">
+    <dgm:scene3d>
+      <a:camera prst="orthographicFront"/>
+      <a:lightRig rig="threePt" dir="t"/>
+    </dgm:scene3d>
+    <dgm:sp3d/>
+    <dgm:txPr/>
+    <dgm:style>
+      <a:lnRef idx="2">
+        <a:scrgbClr r="0" g="0" b="0"/>
+      </a:lnRef>
+      <a:fillRef idx="1">
+        <a:scrgbClr r="0" g="0" b="0"/>
+      </a:fillRef>
+      <a:effectRef idx="0">
+        <a:scrgbClr r="0" g="0" b="0"/>
+      </a:effectRef>
+      <a:fontRef idx="minor"/>
+    </dgm:style>
+  </dgm:styleLbl>
+  <dgm:styleLbl name="sibTrans2D1">
+    <dgm:scene3d>
+      <a:camera prst="orthographicFront"/>
+      <a:lightRig rig="threePt" dir="t"/>
+    </dgm:scene3d>
+    <dgm:sp3d/>
+    <dgm:txPr/>
+    <dgm:style>
+      <a:lnRef idx="0">
+        <a:scrgbClr r="0" g="0" b="0"/>
+      </a:lnRef>
+      <a:fillRef idx="1">
+        <a:scrgbClr r="0" g="0" b="0"/>
+      </a:fillRef>
+      <a:effectRef idx="0">
+        <a:scrgbClr r="0" g="0" b="0"/>
+      </a:effectRef>
+      <a:fontRef idx="minor">
+        <a:schemeClr val="lt1"/>
+      </a:fontRef>
+    </dgm:style>
+  </dgm:styleLbl>
+  <dgm:styleLbl name="fgSibTrans2D1">
+    <dgm:scene3d>
+      <a:camera prst="orthographicFront"/>
+      <a:lightRig rig="threePt" dir="t"/>
+    </dgm:scene3d>
+    <dgm:sp3d/>
+    <dgm:txPr/>
+    <dgm:style>
+      <a:lnRef idx="0">
+        <a:scrgbClr r="0" g="0" b="0"/>
+      </a:lnRef>
+      <a:fillRef idx="1">
+        <a:scrgbClr r="0" g="0" b="0"/>
+      </a:fillRef>
+      <a:effectRef idx="0">
+        <a:scrgbClr r="0" g="0" b="0"/>
+      </a:effectRef>
+      <a:fontRef idx="minor">
+        <a:schemeClr val="lt1"/>
+      </a:fontRef>
+    </dgm:style>
+  </dgm:styleLbl>
+  <dgm:styleLbl name="bgSibTrans2D1">
+    <dgm:scene3d>
+      <a:camera prst="orthographicFront"/>
+      <a:lightRig rig="threePt" dir="t"/>
+    </dgm:scene3d>
+    <dgm:sp3d/>
+    <dgm:txPr/>
+    <dgm:style>
+      <a:lnRef idx="0">
+        <a:scrgbClr r="0" g="0" b="0"/>
+      </a:lnRef>
+      <a:fillRef idx="1">
+        <a:scrgbClr r="0" g="0" b="0"/>
+      </a:fillRef>
+      <a:effectRef idx="0">
+        <a:scrgbClr r="0" g="0" b="0"/>
+      </a:effectRef>
+      <a:fontRef idx="minor">
+        <a:schemeClr val="lt1"/>
+      </a:fontRef>
+    </dgm:style>
+  </dgm:styleLbl>
+  <dgm:styleLbl name="sibTrans1D1">
+    <dgm:scene3d>
+      <a:camera prst="orthographicFront"/>
+      <a:lightRig rig="threePt" dir="t"/>
+    </dgm:scene3d>
+    <dgm:sp3d/>
+    <dgm:txPr/>
+    <dgm:style>
+      <a:lnRef idx="1">
+        <a:scrgbClr r="0" g="0" b="0"/>
+      </a:lnRef>
+      <a:fillRef idx="0">
+        <a:scrgbClr r="0" g="0" b="0"/>
+      </a:fillRef>
+      <a:effectRef idx="0">
+        <a:scrgbClr r="0" g="0" b="0"/>
+      </a:effectRef>
+      <a:fontRef idx="minor"/>
+    </dgm:style>
+  </dgm:styleLbl>
+  <dgm:styleLbl name="callout">
+    <dgm:scene3d>
+      <a:camera prst="orthographicFront"/>
+      <a:lightRig rig="threePt" dir="t"/>
+    </dgm:scene3d>
+    <dgm:sp3d/>
+    <dgm:txPr/>
+    <dgm:style>
+      <a:lnRef idx="2">
+        <a:scrgbClr r="0" g="0" b="0"/>
+      </a:lnRef>
+      <a:fillRef idx="1">
+        <a:scrgbClr r="0" g="0" b="0"/>
+      </a:fillRef>
+      <a:effectRef idx="0">
+        <a:scrgbClr r="0" g="0" b="0"/>
+      </a:effectRef>
+      <a:fontRef idx="minor"/>
+    </dgm:style>
+  </dgm:styleLbl>
+  <dgm:styleLbl name="asst0">
+    <dgm:scene3d>
+      <a:camera prst="orthographicFront"/>
+      <a:lightRig rig="threePt" dir="t"/>
+    </dgm:scene3d>
+    <dgm:sp3d/>
+    <dgm:txPr/>
+    <dgm:style>
+      <a:lnRef idx="2">
+        <a:scrgbClr r="0" g="0" b="0"/>
+      </a:lnRef>
+      <a:fillRef idx="1">
+        <a:scrgbClr r="0" g="0" b="0"/>
+      </a:fillRef>
+      <a:effectRef idx="0">
+        <a:scrgbClr r="0" g="0" b="0"/>
+      </a:effectRef>
+      <a:fontRef idx="minor">
+        <a:schemeClr val="lt1"/>
+      </a:fontRef>
+    </dgm:style>
+  </dgm:styleLbl>
+  <dgm:styleLbl name="asst1">
+    <dgm:scene3d>
+      <a:camera prst="orthographicFront"/>
+      <a:lightRig rig="threePt" dir="t"/>
+    </dgm:scene3d>
+    <dgm:sp3d/>
+    <dgm:txPr/>
+    <dgm:style>
+      <a:lnRef idx="2">
+        <a:scrgbClr r="0" g="0" b="0"/>
+      </a:lnRef>
+      <a:fillRef idx="1">
+        <a:scrgbClr r="0" g="0" b="0"/>
+      </a:fillRef>
+      <a:effectRef idx="0">
+        <a:scrgbClr r="0" g="0" b="0"/>
+      </a:effectRef>
+      <a:fontRef idx="minor">
+        <a:schemeClr val="lt1"/>
+      </a:fontRef>
+    </dgm:style>
+  </dgm:styleLbl>
+  <dgm:styleLbl name="asst2">
+    <dgm:scene3d>
+      <a:camera prst="orthographicFront"/>
+      <a:lightRig rig="threePt" dir="t"/>
+    </dgm:scene3d>
+    <dgm:sp3d/>
+    <dgm:txPr/>
+    <dgm:style>
+      <a:lnRef idx="2">
+        <a:scrgbClr r="0" g="0" b="0"/>
+      </a:lnRef>
+      <a:fillRef idx="1">
+        <a:scrgbClr r="0" g="0" b="0"/>
+      </a:fillRef>
+      <a:effectRef idx="0">
+        <a:scrgbClr r="0" g="0" b="0"/>
+      </a:effectRef>
+      <a:fontRef idx="minor">
+        <a:schemeClr val="lt1"/>
+      </a:fontRef>
+    </dgm:style>
+  </dgm:styleLbl>
+  <dgm:styleLbl name="asst3">
+    <dgm:scene3d>
+      <a:camera prst="orthographicFront"/>
+      <a:lightRig rig="threePt" dir="t"/>
+    </dgm:scene3d>
+    <dgm:sp3d/>
+    <dgm:txPr/>
+    <dgm:style>
+      <a:lnRef idx="2">
+        <a:scrgbClr r="0" g="0" b="0"/>
+      </a:lnRef>
+      <a:fillRef idx="1">
+        <a:scrgbClr r="0" g="0" b="0"/>
+      </a:fillRef>
+      <a:effectRef idx="0">
+        <a:scrgbClr r="0" g="0" b="0"/>
+      </a:effectRef>
+      <a:fontRef idx="minor">
+        <a:schemeClr val="lt1"/>
+      </a:fontRef>
+    </dgm:style>
+  </dgm:styleLbl>
+  <dgm:styleLbl name="asst4">
+    <dgm:scene3d>
+      <a:camera prst="orthographicFront"/>
+      <a:lightRig rig="threePt" dir="t"/>
+    </dgm:scene3d>
+    <dgm:sp3d/>
+    <dgm:txPr/>
+    <dgm:style>
+      <a:lnRef idx="2">
+        <a:scrgbClr r="0" g="0" b="0"/>
+      </a:lnRef>
+      <a:fillRef idx="1">
+        <a:scrgbClr r="0" g="0" b="0"/>
+      </a:fillRef>
+      <a:effectRef idx="0">
+        <a:scrgbClr r="0" g="0" b="0"/>
+      </a:effectRef>
+      <a:fontRef idx="minor">
+        <a:schemeClr val="lt1"/>
+      </a:fontRef>
+    </dgm:style>
+  </dgm:styleLbl>
+  <dgm:styleLbl name="parChTrans2D1">
+    <dgm:scene3d>
+      <a:camera prst="orthographicFront"/>
+      <a:lightRig rig="threePt" dir="t"/>
+    </dgm:scene3d>
+    <dgm:sp3d/>
+    <dgm:txPr/>
+    <dgm:style>
+      <a:lnRef idx="2">
+        <a:scrgbClr r="0" g="0" b="0"/>
+      </a:lnRef>
+      <a:fillRef idx="1">
+        <a:scrgbClr r="0" g="0" b="0"/>
+      </a:fillRef>
+      <a:effectRef idx="0">
+        <a:scrgbClr r="0" g="0" b="0"/>
+      </a:effectRef>
+      <a:fontRef idx="minor">
+        <a:schemeClr val="lt1"/>
+      </a:fontRef>
+    </dgm:style>
+  </dgm:styleLbl>
+  <dgm:styleLbl name="parChTrans2D2">
+    <dgm:scene3d>
+      <a:camera prst="orthographicFront"/>
+      <a:lightRig rig="threePt" dir="t"/>
+    </dgm:scene3d>
+    <dgm:sp3d/>
+    <dgm:txPr/>
+    <dgm:style>
+      <a:lnRef idx="2">
+        <a:scrgbClr r="0" g="0" b="0"/>
+      </a:lnRef>
+      <a:fillRef idx="1">
+        <a:scrgbClr r="0" g="0" b="0"/>
+      </a:fillRef>
+      <a:effectRef idx="0">
+        <a:scrgbClr r="0" g="0" b="0"/>
+      </a:effectRef>
+      <a:fontRef idx="minor">
+        <a:schemeClr val="lt1"/>
+      </a:fontRef>
+    </dgm:style>
+  </dgm:styleLbl>
+  <dgm:styleLbl name="parChTrans2D3">
+    <dgm:scene3d>
+      <a:camera prst="orthographicFront"/>
+      <a:lightRig rig="threePt" dir="t"/>
+    </dgm:scene3d>
+    <dgm:sp3d/>
+    <dgm:txPr/>
+    <dgm:style>
+      <a:lnRef idx="2">
+        <a:scrgbClr r="0" g="0" b="0"/>
+      </a:lnRef>
+      <a:fillRef idx="1">
+        <a:scrgbClr r="0" g="0" b="0"/>
+      </a:fillRef>
+      <a:effectRef idx="0">
+        <a:scrgbClr r="0" g="0" b="0"/>
+      </a:effectRef>
+      <a:fontRef idx="minor">
+        <a:schemeClr val="lt1"/>
+      </a:fontRef>
+    </dgm:style>
+  </dgm:styleLbl>
+  <dgm:styleLbl name="parChTrans2D4">
+    <dgm:scene3d>
+      <a:camera prst="orthographicFront"/>
+      <a:lightRig rig="threePt" dir="t"/>
+    </dgm:scene3d>
+    <dgm:sp3d/>
+    <dgm:txPr/>
+    <dgm:style>
+      <a:lnRef idx="2">
+        <a:scrgbClr r="0" g="0" b="0"/>
+      </a:lnRef>
+      <a:fillRef idx="1">
+        <a:scrgbClr r="0" g="0" b="0"/>
+      </a:fillRef>
+      <a:effectRef idx="0">
+        <a:scrgbClr r="0" g="0" b="0"/>
+      </a:effectRef>
+      <a:fontRef idx="minor">
+        <a:schemeClr val="lt1"/>
+      </a:fontRef>
+    </dgm:style>
+  </dgm:styleLbl>
+  <dgm:styleLbl name="parChTrans1D1">
+    <dgm:scene3d>
+      <a:camera prst="orthographicFront"/>
+      <a:lightRig rig="threePt" dir="t"/>
+    </dgm:scene3d>
+    <dgm:sp3d/>
+    <dgm:txPr/>
+    <dgm:style>
+      <a:lnRef idx="2">
+        <a:scrgbClr r="0" g="0" b="0"/>
+      </a:lnRef>
+      <a:fillRef idx="0">
+        <a:scrgbClr r="0" g="0" b="0"/>
+      </a:fillRef>
+      <a:effectRef idx="0">
+        <a:scrgbClr r="0" g="0" b="0"/>
+      </a:effectRef>
+      <a:fontRef idx="minor"/>
+    </dgm:style>
+  </dgm:styleLbl>
+  <dgm:styleLbl name="parChTrans1D2">
+    <dgm:scene3d>
+      <a:camera prst="orthographicFront"/>
+      <a:lightRig rig="threePt" dir="t"/>
+    </dgm:scene3d>
+    <dgm:sp3d/>
+    <dgm:txPr/>
+    <dgm:style>
+      <a:lnRef idx="2">
+        <a:scrgbClr r="0" g="0" b="0"/>
+      </a:lnRef>
+      <a:fillRef idx="0">
+        <a:scrgbClr r="0" g="0" b="0"/>
+      </a:fillRef>
+      <a:effectRef idx="0">
+        <a:scrgbClr r="0" g="0" b="0"/>
+      </a:effectRef>
+      <a:fontRef idx="minor"/>
+    </dgm:style>
+  </dgm:styleLbl>
+  <dgm:styleLbl name="parChTrans1D3">
+    <dgm:scene3d>
+      <a:camera prst="orthographicFront"/>
+      <a:lightRig rig="threePt" dir="t"/>
+    </dgm:scene3d>
+    <dgm:sp3d/>
+    <dgm:txPr/>
+    <dgm:style>
+      <a:lnRef idx="2">
+        <a:scrgbClr r="0" g="0" b="0"/>
+      </a:lnRef>
+      <a:fillRef idx="0">
+        <a:scrgbClr r="0" g="0" b="0"/>
+      </a:fillRef>
+      <a:effectRef idx="0">
+        <a:scrgbClr r="0" g="0" b="0"/>
+      </a:effectRef>
+      <a:fontRef idx="minor"/>
+    </dgm:style>
+  </dgm:styleLbl>
+  <dgm:styleLbl name="parChTrans1D4">
+    <dgm:scene3d>
+      <a:camera prst="orthographicFront"/>
+      <a:lightRig rig="threePt" dir="t"/>
+    </dgm:scene3d>
+    <dgm:sp3d/>
+    <dgm:txPr/>
+    <dgm:style>
+      <a:lnRef idx="2">
+        <a:scrgbClr r="0" g="0" b="0"/>
+      </a:lnRef>
+      <a:fillRef idx="0">
+        <a:scrgbClr r="0" g="0" b="0"/>
+      </a:fillRef>
+      <a:effectRef idx="0">
+        <a:scrgbClr r="0" g="0" b="0"/>
+      </a:effectRef>
+      <a:fontRef idx="minor"/>
+    </dgm:style>
+  </dgm:styleLbl>
+  <dgm:styleLbl name="fgAcc1">
+    <dgm:scene3d>
+      <a:camera prst="orthographicFront"/>
+      <a:lightRig rig="threePt" dir="t"/>
+    </dgm:scene3d>
+    <dgm:sp3d/>
+    <dgm:txPr/>
+    <dgm:style>
+      <a:lnRef idx="2">
+        <a:scrgbClr r="0" g="0" b="0"/>
+      </a:lnRef>
+      <a:fillRef idx="1">
+        <a:scrgbClr r="0" g="0" b="0"/>
+      </a:fillRef>
+      <a:effectRef idx="0">
+        <a:scrgbClr r="0" g="0" b="0"/>
+      </a:effectRef>
+      <a:fontRef idx="minor"/>
+    </dgm:style>
+  </dgm:styleLbl>
+  <dgm:styleLbl name="conFgAcc1">
+    <dgm:scene3d>
+      <a:camera prst="orthographicFront"/>
+      <a:lightRig rig="threePt" dir="t"/>
+    </dgm:scene3d>
+    <dgm:sp3d/>
+    <dgm:txPr/>
+    <dgm:style>
+      <a:lnRef idx="2">
+        <a:scrgbClr r="0" g="0" b="0"/>
+      </a:lnRef>
+      <a:fillRef idx="1">
+        <a:scrgbClr r="0" g="0" b="0"/>
+      </a:fillRef>
+      <a:effectRef idx="0">
+        <a:scrgbClr r="0" g="0" b="0"/>
+      </a:effectRef>
+      <a:fontRef idx="minor"/>
+    </dgm:style>
+  </dgm:styleLbl>
+  <dgm:styleLbl name="alignAcc1">
+    <dgm:scene3d>
+      <a:camera prst="orthographicFront"/>
+      <a:lightRig rig="threePt" dir="t"/>
+    </dgm:scene3d>
+    <dgm:sp3d/>
+    <dgm:txPr/>
+    <dgm:style>
+      <a:lnRef idx="2">
+        <a:scrgbClr r="0" g="0" b="0"/>
+      </a:lnRef>
+      <a:fillRef idx="1">
+        <a:scrgbClr r="0" g="0" b="0"/>
+      </a:fillRef>
+      <a:effectRef idx="0">
+        <a:scrgbClr r="0" g="0" b="0"/>
+      </a:effectRef>
+      <a:fontRef idx="minor"/>
+    </dgm:style>
+  </dgm:styleLbl>
+  <dgm:styleLbl name="trAlignAcc1">
+    <dgm:scene3d>
+      <a:camera prst="orthographicFront"/>
+      <a:lightRig rig="threePt" dir="t"/>
+    </dgm:scene3d>
+    <dgm:sp3d/>
+    <dgm:txPr/>
+    <dgm:style>
+      <a:lnRef idx="1">
+        <a:scrgbClr r="0" g="0" b="0"/>
+      </a:lnRef>
+      <a:fillRef idx="1">
+        <a:scrgbClr r="0" g="0" b="0"/>
+      </a:fillRef>
+      <a:effectRef idx="0">
+        <a:scrgbClr r="0" g="0" b="0"/>
+      </a:effectRef>
+      <a:fontRef idx="minor"/>
+    </dgm:style>
+  </dgm:styleLbl>
+  <dgm:styleLbl name="bgAcc1">
+    <dgm:scene3d>
+      <a:camera prst="orthographicFront"/>
+      <a:lightRig rig="threePt" dir="t"/>
+    </dgm:scene3d>
+    <dgm:sp3d/>
+    <dgm:txPr/>
+    <dgm:style>
+      <a:lnRef idx="2">
+        <a:scrgbClr r="0" g="0" b="0"/>
+      </a:lnRef>
+      <a:fillRef idx="1">
+        <a:scrgbClr r="0" g="0" b="0"/>
+      </a:fillRef>
+      <a:effectRef idx="0">
+        <a:scrgbClr r="0" g="0" b="0"/>
+      </a:effectRef>
+      <a:fontRef idx="minor"/>
+    </dgm:style>
+  </dgm:styleLbl>
+  <dgm:styleLbl name="solidFgAcc1">
+    <dgm:scene3d>
+      <a:camera prst="orthographicFront"/>
+      <a:lightRig rig="threePt" dir="t"/>
+    </dgm:scene3d>
+    <dgm:sp3d/>
+    <dgm:txPr/>
+    <dgm:style>
+      <a:lnRef idx="2">
+        <a:scrgbClr r="0" g="0" b="0"/>
+      </a:lnRef>
+      <a:fillRef idx="1">
+        <a:scrgbClr r="0" g="0" b="0"/>
+      </a:fillRef>
+      <a:effectRef idx="0">
+        <a:scrgbClr r="0" g="0" b="0"/>
+      </a:effectRef>
+      <a:fontRef idx="minor"/>
+    </dgm:style>
+  </dgm:styleLbl>
+  <dgm:styleLbl name="solidAlignAcc1">
+    <dgm:scene3d>
+      <a:camera prst="orthographicFront"/>
+      <a:lightRig rig="threePt" dir="t"/>
+    </dgm:scene3d>
+    <dgm:sp3d/>
+    <dgm:txPr/>
+    <dgm:style>
+      <a:lnRef idx="2">
+        <a:scrgbClr r="0" g="0" b="0"/>
+      </a:lnRef>
+      <a:fillRef idx="1">
+        <a:scrgbClr r="0" g="0" b="0"/>
+      </a:fillRef>
+      <a:effectRef idx="0">
+        <a:scrgbClr r="0" g="0" b="0"/>
+      </a:effectRef>
+      <a:fontRef idx="minor"/>
+    </dgm:style>
+  </dgm:styleLbl>
+  <dgm:styleLbl name="solidBgAcc1">
+    <dgm:scene3d>
+      <a:camera prst="orthographicFront"/>
+      <a:lightRig rig="threePt" dir="t"/>
+    </dgm:scene3d>
+    <dgm:sp3d/>
+    <dgm:txPr/>
+    <dgm:style>
+      <a:lnRef idx="2">
+        <a:scrgbClr r="0" g="0" b="0"/>
+      </a:lnRef>
+      <a:fillRef idx="1">
+        <a:scrgbClr r="0" g="0" b="0"/>
+      </a:fillRef>
+      <a:effectRef idx="0">
+        <a:scrgbClr r="0" g="0" b="0"/>
+      </a:effectRef>
+      <a:fontRef idx="minor"/>
+    </dgm:style>
+  </dgm:styleLbl>
+  <dgm:styleLbl name="fgAccFollowNode1">
+    <dgm:scene3d>
+      <a:camera prst="orthographicFront"/>
+      <a:lightRig rig="threePt" dir="t"/>
+    </dgm:scene3d>
+    <dgm:sp3d/>
+    <dgm:txPr/>
+    <dgm:style>
+      <a:lnRef idx="2">
+        <a:scrgbClr r="0" g="0" b="0"/>
+      </a:lnRef>
+      <a:fillRef idx="1">
+        <a:scrgbClr r="0" g="0" b="0"/>
+      </a:fillRef>
+      <a:effectRef idx="0">
+        <a:scrgbClr r="0" g="0" b="0"/>
+      </a:effectRef>
+      <a:fontRef idx="minor"/>
+    </dgm:style>
+  </dgm:styleLbl>
+  <dgm:styleLbl name="alignAccFollowNode1">
+    <dgm:scene3d>
+      <a:camera prst="orthographicFront"/>
+      <a:lightRig rig="threePt" dir="t"/>
+    </dgm:scene3d>
+    <dgm:sp3d/>
+    <dgm:txPr/>
+    <dgm:style>
+      <a:lnRef idx="2">
+        <a:scrgbClr r="0" g="0" b="0"/>
+      </a:lnRef>
+      <a:fillRef idx="1">
+        <a:scrgbClr r="0" g="0" b="0"/>
+      </a:fillRef>
+      <a:effectRef idx="0">
+        <a:scrgbClr r="0" g="0" b="0"/>
+      </a:effectRef>
+      <a:fontRef idx="minor"/>
+    </dgm:style>
+  </dgm:styleLbl>
+  <dgm:styleLbl name="bgAccFollowNode1">
+    <dgm:scene3d>
+      <a:camera prst="orthographicFront"/>
+      <a:lightRig rig="threePt" dir="t"/>
+    </dgm:scene3d>
+    <dgm:sp3d/>
+    <dgm:txPr/>
+    <dgm:style>
+      <a:lnRef idx="2">
+        <a:scrgbClr r="0" g="0" b="0"/>
+      </a:lnRef>
+      <a:fillRef idx="1">
+        <a:scrgbClr r="0" g="0" b="0"/>
+      </a:fillRef>
+      <a:effectRef idx="0">
+        <a:scrgbClr r="0" g="0" b="0"/>
+      </a:effectRef>
+      <a:fontRef idx="minor"/>
+    </dgm:style>
+  </dgm:styleLbl>
+  <dgm:styleLbl name="fgAcc0">
+    <dgm:scene3d>
+      <a:camera prst="orthographicFront"/>
+      <a:lightRig rig="threePt" dir="t"/>
+    </dgm:scene3d>
+    <dgm:sp3d/>
+    <dgm:txPr/>
+    <dgm:style>
+      <a:lnRef idx="2">
+        <a:scrgbClr r="0" g="0" b="0"/>
+      </a:lnRef>
+      <a:fillRef idx="1">
+        <a:scrgbClr r="0" g="0" b="0"/>
+      </a:fillRef>
+      <a:effectRef idx="0">
+        <a:scrgbClr r="0" g="0" b="0"/>
+      </a:effectRef>
+      <a:fontRef idx="minor"/>
+    </dgm:style>
+  </dgm:styleLbl>
+  <dgm:styleLbl name="fgAcc2">
+    <dgm:scene3d>
+      <a:camera prst="orthographicFront"/>
+      <a:lightRig rig="threePt" dir="t"/>
+    </dgm:scene3d>
+    <dgm:sp3d/>
+    <dgm:txPr/>
+    <dgm:style>
+      <a:lnRef idx="2">
+        <a:scrgbClr r="0" g="0" b="0"/>
+      </a:lnRef>
+      <a:fillRef idx="1">
+        <a:scrgbClr r="0" g="0" b="0"/>
+      </a:fillRef>
+      <a:effectRef idx="0">
+        <a:scrgbClr r="0" g="0" b="0"/>
+      </a:effectRef>
+      <a:fontRef idx="minor"/>
+    </dgm:style>
+  </dgm:styleLbl>
+  <dgm:styleLbl name="fgAcc3">
+    <dgm:scene3d>
+      <a:camera prst="orthographicFront"/>
+      <a:lightRig rig="threePt" dir="t"/>
+    </dgm:scene3d>
+    <dgm:sp3d/>
+    <dgm:txPr/>
+    <dgm:style>
+      <a:lnRef idx="2">
+        <a:scrgbClr r="0" g="0" b="0"/>
+      </a:lnRef>
+      <a:fillRef idx="1">
+        <a:scrgbClr r="0" g="0" b="0"/>
+      </a:fillRef>
+      <a:effectRef idx="0">
+        <a:scrgbClr r="0" g="0" b="0"/>
+      </a:effectRef>
+      <a:fontRef idx="minor"/>
+    </dgm:style>
+  </dgm:styleLbl>
+  <dgm:styleLbl name="fgAcc4">
+    <dgm:scene3d>
+      <a:camera prst="orthographicFront"/>
+      <a:lightRig rig="threePt" dir="t"/>
+    </dgm:scene3d>
+    <dgm:sp3d/>
+    <dgm:txPr/>
+    <dgm:style>
+      <a:lnRef idx="2">
+        <a:scrgbClr r="0" g="0" b="0"/>
+      </a:lnRef>
+      <a:fillRef idx="1">
+        <a:scrgbClr r="0" g="0" b="0"/>
+      </a:fillRef>
+      <a:effectRef idx="0">
+        <a:scrgbClr r="0" g="0" b="0"/>
+      </a:effectRef>
+      <a:fontRef idx="minor"/>
+    </dgm:style>
+  </dgm:styleLbl>
+  <dgm:styleLbl name="bgShp">
+    <dgm:scene3d>
+      <a:camera prst="orthographicFront"/>
+      <a:lightRig rig="threePt" dir="t"/>
+    </dgm:scene3d>
+    <dgm:sp3d/>
+    <dgm:txPr/>
+    <dgm:style>
+      <a:lnRef idx="0">
+        <a:scrgbClr r="0" g="0" b="0"/>
+      </a:lnRef>
+      <a:fillRef idx="1">
+        <a:scrgbClr r="0" g="0" b="0"/>
+      </a:fillRef>
+      <a:effectRef idx="0">
+        <a:scrgbClr r="0" g="0" b="0"/>
+      </a:effectRef>
+      <a:fontRef idx="minor"/>
+    </dgm:style>
+  </dgm:styleLbl>
+  <dgm:styleLbl name="dkBgShp">
+    <dgm:scene3d>
+      <a:camera prst="orthographicFront"/>
+      <a:lightRig rig="threePt" dir="t"/>
+    </dgm:scene3d>
+    <dgm:sp3d/>
+    <dgm:txPr/>
+    <dgm:style>
+      <a:lnRef idx="0">
+        <a:scrgbClr r="0" g="0" b="0"/>
+      </a:lnRef>
+      <a:fillRef idx="1">
+        <a:scrgbClr r="0" g="0" b="0"/>
+      </a:fillRef>
+      <a:effectRef idx="0">
+        <a:scrgbClr r="0" g="0" b="0"/>
+      </a:effectRef>
+      <a:fontRef idx="minor"/>
+    </dgm:style>
+  </dgm:styleLbl>
+  <dgm:styleLbl name="trBgShp">
+    <dgm:scene3d>
+      <a:camera prst="orthographicFront"/>
+      <a:lightRig rig="threePt" dir="t"/>
+    </dgm:scene3d>
+    <dgm:sp3d/>
+    <dgm:txPr/>
+    <dgm:style>
+      <a:lnRef idx="0">
+        <a:scrgbClr r="0" g="0" b="0"/>
+      </a:lnRef>
+      <a:fillRef idx="1">
+        <a:scrgbClr r="0" g="0" b="0"/>
+      </a:fillRef>
+      <a:effectRef idx="0">
+        <a:scrgbClr r="0" g="0" b="0"/>
+      </a:effectRef>
+      <a:fontRef idx="minor"/>
+    </dgm:style>
+  </dgm:styleLbl>
+  <dgm:styleLbl name="fgShp">
+    <dgm:scene3d>
+      <a:camera prst="orthographicFront"/>
+      <a:lightRig rig="threePt" dir="t"/>
+    </dgm:scene3d>
+    <dgm:sp3d/>
+    <dgm:txPr/>
+    <dgm:style>
+      <a:lnRef idx="2">
+        <a:scrgbClr r="0" g="0" b="0"/>
+      </a:lnRef>
+      <a:fillRef idx="1">
+        <a:scrgbClr r="0" g="0" b="0"/>
+      </a:fillRef>
+      <a:effectRef idx="0">
+        <a:scrgbClr r="0" g="0" b="0"/>
+      </a:effectRef>
+      <a:fontRef idx="minor"/>
+    </dgm:style>
+  </dgm:styleLbl>
+  <dgm:styleLbl name="revTx">
+    <dgm:scene3d>
+      <a:camera prst="orthographicFront"/>
+      <a:lightRig rig="threePt" dir="t"/>
+    </dgm:scene3d>
+    <dgm:sp3d/>
+    <dgm:txPr/>
+    <dgm:style>
+      <a:lnRef idx="0">
+        <a:scrgbClr r="0" g="0" b="0"/>
+      </a:lnRef>
+      <a:fillRef idx="0">
+        <a:scrgbClr r="0" g="0" b="0"/>
+      </a:fillRef>
+      <a:effectRef idx="0">
+        <a:scrgbClr r="0" g="0" b="0"/>
+      </a:effectRef>
+      <a:fontRef idx="minor"/>
+    </dgm:style>
+  </dgm:styleLbl>
+</dgm:styleDef>
+</file>
+
+<file path=ppt/diagrams/quickStyle15.xml><?xml version="1.0" encoding="utf-8"?>
+<dgm:styleDef xmlns:dgm="http://schemas.openxmlformats.org/drawingml/2006/diagram" xmlns:a="http://schemas.openxmlformats.org/drawingml/2006/main" uniqueId="urn:microsoft.com/office/officeart/2005/8/quickstyle/simple1">
+  <dgm:title val=""/>
+  <dgm:desc val=""/>
+  <dgm:catLst>
+    <dgm:cat type="simple" pri="10100"/>
+  </dgm:catLst>
+  <dgm:scene3d>
+    <a:camera prst="orthographicFront"/>
+    <a:lightRig rig="threePt" dir="t"/>
+  </dgm:scene3d>
+  <dgm:styleLbl name="node0">
+    <dgm:scene3d>
+      <a:camera prst="orthographicFront"/>
+      <a:lightRig rig="threePt" dir="t"/>
+    </dgm:scene3d>
+    <dgm:sp3d/>
+    <dgm:txPr/>
+    <dgm:style>
+      <a:lnRef idx="2">
+        <a:scrgbClr r="0" g="0" b="0"/>
+      </a:lnRef>
+      <a:fillRef idx="1">
+        <a:scrgbClr r="0" g="0" b="0"/>
+      </a:fillRef>
+      <a:effectRef idx="0">
+        <a:scrgbClr r="0" g="0" b="0"/>
+      </a:effectRef>
+      <a:fontRef idx="minor">
+        <a:schemeClr val="lt1"/>
+      </a:fontRef>
+    </dgm:style>
+  </dgm:styleLbl>
+  <dgm:styleLbl name="lnNode1">
+    <dgm:scene3d>
+      <a:camera prst="orthographicFront"/>
+      <a:lightRig rig="threePt" dir="t"/>
+    </dgm:scene3d>
+    <dgm:sp3d/>
+    <dgm:txPr/>
+    <dgm:style>
+      <a:lnRef idx="2">
+        <a:scrgbClr r="0" g="0" b="0"/>
+      </a:lnRef>
+      <a:fillRef idx="1">
+        <a:scrgbClr r="0" g="0" b="0"/>
+      </a:fillRef>
+      <a:effectRef idx="0">
+        <a:scrgbClr r="0" g="0" b="0"/>
+      </a:effectRef>
+      <a:fontRef idx="minor">
+        <a:schemeClr val="lt1"/>
+      </a:fontRef>
+    </dgm:style>
+  </dgm:styleLbl>
+  <dgm:styleLbl name="vennNode1">
+    <dgm:scene3d>
+      <a:camera prst="orthographicFront"/>
+      <a:lightRig rig="threePt" dir="t"/>
+    </dgm:scene3d>
+    <dgm:sp3d/>
+    <dgm:txPr/>
+    <dgm:style>
+      <a:lnRef idx="2">
+        <a:scrgbClr r="0" g="0" b="0"/>
+      </a:lnRef>
+      <a:fillRef idx="1">
+        <a:scrgbClr r="0" g="0" b="0"/>
+      </a:fillRef>
+      <a:effectRef idx="0">
+        <a:scrgbClr r="0" g="0" b="0"/>
+      </a:effectRef>
+      <a:fontRef idx="minor">
+        <a:schemeClr val="tx1"/>
+      </a:fontRef>
+    </dgm:style>
+  </dgm:styleLbl>
+  <dgm:styleLbl name="alignNode1">
+    <dgm:scene3d>
+      <a:camera prst="orthographicFront"/>
+      <a:lightRig rig="threePt" dir="t"/>
+    </dgm:scene3d>
+    <dgm:sp3d/>
+    <dgm:txPr/>
+    <dgm:style>
+      <a:lnRef idx="2">
+        <a:scrgbClr r="0" g="0" b="0"/>
+      </a:lnRef>
+      <a:fillRef idx="1">
+        <a:scrgbClr r="0" g="0" b="0"/>
+      </a:fillRef>
+      <a:effectRef idx="0">
+        <a:scrgbClr r="0" g="0" b="0"/>
+      </a:effectRef>
+      <a:fontRef idx="minor">
+        <a:schemeClr val="lt1"/>
+      </a:fontRef>
+    </dgm:style>
+  </dgm:styleLbl>
+  <dgm:styleLbl name="node1">
+    <dgm:scene3d>
+      <a:camera prst="orthographicFront"/>
+      <a:lightRig rig="threePt" dir="t"/>
+    </dgm:scene3d>
+    <dgm:sp3d/>
+    <dgm:txPr/>
+    <dgm:style>
+      <a:lnRef idx="2">
+        <a:scrgbClr r="0" g="0" b="0"/>
+      </a:lnRef>
+      <a:fillRef idx="1">
+        <a:scrgbClr r="0" g="0" b="0"/>
+      </a:fillRef>
+      <a:effectRef idx="0">
+        <a:scrgbClr r="0" g="0" b="0"/>
+      </a:effectRef>
+      <a:fontRef idx="minor">
+        <a:schemeClr val="lt1"/>
+      </a:fontRef>
+    </dgm:style>
+  </dgm:styleLbl>
+  <dgm:styleLbl name="node2">
+    <dgm:scene3d>
+      <a:camera prst="orthographicFront"/>
+      <a:lightRig rig="threePt" dir="t"/>
+    </dgm:scene3d>
+    <dgm:sp3d/>
+    <dgm:txPr/>
+    <dgm:style>
+      <a:lnRef idx="2">
+        <a:scrgbClr r="0" g="0" b="0"/>
+      </a:lnRef>
+      <a:fillRef idx="1">
+        <a:scrgbClr r="0" g="0" b="0"/>
+      </a:fillRef>
+      <a:effectRef idx="0">
+        <a:scrgbClr r="0" g="0" b="0"/>
+      </a:effectRef>
+      <a:fontRef idx="minor">
+        <a:schemeClr val="lt1"/>
+      </a:fontRef>
+    </dgm:style>
+  </dgm:styleLbl>
+  <dgm:styleLbl name="node3">
+    <dgm:scene3d>
+      <a:camera prst="orthographicFront"/>
+      <a:lightRig rig="threePt" dir="t"/>
+    </dgm:scene3d>
+    <dgm:sp3d/>
+    <dgm:txPr/>
+    <dgm:style>
+      <a:lnRef idx="2">
+        <a:scrgbClr r="0" g="0" b="0"/>
+      </a:lnRef>
+      <a:fillRef idx="1">
+        <a:scrgbClr r="0" g="0" b="0"/>
+      </a:fillRef>
+      <a:effectRef idx="0">
+        <a:scrgbClr r="0" g="0" b="0"/>
+      </a:effectRef>
+      <a:fontRef idx="minor">
+        <a:schemeClr val="lt1"/>
+      </a:fontRef>
+    </dgm:style>
+  </dgm:styleLbl>
+  <dgm:styleLbl name="node4">
+    <dgm:scene3d>
+      <a:camera prst="orthographicFront"/>
+      <a:lightRig rig="threePt" dir="t"/>
+    </dgm:scene3d>
+    <dgm:sp3d/>
+    <dgm:txPr/>
+    <dgm:style>
+      <a:lnRef idx="2">
+        <a:scrgbClr r="0" g="0" b="0"/>
+      </a:lnRef>
+      <a:fillRef idx="1">
+        <a:scrgbClr r="0" g="0" b="0"/>
+      </a:fillRef>
+      <a:effectRef idx="0">
+        <a:scrgbClr r="0" g="0" b="0"/>
+      </a:effectRef>
+      <a:fontRef idx="minor">
+        <a:schemeClr val="lt1"/>
+      </a:fontRef>
+    </dgm:style>
+  </dgm:styleLbl>
+  <dgm:styleLbl name="fgImgPlace1">
+    <dgm:scene3d>
+      <a:camera prst="orthographicFront"/>
+      <a:lightRig rig="threePt" dir="t"/>
+    </dgm:scene3d>
+    <dgm:sp3d/>
+    <dgm:txPr/>
+    <dgm:style>
+      <a:lnRef idx="2">
+        <a:scrgbClr r="0" g="0" b="0"/>
+      </a:lnRef>
+      <a:fillRef idx="1">
+        <a:scrgbClr r="0" g="0" b="0"/>
+      </a:fillRef>
+      <a:effectRef idx="0">
+        <a:scrgbClr r="0" g="0" b="0"/>
+      </a:effectRef>
+      <a:fontRef idx="minor"/>
+    </dgm:style>
+  </dgm:styleLbl>
+  <dgm:styleLbl name="alignImgPlace1">
+    <dgm:scene3d>
+      <a:camera prst="orthographicFront"/>
+      <a:lightRig rig="threePt" dir="t"/>
+    </dgm:scene3d>
+    <dgm:sp3d/>
+    <dgm:txPr/>
+    <dgm:style>
+      <a:lnRef idx="2">
+        <a:scrgbClr r="0" g="0" b="0"/>
+      </a:lnRef>
+      <a:fillRef idx="1">
+        <a:scrgbClr r="0" g="0" b="0"/>
+      </a:fillRef>
+      <a:effectRef idx="0">
+        <a:scrgbClr r="0" g="0" b="0"/>
+      </a:effectRef>
+      <a:fontRef idx="minor"/>
+    </dgm:style>
+  </dgm:styleLbl>
+  <dgm:styleLbl name="bgImgPlace1">
+    <dgm:scene3d>
+      <a:camera prst="orthographicFront"/>
+      <a:lightRig rig="threePt" dir="t"/>
+    </dgm:scene3d>
+    <dgm:sp3d/>
+    <dgm:txPr/>
+    <dgm:style>
+      <a:lnRef idx="2">
+        <a:scrgbClr r="0" g="0" b="0"/>
+      </a:lnRef>
+      <a:fillRef idx="1">
+        <a:scrgbClr r="0" g="0" b="0"/>
+      </a:fillRef>
+      <a:effectRef idx="0">
+        <a:scrgbClr r="0" g="0" b="0"/>
+      </a:effectRef>
+      <a:fontRef idx="minor"/>
+    </dgm:style>
+  </dgm:styleLbl>
+  <dgm:styleLbl name="sibTrans2D1">
+    <dgm:scene3d>
+      <a:camera prst="orthographicFront"/>
+      <a:lightRig rig="threePt" dir="t"/>
+    </dgm:scene3d>
+    <dgm:sp3d/>
+    <dgm:txPr/>
+    <dgm:style>
+      <a:lnRef idx="0">
+        <a:scrgbClr r="0" g="0" b="0"/>
+      </a:lnRef>
+      <a:fillRef idx="1">
+        <a:scrgbClr r="0" g="0" b="0"/>
+      </a:fillRef>
+      <a:effectRef idx="0">
+        <a:scrgbClr r="0" g="0" b="0"/>
+      </a:effectRef>
+      <a:fontRef idx="minor">
+        <a:schemeClr val="lt1"/>
+      </a:fontRef>
+    </dgm:style>
+  </dgm:styleLbl>
+  <dgm:styleLbl name="fgSibTrans2D1">
+    <dgm:scene3d>
+      <a:camera prst="orthographicFront"/>
+      <a:lightRig rig="threePt" dir="t"/>
+    </dgm:scene3d>
+    <dgm:sp3d/>
+    <dgm:txPr/>
+    <dgm:style>
+      <a:lnRef idx="0">
+        <a:scrgbClr r="0" g="0" b="0"/>
+      </a:lnRef>
+      <a:fillRef idx="1">
+        <a:scrgbClr r="0" g="0" b="0"/>
+      </a:fillRef>
+      <a:effectRef idx="0">
+        <a:scrgbClr r="0" g="0" b="0"/>
+      </a:effectRef>
+      <a:fontRef idx="minor">
+        <a:schemeClr val="lt1"/>
+      </a:fontRef>
+    </dgm:style>
+  </dgm:styleLbl>
+  <dgm:styleLbl name="bgSibTrans2D1">
+    <dgm:scene3d>
+      <a:camera prst="orthographicFront"/>
+      <a:lightRig rig="threePt" dir="t"/>
+    </dgm:scene3d>
+    <dgm:sp3d/>
+    <dgm:txPr/>
+    <dgm:style>
+      <a:lnRef idx="0">
+        <a:scrgbClr r="0" g="0" b="0"/>
+      </a:lnRef>
+      <a:fillRef idx="1">
+        <a:scrgbClr r="0" g="0" b="0"/>
+      </a:fillRef>
+      <a:effectRef idx="0">
+        <a:scrgbClr r="0" g="0" b="0"/>
+      </a:effectRef>
+      <a:fontRef idx="minor">
+        <a:schemeClr val="lt1"/>
+      </a:fontRef>
+    </dgm:style>
+  </dgm:styleLbl>
+  <dgm:styleLbl name="sibTrans1D1">
+    <dgm:scene3d>
+      <a:camera prst="orthographicFront"/>
+      <a:lightRig rig="threePt" dir="t"/>
+    </dgm:scene3d>
+    <dgm:sp3d/>
+    <dgm:txPr/>
+    <dgm:style>
+      <a:lnRef idx="1">
+        <a:scrgbClr r="0" g="0" b="0"/>
+      </a:lnRef>
+      <a:fillRef idx="0">
+        <a:scrgbClr r="0" g="0" b="0"/>
+      </a:fillRef>
+      <a:effectRef idx="0">
+        <a:scrgbClr r="0" g="0" b="0"/>
+      </a:effectRef>
+      <a:fontRef idx="minor"/>
+    </dgm:style>
+  </dgm:styleLbl>
+  <dgm:styleLbl name="callout">
+    <dgm:scene3d>
+      <a:camera prst="orthographicFront"/>
+      <a:lightRig rig="threePt" dir="t"/>
+    </dgm:scene3d>
+    <dgm:sp3d/>
+    <dgm:txPr/>
+    <dgm:style>
+      <a:lnRef idx="2">
+        <a:scrgbClr r="0" g="0" b="0"/>
+      </a:lnRef>
+      <a:fillRef idx="1">
+        <a:scrgbClr r="0" g="0" b="0"/>
+      </a:fillRef>
+      <a:effectRef idx="0">
+        <a:scrgbClr r="0" g="0" b="0"/>
+      </a:effectRef>
+      <a:fontRef idx="minor"/>
+    </dgm:style>
+  </dgm:styleLbl>
+  <dgm:styleLbl name="asst0">
+    <dgm:scene3d>
+      <a:camera prst="orthographicFront"/>
+      <a:lightRig rig="threePt" dir="t"/>
+    </dgm:scene3d>
+    <dgm:sp3d/>
+    <dgm:txPr/>
+    <dgm:style>
+      <a:lnRef idx="2">
+        <a:scrgbClr r="0" g="0" b="0"/>
+      </a:lnRef>
+      <a:fillRef idx="1">
+        <a:scrgbClr r="0" g="0" b="0"/>
+      </a:fillRef>
+      <a:effectRef idx="0">
+        <a:scrgbClr r="0" g="0" b="0"/>
+      </a:effectRef>
+      <a:fontRef idx="minor">
+        <a:schemeClr val="lt1"/>
+      </a:fontRef>
+    </dgm:style>
+  </dgm:styleLbl>
+  <dgm:styleLbl name="asst1">
+    <dgm:scene3d>
+      <a:camera prst="orthographicFront"/>
+      <a:lightRig rig="threePt" dir="t"/>
+    </dgm:scene3d>
+    <dgm:sp3d/>
+    <dgm:txPr/>
+    <dgm:style>
+      <a:lnRef idx="2">
+        <a:scrgbClr r="0" g="0" b="0"/>
+      </a:lnRef>
+      <a:fillRef idx="1">
+        <a:scrgbClr r="0" g="0" b="0"/>
+      </a:fillRef>
+      <a:effectRef idx="0">
+        <a:scrgbClr r="0" g="0" b="0"/>
+      </a:effectRef>
+      <a:fontRef idx="minor">
+        <a:schemeClr val="lt1"/>
+      </a:fontRef>
+    </dgm:style>
+  </dgm:styleLbl>
+  <dgm:styleLbl name="asst2">
+    <dgm:scene3d>
+      <a:camera prst="orthographicFront"/>
+      <a:lightRig rig="threePt" dir="t"/>
+    </dgm:scene3d>
+    <dgm:sp3d/>
+    <dgm:txPr/>
+    <dgm:style>
+      <a:lnRef idx="2">
+        <a:scrgbClr r="0" g="0" b="0"/>
+      </a:lnRef>
+      <a:fillRef idx="1">
+        <a:scrgbClr r="0" g="0" b="0"/>
+      </a:fillRef>
+      <a:effectRef idx="0">
+        <a:scrgbClr r="0" g="0" b="0"/>
+      </a:effectRef>
+      <a:fontRef idx="minor">
+        <a:schemeClr val="lt1"/>
+      </a:fontRef>
+    </dgm:style>
+  </dgm:styleLbl>
+  <dgm:styleLbl name="asst3">
+    <dgm:scene3d>
+      <a:camera prst="orthographicFront"/>
+      <a:lightRig rig="threePt" dir="t"/>
+    </dgm:scene3d>
+    <dgm:sp3d/>
+    <dgm:txPr/>
+    <dgm:style>
+      <a:lnRef idx="2">
+        <a:scrgbClr r="0" g="0" b="0"/>
+      </a:lnRef>
+      <a:fillRef idx="1">
+        <a:scrgbClr r="0" g="0" b="0"/>
+      </a:fillRef>
+      <a:effectRef idx="0">
+        <a:scrgbClr r="0" g="0" b="0"/>
+      </a:effectRef>
+      <a:fontRef idx="minor">
+        <a:schemeClr val="lt1"/>
+      </a:fontRef>
+    </dgm:style>
+  </dgm:styleLbl>
+  <dgm:styleLbl name="asst4">
+    <dgm:scene3d>
+      <a:camera prst="orthographicFront"/>
+      <a:lightRig rig="threePt" dir="t"/>
+    </dgm:scene3d>
+    <dgm:sp3d/>
+    <dgm:txPr/>
+    <dgm:style>
+      <a:lnRef idx="2">
+        <a:scrgbClr r="0" g="0" b="0"/>
+      </a:lnRef>
+      <a:fillRef idx="1">
+        <a:scrgbClr r="0" g="0" b="0"/>
+      </a:fillRef>
+      <a:effectRef idx="0">
+        <a:scrgbClr r="0" g="0" b="0"/>
+      </a:effectRef>
+      <a:fontRef idx="minor">
+        <a:schemeClr val="lt1"/>
+      </a:fontRef>
+    </dgm:style>
+  </dgm:styleLbl>
+  <dgm:styleLbl name="parChTrans2D1">
+    <dgm:scene3d>
+      <a:camera prst="orthographicFront"/>
+      <a:lightRig rig="threePt" dir="t"/>
+    </dgm:scene3d>
+    <dgm:sp3d/>
+    <dgm:txPr/>
+    <dgm:style>
+      <a:lnRef idx="2">
+        <a:scrgbClr r="0" g="0" b="0"/>
+      </a:lnRef>
+      <a:fillRef idx="1">
+        <a:scrgbClr r="0" g="0" b="0"/>
+      </a:fillRef>
+      <a:effectRef idx="0">
+        <a:scrgbClr r="0" g="0" b="0"/>
+      </a:effectRef>
+      <a:fontRef idx="minor">
+        <a:schemeClr val="lt1"/>
+      </a:fontRef>
+    </dgm:style>
+  </dgm:styleLbl>
+  <dgm:styleLbl name="parChTrans2D2">
+    <dgm:scene3d>
+      <a:camera prst="orthographicFront"/>
+      <a:lightRig rig="threePt" dir="t"/>
+    </dgm:scene3d>
+    <dgm:sp3d/>
+    <dgm:txPr/>
+    <dgm:style>
+      <a:lnRef idx="2">
+        <a:scrgbClr r="0" g="0" b="0"/>
+      </a:lnRef>
+      <a:fillRef idx="1">
+        <a:scrgbClr r="0" g="0" b="0"/>
+      </a:fillRef>
+      <a:effectRef idx="0">
+        <a:scrgbClr r="0" g="0" b="0"/>
+      </a:effectRef>
+      <a:fontRef idx="minor">
+        <a:schemeClr val="lt1"/>
+      </a:fontRef>
+    </dgm:style>
+  </dgm:styleLbl>
+  <dgm:styleLbl name="parChTrans2D3">
+    <dgm:scene3d>
+      <a:camera prst="orthographicFront"/>
+      <a:lightRig rig="threePt" dir="t"/>
+    </dgm:scene3d>
+    <dgm:sp3d/>
+    <dgm:txPr/>
+    <dgm:style>
+      <a:lnRef idx="2">
+        <a:scrgbClr r="0" g="0" b="0"/>
+      </a:lnRef>
+      <a:fillRef idx="1">
+        <a:scrgbClr r="0" g="0" b="0"/>
+      </a:fillRef>
+      <a:effectRef idx="0">
+        <a:scrgbClr r="0" g="0" b="0"/>
+      </a:effectRef>
+      <a:fontRef idx="minor">
+        <a:schemeClr val="lt1"/>
+      </a:fontRef>
+    </dgm:style>
+  </dgm:styleLbl>
+  <dgm:styleLbl name="parChTrans2D4">
+    <dgm:scene3d>
+      <a:camera prst="orthographicFront"/>
+      <a:lightRig rig="threePt" dir="t"/>
+    </dgm:scene3d>
+    <dgm:sp3d/>
+    <dgm:txPr/>
+    <dgm:style>
+      <a:lnRef idx="2">
+        <a:scrgbClr r="0" g="0" b="0"/>
+      </a:lnRef>
+      <a:fillRef idx="1">
+        <a:scrgbClr r="0" g="0" b="0"/>
+      </a:fillRef>
+      <a:effectRef idx="0">
+        <a:scrgbClr r="0" g="0" b="0"/>
+      </a:effectRef>
+      <a:fontRef idx="minor">
+        <a:schemeClr val="lt1"/>
+      </a:fontRef>
+    </dgm:style>
+  </dgm:styleLbl>
+  <dgm:styleLbl name="parChTrans1D1">
+    <dgm:scene3d>
+      <a:camera prst="orthographicFront"/>
+      <a:lightRig rig="threePt" dir="t"/>
+    </dgm:scene3d>
+    <dgm:sp3d/>
+    <dgm:txPr/>
+    <dgm:style>
+      <a:lnRef idx="2">
+        <a:scrgbClr r="0" g="0" b="0"/>
+      </a:lnRef>
+      <a:fillRef idx="0">
+        <a:scrgbClr r="0" g="0" b="0"/>
+      </a:fillRef>
+      <a:effectRef idx="0">
+        <a:scrgbClr r="0" g="0" b="0"/>
+      </a:effectRef>
+      <a:fontRef idx="minor"/>
+    </dgm:style>
+  </dgm:styleLbl>
+  <dgm:styleLbl name="parChTrans1D2">
+    <dgm:scene3d>
+      <a:camera prst="orthographicFront"/>
+      <a:lightRig rig="threePt" dir="t"/>
+    </dgm:scene3d>
+    <dgm:sp3d/>
+    <dgm:txPr/>
+    <dgm:style>
+      <a:lnRef idx="2">
+        <a:scrgbClr r="0" g="0" b="0"/>
+      </a:lnRef>
+      <a:fillRef idx="0">
+        <a:scrgbClr r="0" g="0" b="0"/>
+      </a:fillRef>
+      <a:effectRef idx="0">
+        <a:scrgbClr r="0" g="0" b="0"/>
+      </a:effectRef>
+      <a:fontRef idx="minor"/>
+    </dgm:style>
+  </dgm:styleLbl>
+  <dgm:styleLbl name="parChTrans1D3">
+    <dgm:scene3d>
+      <a:camera prst="orthographicFront"/>
+      <a:lightRig rig="threePt" dir="t"/>
+    </dgm:scene3d>
+    <dgm:sp3d/>
+    <dgm:txPr/>
+    <dgm:style>
+      <a:lnRef idx="2">
+        <a:scrgbClr r="0" g="0" b="0"/>
+      </a:lnRef>
+      <a:fillRef idx="0">
+        <a:scrgbClr r="0" g="0" b="0"/>
+      </a:fillRef>
+      <a:effectRef idx="0">
+        <a:scrgbClr r="0" g="0" b="0"/>
+      </a:effectRef>
+      <a:fontRef idx="minor"/>
+    </dgm:style>
+  </dgm:styleLbl>
+  <dgm:styleLbl name="parChTrans1D4">
+    <dgm:scene3d>
+      <a:camera prst="orthographicFront"/>
+      <a:lightRig rig="threePt" dir="t"/>
+    </dgm:scene3d>
+    <dgm:sp3d/>
+    <dgm:txPr/>
+    <dgm:style>
+      <a:lnRef idx="2">
+        <a:scrgbClr r="0" g="0" b="0"/>
+      </a:lnRef>
+      <a:fillRef idx="0">
+        <a:scrgbClr r="0" g="0" b="0"/>
+      </a:fillRef>
+      <a:effectRef idx="0">
+        <a:scrgbClr r="0" g="0" b="0"/>
+      </a:effectRef>
+      <a:fontRef idx="minor"/>
+    </dgm:style>
+  </dgm:styleLbl>
+  <dgm:styleLbl name="fgAcc1">
+    <dgm:scene3d>
+      <a:camera prst="orthographicFront"/>
+      <a:lightRig rig="threePt" dir="t"/>
+    </dgm:scene3d>
+    <dgm:sp3d/>
+    <dgm:txPr/>
+    <dgm:style>
+      <a:lnRef idx="2">
+        <a:scrgbClr r="0" g="0" b="0"/>
+      </a:lnRef>
+      <a:fillRef idx="1">
+        <a:scrgbClr r="0" g="0" b="0"/>
+      </a:fillRef>
+      <a:effectRef idx="0">
+        <a:scrgbClr r="0" g="0" b="0"/>
+      </a:effectRef>
+      <a:fontRef idx="minor"/>
+    </dgm:style>
+  </dgm:styleLbl>
+  <dgm:styleLbl name="conFgAcc1">
+    <dgm:scene3d>
+      <a:camera prst="orthographicFront"/>
+      <a:lightRig rig="threePt" dir="t"/>
+    </dgm:scene3d>
+    <dgm:sp3d/>
+    <dgm:txPr/>
+    <dgm:style>
+      <a:lnRef idx="2">
+        <a:scrgbClr r="0" g="0" b="0"/>
+      </a:lnRef>
+      <a:fillRef idx="1">
+        <a:scrgbClr r="0" g="0" b="0"/>
+      </a:fillRef>
+      <a:effectRef idx="0">
+        <a:scrgbClr r="0" g="0" b="0"/>
+      </a:effectRef>
+      <a:fontRef idx="minor"/>
+    </dgm:style>
+  </dgm:styleLbl>
+  <dgm:styleLbl name="alignAcc1">
+    <dgm:scene3d>
+      <a:camera prst="orthographicFront"/>
+      <a:lightRig rig="threePt" dir="t"/>
+    </dgm:scene3d>
+    <dgm:sp3d/>
+    <dgm:txPr/>
+    <dgm:style>
+      <a:lnRef idx="2">
+        <a:scrgbClr r="0" g="0" b="0"/>
+      </a:lnRef>
+      <a:fillRef idx="1">
+        <a:scrgbClr r="0" g="0" b="0"/>
+      </a:fillRef>
+      <a:effectRef idx="0">
+        <a:scrgbClr r="0" g="0" b="0"/>
+      </a:effectRef>
+      <a:fontRef idx="minor"/>
+    </dgm:style>
+  </dgm:styleLbl>
+  <dgm:styleLbl name="trAlignAcc1">
+    <dgm:scene3d>
+      <a:camera prst="orthographicFront"/>
+      <a:lightRig rig="threePt" dir="t"/>
+    </dgm:scene3d>
+    <dgm:sp3d/>
+    <dgm:txPr/>
+    <dgm:style>
+      <a:lnRef idx="1">
+        <a:scrgbClr r="0" g="0" b="0"/>
+      </a:lnRef>
+      <a:fillRef idx="1">
+        <a:scrgbClr r="0" g="0" b="0"/>
+      </a:fillRef>
+      <a:effectRef idx="0">
+        <a:scrgbClr r="0" g="0" b="0"/>
+      </a:effectRef>
+      <a:fontRef idx="minor"/>
+    </dgm:style>
+  </dgm:styleLbl>
+  <dgm:styleLbl name="bgAcc1">
+    <dgm:scene3d>
+      <a:camera prst="orthographicFront"/>
+      <a:lightRig rig="threePt" dir="t"/>
+    </dgm:scene3d>
+    <dgm:sp3d/>
+    <dgm:txPr/>
+    <dgm:style>
+      <a:lnRef idx="2">
+        <a:scrgbClr r="0" g="0" b="0"/>
+      </a:lnRef>
+      <a:fillRef idx="1">
+        <a:scrgbClr r="0" g="0" b="0"/>
+      </a:fillRef>
+      <a:effectRef idx="0">
+        <a:scrgbClr r="0" g="0" b="0"/>
+      </a:effectRef>
+      <a:fontRef idx="minor"/>
+    </dgm:style>
+  </dgm:styleLbl>
+  <dgm:styleLbl name="solidFgAcc1">
+    <dgm:scene3d>
+      <a:camera prst="orthographicFront"/>
+      <a:lightRig rig="threePt" dir="t"/>
+    </dgm:scene3d>
+    <dgm:sp3d/>
+    <dgm:txPr/>
+    <dgm:style>
+      <a:lnRef idx="2">
+        <a:scrgbClr r="0" g="0" b="0"/>
+      </a:lnRef>
+      <a:fillRef idx="1">
+        <a:scrgbClr r="0" g="0" b="0"/>
+      </a:fillRef>
+      <a:effectRef idx="0">
+        <a:scrgbClr r="0" g="0" b="0"/>
+      </a:effectRef>
+      <a:fontRef idx="minor"/>
+    </dgm:style>
+  </dgm:styleLbl>
+  <dgm:styleLbl name="solidAlignAcc1">
+    <dgm:scene3d>
+      <a:camera prst="orthographicFront"/>
+      <a:lightRig rig="threePt" dir="t"/>
+    </dgm:scene3d>
+    <dgm:sp3d/>
+    <dgm:txPr/>
+    <dgm:style>
+      <a:lnRef idx="2">
+        <a:scrgbClr r="0" g="0" b="0"/>
+      </a:lnRef>
+      <a:fillRef idx="1">
+        <a:scrgbClr r="0" g="0" b="0"/>
+      </a:fillRef>
+      <a:effectRef idx="0">
+        <a:scrgbClr r="0" g="0" b="0"/>
+      </a:effectRef>
+      <a:fontRef idx="minor"/>
+    </dgm:style>
+  </dgm:styleLbl>
+  <dgm:styleLbl name="solidBgAcc1">
+    <dgm:scene3d>
+      <a:camera prst="orthographicFront"/>
+      <a:lightRig rig="threePt" dir="t"/>
+    </dgm:scene3d>
+    <dgm:sp3d/>
+    <dgm:txPr/>
+    <dgm:style>
+      <a:lnRef idx="2">
+        <a:scrgbClr r="0" g="0" b="0"/>
+      </a:lnRef>
+      <a:fillRef idx="1">
+        <a:scrgbClr r="0" g="0" b="0"/>
+      </a:fillRef>
+      <a:effectRef idx="0">
+        <a:scrgbClr r="0" g="0" b="0"/>
+      </a:effectRef>
+      <a:fontRef idx="minor"/>
+    </dgm:style>
+  </dgm:styleLbl>
+  <dgm:styleLbl name="fgAccFollowNode1">
+    <dgm:scene3d>
+      <a:camera prst="orthographicFront"/>
+      <a:lightRig rig="threePt" dir="t"/>
+    </dgm:scene3d>
+    <dgm:sp3d/>
+    <dgm:txPr/>
+    <dgm:style>
+      <a:lnRef idx="2">
+        <a:scrgbClr r="0" g="0" b="0"/>
+      </a:lnRef>
+      <a:fillRef idx="1">
+        <a:scrgbClr r="0" g="0" b="0"/>
+      </a:fillRef>
+      <a:effectRef idx="0">
+        <a:scrgbClr r="0" g="0" b="0"/>
+      </a:effectRef>
+      <a:fontRef idx="minor"/>
+    </dgm:style>
+  </dgm:styleLbl>
+  <dgm:styleLbl name="alignAccFollowNode1">
+    <dgm:scene3d>
+      <a:camera prst="orthographicFront"/>
+      <a:lightRig rig="threePt" dir="t"/>
+    </dgm:scene3d>
+    <dgm:sp3d/>
+    <dgm:txPr/>
+    <dgm:style>
+      <a:lnRef idx="2">
+        <a:scrgbClr r="0" g="0" b="0"/>
+      </a:lnRef>
+      <a:fillRef idx="1">
+        <a:scrgbClr r="0" g="0" b="0"/>
+      </a:fillRef>
+      <a:effectRef idx="0">
+        <a:scrgbClr r="0" g="0" b="0"/>
+      </a:effectRef>
+      <a:fontRef idx="minor"/>
+    </dgm:style>
+  </dgm:styleLbl>
+  <dgm:styleLbl name="bgAccFollowNode1">
+    <dgm:scene3d>
+      <a:camera prst="orthographicFront"/>
+      <a:lightRig rig="threePt" dir="t"/>
+    </dgm:scene3d>
+    <dgm:sp3d/>
+    <dgm:txPr/>
+    <dgm:style>
+      <a:lnRef idx="2">
+        <a:scrgbClr r="0" g="0" b="0"/>
+      </a:lnRef>
+      <a:fillRef idx="1">
+        <a:scrgbClr r="0" g="0" b="0"/>
+      </a:fillRef>
+      <a:effectRef idx="0">
+        <a:scrgbClr r="0" g="0" b="0"/>
+      </a:effectRef>
+      <a:fontRef idx="minor"/>
+    </dgm:style>
+  </dgm:styleLbl>
+  <dgm:styleLbl name="fgAcc0">
+    <dgm:scene3d>
+      <a:camera prst="orthographicFront"/>
+      <a:lightRig rig="threePt" dir="t"/>
+    </dgm:scene3d>
+    <dgm:sp3d/>
+    <dgm:txPr/>
+    <dgm:style>
+      <a:lnRef idx="2">
+        <a:scrgbClr r="0" g="0" b="0"/>
+      </a:lnRef>
+      <a:fillRef idx="1">
+        <a:scrgbClr r="0" g="0" b="0"/>
+      </a:fillRef>
+      <a:effectRef idx="0">
+        <a:scrgbClr r="0" g="0" b="0"/>
+      </a:effectRef>
+      <a:fontRef idx="minor"/>
+    </dgm:style>
+  </dgm:styleLbl>
+  <dgm:styleLbl name="fgAcc2">
+    <dgm:scene3d>
+      <a:camera prst="orthographicFront"/>
+      <a:lightRig rig="threePt" dir="t"/>
+    </dgm:scene3d>
+    <dgm:sp3d/>
+    <dgm:txPr/>
+    <dgm:style>
+      <a:lnRef idx="2">
+        <a:scrgbClr r="0" g="0" b="0"/>
+      </a:lnRef>
+      <a:fillRef idx="1">
+        <a:scrgbClr r="0" g="0" b="0"/>
+      </a:fillRef>
+      <a:effectRef idx="0">
+        <a:scrgbClr r="0" g="0" b="0"/>
+      </a:effectRef>
+      <a:fontRef idx="minor"/>
+    </dgm:style>
+  </dgm:styleLbl>
+  <dgm:styleLbl name="fgAcc3">
+    <dgm:scene3d>
+      <a:camera prst="orthographicFront"/>
+      <a:lightRig rig="threePt" dir="t"/>
+    </dgm:scene3d>
+    <dgm:sp3d/>
+    <dgm:txPr/>
+    <dgm:style>
+      <a:lnRef idx="2">
+        <a:scrgbClr r="0" g="0" b="0"/>
+      </a:lnRef>
+      <a:fillRef idx="1">
+        <a:scrgbClr r="0" g="0" b="0"/>
+      </a:fillRef>
+      <a:effectRef idx="0">
+        <a:scrgbClr r="0" g="0" b="0"/>
+      </a:effectRef>
+      <a:fontRef idx="minor"/>
+    </dgm:style>
+  </dgm:styleLbl>
+  <dgm:styleLbl name="fgAcc4">
+    <dgm:scene3d>
+      <a:camera prst="orthographicFront"/>
+      <a:lightRig rig="threePt" dir="t"/>
+    </dgm:scene3d>
+    <dgm:sp3d/>
+    <dgm:txPr/>
+    <dgm:style>
+      <a:lnRef idx="2">
+        <a:scrgbClr r="0" g="0" b="0"/>
+      </a:lnRef>
+      <a:fillRef idx="1">
+        <a:scrgbClr r="0" g="0" b="0"/>
+      </a:fillRef>
+      <a:effectRef idx="0">
+        <a:scrgbClr r="0" g="0" b="0"/>
+      </a:effectRef>
+      <a:fontRef idx="minor"/>
+    </dgm:style>
+  </dgm:styleLbl>
+  <dgm:styleLbl name="bgShp">
+    <dgm:scene3d>
+      <a:camera prst="orthographicFront"/>
+      <a:lightRig rig="threePt" dir="t"/>
+    </dgm:scene3d>
+    <dgm:sp3d/>
+    <dgm:txPr/>
+    <dgm:style>
+      <a:lnRef idx="0">
+        <a:scrgbClr r="0" g="0" b="0"/>
+      </a:lnRef>
+      <a:fillRef idx="1">
+        <a:scrgbClr r="0" g="0" b="0"/>
+      </a:fillRef>
+      <a:effectRef idx="0">
+        <a:scrgbClr r="0" g="0" b="0"/>
+      </a:effectRef>
+      <a:fontRef idx="minor"/>
+    </dgm:style>
+  </dgm:styleLbl>
+  <dgm:styleLbl name="dkBgShp">
+    <dgm:scene3d>
+      <a:camera prst="orthographicFront"/>
+      <a:lightRig rig="threePt" dir="t"/>
+    </dgm:scene3d>
+    <dgm:sp3d/>
+    <dgm:txPr/>
+    <dgm:style>
+      <a:lnRef idx="0">
+        <a:scrgbClr r="0" g="0" b="0"/>
+      </a:lnRef>
+      <a:fillRef idx="1">
+        <a:scrgbClr r="0" g="0" b="0"/>
+      </a:fillRef>
+      <a:effectRef idx="0">
+        <a:scrgbClr r="0" g="0" b="0"/>
+      </a:effectRef>
+      <a:fontRef idx="minor"/>
+    </dgm:style>
+  </dgm:styleLbl>
+  <dgm:styleLbl name="trBgShp">
+    <dgm:scene3d>
+      <a:camera prst="orthographicFront"/>
+      <a:lightRig rig="threePt" dir="t"/>
+    </dgm:scene3d>
+    <dgm:sp3d/>
+    <dgm:txPr/>
+    <dgm:style>
+      <a:lnRef idx="0">
+        <a:scrgbClr r="0" g="0" b="0"/>
+      </a:lnRef>
+      <a:fillRef idx="1">
+        <a:scrgbClr r="0" g="0" b="0"/>
+      </a:fillRef>
+      <a:effectRef idx="0">
+        <a:scrgbClr r="0" g="0" b="0"/>
+      </a:effectRef>
+      <a:fontRef idx="minor"/>
+    </dgm:style>
+  </dgm:styleLbl>
+  <dgm:styleLbl name="fgShp">
+    <dgm:scene3d>
+      <a:camera prst="orthographicFront"/>
+      <a:lightRig rig="threePt" dir="t"/>
+    </dgm:scene3d>
+    <dgm:sp3d/>
+    <dgm:txPr/>
+    <dgm:style>
+      <a:lnRef idx="2">
+        <a:scrgbClr r="0" g="0" b="0"/>
+      </a:lnRef>
+      <a:fillRef idx="1">
+        <a:scrgbClr r="0" g="0" b="0"/>
+      </a:fillRef>
+      <a:effectRef idx="0">
+        <a:scrgbClr r="0" g="0" b="0"/>
+      </a:effectRef>
+      <a:fontRef idx="minor"/>
+    </dgm:style>
+  </dgm:styleLbl>
+  <dgm:styleLbl name="revTx">
+    <dgm:scene3d>
+      <a:camera prst="orthographicFront"/>
+      <a:lightRig rig="threePt" dir="t"/>
+    </dgm:scene3d>
+    <dgm:sp3d/>
+    <dgm:txPr/>
+    <dgm:style>
+      <a:lnRef idx="0">
+        <a:scrgbClr r="0" g="0" b="0"/>
+      </a:lnRef>
+      <a:fillRef idx="0">
+        <a:scrgbClr r="0" g="0" b="0"/>
+      </a:fillRef>
+      <a:effectRef idx="0">
+        <a:scrgbClr r="0" g="0" b="0"/>
+      </a:effectRef>
+      <a:fontRef idx="minor"/>
+    </dgm:style>
+  </dgm:styleLbl>
+</dgm:styleDef>
+</file>
+
 <file path=ppt/diagrams/quickStyle2.xml><?xml version="1.0" encoding="utf-8"?>
 <dgm:styleDef xmlns:dgm="http://schemas.openxmlformats.org/drawingml/2006/diagram" xmlns:a="http://schemas.openxmlformats.org/drawingml/2006/main" uniqueId="urn:microsoft.com/office/officeart/2005/8/quickstyle/simple1">
   <dgm:title val=""/>
@@ -40842,6 +46908,300 @@
           <a:p>
             <a:r>
               <a:rPr lang="de-DE" dirty="0" smtClean="0"/>
+              <a:t>Lineares</a:t>
+            </a:r>
+            <a:r>
+              <a:rPr lang="de-DE" baseline="0" dirty="0" smtClean="0"/>
+              <a:t> Vorgehensmodell</a:t>
+            </a:r>
+          </a:p>
+          <a:p>
+            <a:r>
+              <a:rPr lang="de-DE" baseline="0" dirty="0" smtClean="0"/>
+              <a:t>Rücksprung bei Fehlern</a:t>
+            </a:r>
+          </a:p>
+          <a:p>
+            <a:r>
+              <a:rPr lang="de-DE" baseline="0" dirty="0" smtClean="0"/>
+              <a:t>Vier Phasen</a:t>
+            </a:r>
+          </a:p>
+          <a:p>
+            <a:r>
+              <a:rPr lang="de-DE" baseline="0" dirty="0" smtClean="0"/>
+              <a:t>Meilensteine festgelegt, Doku Anhang D</a:t>
+            </a:r>
+          </a:p>
+          <a:p>
+            <a:r>
+              <a:rPr lang="de-DE" baseline="0" dirty="0" smtClean="0"/>
+              <a:t>Zeiten : </a:t>
+            </a:r>
+            <a:r>
+              <a:rPr lang="de-DE" dirty="0" smtClean="0"/>
+              <a:t>Nach meiner Einschätzung durch Erfahrungen</a:t>
+            </a:r>
+            <a:r>
+              <a:rPr lang="de-DE" baseline="0" dirty="0" smtClean="0"/>
+              <a:t> in der </a:t>
+            </a:r>
+            <a:r>
+              <a:rPr lang="de-DE" baseline="0" dirty="0" err="1" smtClean="0"/>
+              <a:t>Ausb</a:t>
+            </a:r>
+            <a:r>
+              <a:rPr lang="de-DE" baseline="0" dirty="0" smtClean="0"/>
+              <a:t>.</a:t>
+            </a:r>
+            <a:endParaRPr lang="de-DE" dirty="0" smtClean="0"/>
+          </a:p>
+          <a:p>
+            <a:endParaRPr lang="de-DE" dirty="0" smtClean="0"/>
+          </a:p>
+          <a:p>
+            <a:r>
+              <a:rPr lang="de-DE" baseline="0" dirty="0" smtClean="0"/>
+              <a:t>Bemerkung:	In der Doku sind die falschen Zeiten eingetragen wurden, diese wurden hier korrigiert.</a:t>
+            </a:r>
+          </a:p>
+        </p:txBody>
+      </p:sp>
+      <p:sp>
+        <p:nvSpPr>
+          <p:cNvPr id="4" name="Foliennummernplatzhalter 3"/>
+          <p:cNvSpPr>
+            <a:spLocks noGrp="1"/>
+          </p:cNvSpPr>
+          <p:nvPr>
+            <p:ph type="sldNum" sz="quarter" idx="10"/>
+          </p:nvPr>
+        </p:nvSpPr>
+        <p:spPr/>
+        <p:txBody>
+          <a:bodyPr/>
+          <a:lstStyle/>
+          <a:p>
+            <a:fld id="{79528780-B50E-4B80-93E6-B6789B46CC7B}" type="slidenum">
+              <a:rPr lang="de-DE" smtClean="0"/>
+              <a:pPr/>
+              <a:t>11</a:t>
+            </a:fld>
+            <a:endParaRPr lang="de-DE" dirty="0"/>
+          </a:p>
+        </p:txBody>
+      </p:sp>
+    </p:spTree>
+    <p:extLst>
+      <p:ext uri="{BB962C8B-B14F-4D97-AF65-F5344CB8AC3E}">
+        <p14:creationId xmlns:p14="http://schemas.microsoft.com/office/powerpoint/2010/main" val="683235205"/>
+      </p:ext>
+    </p:extLst>
+  </p:cSld>
+  <p:clrMapOvr>
+    <a:masterClrMapping/>
+  </p:clrMapOvr>
+</p:notes>
+</file>
+
+<file path=ppt/notesSlides/notesSlide12.xml><?xml version="1.0" encoding="utf-8"?>
+<p:notes xmlns:a="http://schemas.openxmlformats.org/drawingml/2006/main" xmlns:r="http://schemas.openxmlformats.org/officeDocument/2006/relationships" xmlns:p="http://schemas.openxmlformats.org/presentationml/2006/main">
+  <p:cSld>
+    <p:spTree>
+      <p:nvGrpSpPr>
+        <p:cNvPr id="1" name=""/>
+        <p:cNvGrpSpPr/>
+        <p:nvPr/>
+      </p:nvGrpSpPr>
+      <p:grpSpPr>
+        <a:xfrm>
+          <a:off x="0" y="0"/>
+          <a:ext cx="0" cy="0"/>
+          <a:chOff x="0" y="0"/>
+          <a:chExt cx="0" cy="0"/>
+        </a:xfrm>
+      </p:grpSpPr>
+      <p:sp>
+        <p:nvSpPr>
+          <p:cNvPr id="2" name="Folienbildplatzhalter 1"/>
+          <p:cNvSpPr>
+            <a:spLocks noGrp="1" noRot="1" noChangeAspect="1"/>
+          </p:cNvSpPr>
+          <p:nvPr>
+            <p:ph type="sldImg"/>
+          </p:nvPr>
+        </p:nvSpPr>
+        <p:spPr>
+          <a:xfrm>
+            <a:off x="292100" y="704850"/>
+            <a:ext cx="6135688" cy="3452813"/>
+          </a:xfrm>
+        </p:spPr>
+      </p:sp>
+      <p:sp>
+        <p:nvSpPr>
+          <p:cNvPr id="3" name="Notizenplatzhalter 2"/>
+          <p:cNvSpPr>
+            <a:spLocks noGrp="1"/>
+          </p:cNvSpPr>
+          <p:nvPr>
+            <p:ph type="body" idx="1"/>
+          </p:nvPr>
+        </p:nvSpPr>
+        <p:spPr/>
+        <p:txBody>
+          <a:bodyPr/>
+          <a:lstStyle/>
+          <a:p>
+            <a:r>
+              <a:rPr lang="de-DE" dirty="0" smtClean="0"/>
+              <a:t>Lineares</a:t>
+            </a:r>
+            <a:r>
+              <a:rPr lang="de-DE" baseline="0" dirty="0" smtClean="0"/>
+              <a:t> Vorgehensmodell</a:t>
+            </a:r>
+          </a:p>
+          <a:p>
+            <a:r>
+              <a:rPr lang="de-DE" baseline="0" dirty="0" smtClean="0"/>
+              <a:t>Rücksprung bei Fehlern</a:t>
+            </a:r>
+          </a:p>
+          <a:p>
+            <a:r>
+              <a:rPr lang="de-DE" baseline="0" dirty="0" smtClean="0"/>
+              <a:t>Vier Phasen</a:t>
+            </a:r>
+          </a:p>
+          <a:p>
+            <a:r>
+              <a:rPr lang="de-DE" baseline="0" dirty="0" smtClean="0"/>
+              <a:t>Meilensteine festgelegt, Doku Anhang D</a:t>
+            </a:r>
+          </a:p>
+          <a:p>
+            <a:r>
+              <a:rPr lang="de-DE" baseline="0" dirty="0" smtClean="0"/>
+              <a:t>Zeiten : </a:t>
+            </a:r>
+            <a:r>
+              <a:rPr lang="de-DE" dirty="0" smtClean="0"/>
+              <a:t>Nach meiner Einschätzung durch Erfahrungen</a:t>
+            </a:r>
+            <a:r>
+              <a:rPr lang="de-DE" baseline="0" dirty="0" smtClean="0"/>
+              <a:t> in der </a:t>
+            </a:r>
+            <a:r>
+              <a:rPr lang="de-DE" baseline="0" dirty="0" err="1" smtClean="0"/>
+              <a:t>Ausb</a:t>
+            </a:r>
+            <a:r>
+              <a:rPr lang="de-DE" baseline="0" dirty="0" smtClean="0"/>
+              <a:t>.</a:t>
+            </a:r>
+            <a:endParaRPr lang="de-DE" dirty="0" smtClean="0"/>
+          </a:p>
+          <a:p>
+            <a:endParaRPr lang="de-DE" dirty="0" smtClean="0"/>
+          </a:p>
+          <a:p>
+            <a:r>
+              <a:rPr lang="de-DE" baseline="0" dirty="0" smtClean="0"/>
+              <a:t>Bemerkung:	In der Doku sind die falschen Zeiten eingetragen wurden, diese wurden hier korrigiert.</a:t>
+            </a:r>
+          </a:p>
+        </p:txBody>
+      </p:sp>
+      <p:sp>
+        <p:nvSpPr>
+          <p:cNvPr id="4" name="Foliennummernplatzhalter 3"/>
+          <p:cNvSpPr>
+            <a:spLocks noGrp="1"/>
+          </p:cNvSpPr>
+          <p:nvPr>
+            <p:ph type="sldNum" sz="quarter" idx="10"/>
+          </p:nvPr>
+        </p:nvSpPr>
+        <p:spPr/>
+        <p:txBody>
+          <a:bodyPr/>
+          <a:lstStyle/>
+          <a:p>
+            <a:fld id="{79528780-B50E-4B80-93E6-B6789B46CC7B}" type="slidenum">
+              <a:rPr lang="de-DE" smtClean="0"/>
+              <a:pPr/>
+              <a:t>12</a:t>
+            </a:fld>
+            <a:endParaRPr lang="de-DE" dirty="0"/>
+          </a:p>
+        </p:txBody>
+      </p:sp>
+    </p:spTree>
+    <p:extLst>
+      <p:ext uri="{BB962C8B-B14F-4D97-AF65-F5344CB8AC3E}">
+        <p14:creationId xmlns:p14="http://schemas.microsoft.com/office/powerpoint/2010/main" val="683235205"/>
+      </p:ext>
+    </p:extLst>
+  </p:cSld>
+  <p:clrMapOvr>
+    <a:masterClrMapping/>
+  </p:clrMapOvr>
+</p:notes>
+</file>
+
+<file path=ppt/notesSlides/notesSlide13.xml><?xml version="1.0" encoding="utf-8"?>
+<p:notes xmlns:a="http://schemas.openxmlformats.org/drawingml/2006/main" xmlns:r="http://schemas.openxmlformats.org/officeDocument/2006/relationships" xmlns:p="http://schemas.openxmlformats.org/presentationml/2006/main">
+  <p:cSld>
+    <p:spTree>
+      <p:nvGrpSpPr>
+        <p:cNvPr id="1" name=""/>
+        <p:cNvGrpSpPr/>
+        <p:nvPr/>
+      </p:nvGrpSpPr>
+      <p:grpSpPr>
+        <a:xfrm>
+          <a:off x="0" y="0"/>
+          <a:ext cx="0" cy="0"/>
+          <a:chOff x="0" y="0"/>
+          <a:chExt cx="0" cy="0"/>
+        </a:xfrm>
+      </p:grpSpPr>
+      <p:sp>
+        <p:nvSpPr>
+          <p:cNvPr id="2" name="Folienbildplatzhalter 1"/>
+          <p:cNvSpPr>
+            <a:spLocks noGrp="1" noRot="1" noChangeAspect="1"/>
+          </p:cNvSpPr>
+          <p:nvPr>
+            <p:ph type="sldImg"/>
+          </p:nvPr>
+        </p:nvSpPr>
+        <p:spPr>
+          <a:xfrm>
+            <a:off x="292100" y="704850"/>
+            <a:ext cx="6135688" cy="3452813"/>
+          </a:xfrm>
+        </p:spPr>
+      </p:sp>
+      <p:sp>
+        <p:nvSpPr>
+          <p:cNvPr id="3" name="Notizenplatzhalter 2"/>
+          <p:cNvSpPr>
+            <a:spLocks noGrp="1"/>
+          </p:cNvSpPr>
+          <p:nvPr>
+            <p:ph type="body" idx="1"/>
+          </p:nvPr>
+        </p:nvSpPr>
+        <p:spPr/>
+        <p:txBody>
+          <a:bodyPr/>
+          <a:lstStyle/>
+          <a:p>
+            <a:r>
+              <a:rPr lang="de-DE" dirty="0" smtClean="0"/>
               <a:t>Die Einsparung und den</a:t>
             </a:r>
             <a:r>
@@ -40870,7 +47230,7 @@
             <a:fld id="{79528780-B50E-4B80-93E6-B6789B46CC7B}" type="slidenum">
               <a:rPr lang="de-DE" smtClean="0"/>
               <a:pPr/>
-              <a:t>13</a:t>
+              <a:t>15</a:t>
             </a:fld>
             <a:endParaRPr lang="de-DE" dirty="0"/>
           </a:p>
@@ -40889,7 +47249,7 @@
 </p:notes>
 </file>
 
-<file path=ppt/notesSlides/notesSlide12.xml><?xml version="1.0" encoding="utf-8"?>
+<file path=ppt/notesSlides/notesSlide14.xml><?xml version="1.0" encoding="utf-8"?>
 <p:notes xmlns:a="http://schemas.openxmlformats.org/drawingml/2006/main" xmlns:r="http://schemas.openxmlformats.org/officeDocument/2006/relationships" xmlns:p="http://schemas.openxmlformats.org/presentationml/2006/main">
   <p:cSld>
     <p:spTree>
@@ -40985,7 +47345,7 @@
             <a:fld id="{79528780-B50E-4B80-93E6-B6789B46CC7B}" type="slidenum">
               <a:rPr lang="de-DE" smtClean="0"/>
               <a:pPr/>
-              <a:t>14</a:t>
+              <a:t>16</a:t>
             </a:fld>
             <a:endParaRPr lang="de-DE" dirty="0"/>
           </a:p>
@@ -41004,7 +47364,7 @@
 </p:notes>
 </file>
 
-<file path=ppt/notesSlides/notesSlide13.xml><?xml version="1.0" encoding="utf-8"?>
+<file path=ppt/notesSlides/notesSlide15.xml><?xml version="1.0" encoding="utf-8"?>
 <p:notes xmlns:a="http://schemas.openxmlformats.org/drawingml/2006/main" xmlns:r="http://schemas.openxmlformats.org/officeDocument/2006/relationships" xmlns:p="http://schemas.openxmlformats.org/presentationml/2006/main">
   <p:cSld>
     <p:spTree>
@@ -41128,7 +47488,7 @@
             <a:fld id="{79528780-B50E-4B80-93E6-B6789B46CC7B}" type="slidenum">
               <a:rPr lang="de-DE" smtClean="0"/>
               <a:pPr/>
-              <a:t>15</a:t>
+              <a:t>17</a:t>
             </a:fld>
             <a:endParaRPr lang="de-DE" dirty="0"/>
           </a:p>
@@ -46135,6 +52495,488 @@
       </p:grpSpPr>
       <p:sp>
         <p:nvSpPr>
+          <p:cNvPr id="4" name="Datumsplatzhalter 3"/>
+          <p:cNvSpPr>
+            <a:spLocks noGrp="1"/>
+          </p:cNvSpPr>
+          <p:nvPr>
+            <p:ph type="dt" sz="half" idx="10"/>
+          </p:nvPr>
+        </p:nvSpPr>
+        <p:spPr>
+          <a:xfrm>
+            <a:off x="8114183" y="4732135"/>
+            <a:ext cx="2667000" cy="273844"/>
+          </a:xfrm>
+        </p:spPr>
+        <p:txBody>
+          <a:bodyPr/>
+          <a:lstStyle/>
+          <a:p>
+            <a:fld id="{33F27362-32D2-48DC-8205-207DBEEF7222}" type="datetime1">
+              <a:rPr lang="de-DE"/>
+              <a:pPr/>
+              <a:t>21.06.2016</a:t>
+            </a:fld>
+            <a:endParaRPr lang="de-DE" dirty="0"/>
+          </a:p>
+        </p:txBody>
+      </p:sp>
+      <p:sp>
+        <p:nvSpPr>
+          <p:cNvPr id="5" name="Foliennummernplatzhalter 4"/>
+          <p:cNvSpPr>
+            <a:spLocks noGrp="1"/>
+          </p:cNvSpPr>
+          <p:nvPr>
+            <p:ph type="sldNum" sz="quarter" idx="11"/>
+          </p:nvPr>
+        </p:nvSpPr>
+        <p:spPr>
+          <a:xfrm>
+            <a:off x="2627784" y="4731990"/>
+            <a:ext cx="5421083" cy="273844"/>
+          </a:xfrm>
+        </p:spPr>
+        <p:txBody>
+          <a:bodyPr/>
+          <a:lstStyle/>
+          <a:p>
+            <a:fld id="{6012F48F-F0D1-4E94-9D07-DBF054DC3F46}" type="slidenum">
+              <a:rPr lang="de-DE"/>
+              <a:pPr/>
+              <a:t>11</a:t>
+            </a:fld>
+            <a:endParaRPr lang="de-DE" dirty="0"/>
+          </a:p>
+        </p:txBody>
+      </p:sp>
+      <p:graphicFrame>
+        <p:nvGraphicFramePr>
+          <p:cNvPr id="12" name="Diagramm 11"/>
+          <p:cNvGraphicFramePr/>
+          <p:nvPr>
+            <p:extLst>
+              <p:ext uri="{D42A27DB-BD31-4B8C-83A1-F6EECF244321}">
+                <p14:modId xmlns:p14="http://schemas.microsoft.com/office/powerpoint/2010/main" val="1522360759"/>
+              </p:ext>
+            </p:extLst>
+          </p:nvPr>
+        </p:nvGraphicFramePr>
+        <p:xfrm>
+          <a:off x="106940" y="1419622"/>
+          <a:ext cx="1008676" cy="3643441"/>
+        </p:xfrm>
+        <a:graphic>
+          <a:graphicData uri="http://schemas.openxmlformats.org/drawingml/2006/diagram">
+            <dgm:relIds xmlns:dgm="http://schemas.openxmlformats.org/drawingml/2006/diagram" xmlns:r="http://schemas.openxmlformats.org/officeDocument/2006/relationships" r:dm="rId3" r:lo="rId4" r:qs="rId5" r:cs="rId6"/>
+          </a:graphicData>
+        </a:graphic>
+      </p:graphicFrame>
+      <p:sp>
+        <p:nvSpPr>
+          <p:cNvPr id="2" name="Titel 1"/>
+          <p:cNvSpPr>
+            <a:spLocks noGrp="1"/>
+          </p:cNvSpPr>
+          <p:nvPr>
+            <p:ph type="title"/>
+          </p:nvPr>
+        </p:nvSpPr>
+        <p:spPr/>
+        <p:txBody>
+          <a:bodyPr>
+            <a:normAutofit/>
+          </a:bodyPr>
+          <a:lstStyle/>
+          <a:p>
+            <a:r>
+              <a:rPr lang="de-DE" dirty="0" smtClean="0"/>
+              <a:t>Technologien</a:t>
+            </a:r>
+            <a:endParaRPr lang="de-DE" dirty="0"/>
+          </a:p>
+        </p:txBody>
+      </p:sp>
+      <p:sp>
+        <p:nvSpPr>
+          <p:cNvPr id="8" name="Textfeld 7"/>
+          <p:cNvSpPr txBox="1"/>
+          <p:nvPr/>
+        </p:nvSpPr>
+        <p:spPr>
+          <a:xfrm>
+            <a:off x="2195736" y="1779662"/>
+            <a:ext cx="6336704" cy="1754326"/>
+          </a:xfrm>
+          <a:prstGeom prst="rect">
+            <a:avLst/>
+          </a:prstGeom>
+          <a:noFill/>
+        </p:spPr>
+        <p:txBody>
+          <a:bodyPr wrap="square" rtlCol="0">
+            <a:spAutoFit/>
+          </a:bodyPr>
+          <a:lstStyle/>
+          <a:p>
+            <a:pPr marL="285750" indent="-285750">
+              <a:buFont typeface="Arial" panose="020B0604020202020204" pitchFamily="34" charset="0"/>
+              <a:buChar char="•"/>
+            </a:pPr>
+            <a:r>
+              <a:rPr lang="de-DE" dirty="0" smtClean="0"/>
+              <a:t>Programmiersprache: C#</a:t>
+            </a:r>
+          </a:p>
+          <a:p>
+            <a:pPr marL="285750" indent="-285750">
+              <a:buFont typeface="Arial" panose="020B0604020202020204" pitchFamily="34" charset="0"/>
+              <a:buChar char="•"/>
+            </a:pPr>
+            <a:r>
+              <a:rPr lang="de-DE" dirty="0" smtClean="0"/>
+              <a:t>Benutzeroberfläche: Windows </a:t>
+            </a:r>
+            <a:r>
+              <a:rPr lang="de-DE" dirty="0" err="1" smtClean="0"/>
+              <a:t>Presentation</a:t>
+            </a:r>
+            <a:r>
+              <a:rPr lang="de-DE" dirty="0" smtClean="0"/>
+              <a:t> </a:t>
+            </a:r>
+            <a:r>
+              <a:rPr lang="de-DE" dirty="0" err="1" smtClean="0"/>
+              <a:t>Foundation</a:t>
+            </a:r>
+            <a:endParaRPr lang="de-DE" dirty="0" smtClean="0"/>
+          </a:p>
+          <a:p>
+            <a:pPr marL="285750" indent="-285750">
+              <a:buFont typeface="Arial" panose="020B0604020202020204" pitchFamily="34" charset="0"/>
+              <a:buChar char="•"/>
+            </a:pPr>
+            <a:r>
+              <a:rPr lang="de-DE" dirty="0" smtClean="0"/>
+              <a:t>Datenbank: SQL-Server 2012</a:t>
+            </a:r>
+          </a:p>
+          <a:p>
+            <a:pPr marL="285750" indent="-285750">
+              <a:buFont typeface="Arial" panose="020B0604020202020204" pitchFamily="34" charset="0"/>
+              <a:buChar char="•"/>
+            </a:pPr>
+            <a:endParaRPr lang="de-DE" dirty="0"/>
+          </a:p>
+          <a:p>
+            <a:pPr marL="285750" indent="-285750">
+              <a:buFont typeface="Arial" panose="020B0604020202020204" pitchFamily="34" charset="0"/>
+              <a:buChar char="•"/>
+            </a:pPr>
+            <a:r>
+              <a:rPr lang="de-DE" dirty="0" smtClean="0"/>
+              <a:t>IDE: Microsoft Visual Studio 2013, Microsoft </a:t>
+            </a:r>
+            <a:r>
+              <a:rPr lang="de-DE" dirty="0" err="1" smtClean="0"/>
+              <a:t>Sql</a:t>
+            </a:r>
+            <a:r>
+              <a:rPr lang="de-DE" dirty="0" smtClean="0"/>
+              <a:t> Server Management Studio</a:t>
+            </a:r>
+            <a:endParaRPr lang="de-DE" dirty="0"/>
+          </a:p>
+        </p:txBody>
+      </p:sp>
+    </p:spTree>
+    <p:extLst>
+      <p:ext uri="{BB962C8B-B14F-4D97-AF65-F5344CB8AC3E}">
+        <p14:creationId xmlns:p14="http://schemas.microsoft.com/office/powerpoint/2010/main" val="4182171968"/>
+      </p:ext>
+    </p:extLst>
+  </p:cSld>
+  <p:clrMapOvr>
+    <a:masterClrMapping/>
+  </p:clrMapOvr>
+  <mc:AlternateContent xmlns:mc="http://schemas.openxmlformats.org/markup-compatibility/2006" xmlns:p14="http://schemas.microsoft.com/office/powerpoint/2010/main">
+    <mc:Choice Requires="p14">
+      <p:transition p14:dur="100">
+        <p:cut/>
+      </p:transition>
+    </mc:Choice>
+    <mc:Fallback xmlns="">
+      <p:transition>
+        <p:cut/>
+      </p:transition>
+    </mc:Fallback>
+  </mc:AlternateContent>
+  <p:timing>
+    <p:tnLst>
+      <p:par>
+        <p:cTn id="1" dur="indefinite" restart="never" nodeType="tmRoot"/>
+      </p:par>
+    </p:tnLst>
+  </p:timing>
+</p:sld>
+</file>
+
+<file path=ppt/slides/slide12.xml><?xml version="1.0" encoding="utf-8"?>
+<p:sld xmlns:a="http://schemas.openxmlformats.org/drawingml/2006/main" xmlns:r="http://schemas.openxmlformats.org/officeDocument/2006/relationships" xmlns:p="http://schemas.openxmlformats.org/presentationml/2006/main">
+  <p:cSld>
+    <p:spTree>
+      <p:nvGrpSpPr>
+        <p:cNvPr id="1" name=""/>
+        <p:cNvGrpSpPr/>
+        <p:nvPr/>
+      </p:nvGrpSpPr>
+      <p:grpSpPr>
+        <a:xfrm>
+          <a:off x="0" y="0"/>
+          <a:ext cx="0" cy="0"/>
+          <a:chOff x="0" y="0"/>
+          <a:chExt cx="0" cy="0"/>
+        </a:xfrm>
+      </p:grpSpPr>
+      <p:sp>
+        <p:nvSpPr>
+          <p:cNvPr id="4" name="Datumsplatzhalter 3"/>
+          <p:cNvSpPr>
+            <a:spLocks noGrp="1"/>
+          </p:cNvSpPr>
+          <p:nvPr>
+            <p:ph type="dt" sz="half" idx="10"/>
+          </p:nvPr>
+        </p:nvSpPr>
+        <p:spPr>
+          <a:xfrm>
+            <a:off x="8114183" y="4732135"/>
+            <a:ext cx="2667000" cy="273844"/>
+          </a:xfrm>
+        </p:spPr>
+        <p:txBody>
+          <a:bodyPr/>
+          <a:lstStyle/>
+          <a:p>
+            <a:fld id="{33F27362-32D2-48DC-8205-207DBEEF7222}" type="datetime1">
+              <a:rPr lang="de-DE"/>
+              <a:pPr/>
+              <a:t>21.06.2016</a:t>
+            </a:fld>
+            <a:endParaRPr lang="de-DE" dirty="0"/>
+          </a:p>
+        </p:txBody>
+      </p:sp>
+      <p:sp>
+        <p:nvSpPr>
+          <p:cNvPr id="5" name="Foliennummernplatzhalter 4"/>
+          <p:cNvSpPr>
+            <a:spLocks noGrp="1"/>
+          </p:cNvSpPr>
+          <p:nvPr>
+            <p:ph type="sldNum" sz="quarter" idx="11"/>
+          </p:nvPr>
+        </p:nvSpPr>
+        <p:spPr>
+          <a:xfrm>
+            <a:off x="2627784" y="4731990"/>
+            <a:ext cx="5421083" cy="273844"/>
+          </a:xfrm>
+        </p:spPr>
+        <p:txBody>
+          <a:bodyPr/>
+          <a:lstStyle/>
+          <a:p>
+            <a:fld id="{6012F48F-F0D1-4E94-9D07-DBF054DC3F46}" type="slidenum">
+              <a:rPr lang="de-DE"/>
+              <a:pPr/>
+              <a:t>12</a:t>
+            </a:fld>
+            <a:endParaRPr lang="de-DE" dirty="0"/>
+          </a:p>
+        </p:txBody>
+      </p:sp>
+      <p:graphicFrame>
+        <p:nvGraphicFramePr>
+          <p:cNvPr id="12" name="Diagramm 11"/>
+          <p:cNvGraphicFramePr/>
+          <p:nvPr>
+            <p:extLst>
+              <p:ext uri="{D42A27DB-BD31-4B8C-83A1-F6EECF244321}">
+                <p14:modId xmlns:p14="http://schemas.microsoft.com/office/powerpoint/2010/main" val="3902666087"/>
+              </p:ext>
+            </p:extLst>
+          </p:nvPr>
+        </p:nvGraphicFramePr>
+        <p:xfrm>
+          <a:off x="106940" y="1419622"/>
+          <a:ext cx="1008676" cy="3643441"/>
+        </p:xfrm>
+        <a:graphic>
+          <a:graphicData uri="http://schemas.openxmlformats.org/drawingml/2006/diagram">
+            <dgm:relIds xmlns:dgm="http://schemas.openxmlformats.org/drawingml/2006/diagram" xmlns:r="http://schemas.openxmlformats.org/officeDocument/2006/relationships" r:dm="rId3" r:lo="rId4" r:qs="rId5" r:cs="rId6"/>
+          </a:graphicData>
+        </a:graphic>
+      </p:graphicFrame>
+      <p:sp>
+        <p:nvSpPr>
+          <p:cNvPr id="2" name="Titel 1"/>
+          <p:cNvSpPr>
+            <a:spLocks noGrp="1"/>
+          </p:cNvSpPr>
+          <p:nvPr>
+            <p:ph type="title"/>
+          </p:nvPr>
+        </p:nvSpPr>
+        <p:spPr/>
+        <p:txBody>
+          <a:bodyPr>
+            <a:normAutofit/>
+          </a:bodyPr>
+          <a:lstStyle/>
+          <a:p>
+            <a:r>
+              <a:rPr lang="de-DE" dirty="0" smtClean="0"/>
+              <a:t>Werkzeuge</a:t>
+            </a:r>
+            <a:endParaRPr lang="de-DE" dirty="0"/>
+          </a:p>
+        </p:txBody>
+      </p:sp>
+      <p:sp>
+        <p:nvSpPr>
+          <p:cNvPr id="3" name="Textfeld 2"/>
+          <p:cNvSpPr txBox="1"/>
+          <p:nvPr/>
+        </p:nvSpPr>
+        <p:spPr>
+          <a:xfrm>
+            <a:off x="1691680" y="1707654"/>
+            <a:ext cx="7128792" cy="1477328"/>
+          </a:xfrm>
+          <a:prstGeom prst="rect">
+            <a:avLst/>
+          </a:prstGeom>
+          <a:noFill/>
+        </p:spPr>
+        <p:txBody>
+          <a:bodyPr wrap="square" rtlCol="0">
+            <a:spAutoFit/>
+          </a:bodyPr>
+          <a:lstStyle/>
+          <a:p>
+            <a:pPr marL="285750" indent="-285750">
+              <a:buFont typeface="Arial" panose="020B0604020202020204" pitchFamily="34" charset="0"/>
+              <a:buChar char="•"/>
+            </a:pPr>
+            <a:r>
+              <a:rPr lang="de-DE" dirty="0" smtClean="0"/>
+              <a:t>Objektorientierte Analyse/Design</a:t>
+            </a:r>
+          </a:p>
+          <a:p>
+            <a:pPr marL="285750" indent="-285750">
+              <a:buFont typeface="Arial" panose="020B0604020202020204" pitchFamily="34" charset="0"/>
+              <a:buChar char="•"/>
+            </a:pPr>
+            <a:r>
+              <a:rPr lang="de-DE" dirty="0" smtClean="0"/>
+              <a:t>Top-Down-Verfahren</a:t>
+            </a:r>
+          </a:p>
+          <a:p>
+            <a:pPr marL="285750" indent="-285750">
+              <a:buFont typeface="Arial" panose="020B0604020202020204" pitchFamily="34" charset="0"/>
+              <a:buChar char="•"/>
+            </a:pPr>
+            <a:r>
+              <a:rPr lang="de-DE" dirty="0" smtClean="0"/>
+              <a:t>Design Patterns:</a:t>
+            </a:r>
+          </a:p>
+          <a:p>
+            <a:pPr marL="742950" lvl="1" indent="-285750">
+              <a:buFont typeface="Arial" panose="020B0604020202020204" pitchFamily="34" charset="0"/>
+              <a:buChar char="•"/>
+            </a:pPr>
+            <a:r>
+              <a:rPr lang="de-DE" dirty="0" smtClean="0"/>
+              <a:t>Model-View-</a:t>
+            </a:r>
+            <a:r>
+              <a:rPr lang="de-DE" dirty="0" err="1" smtClean="0"/>
+              <a:t>ViewModel</a:t>
+            </a:r>
+            <a:r>
+              <a:rPr lang="de-DE" dirty="0" smtClean="0"/>
+              <a:t> Pattern (GUI)</a:t>
+            </a:r>
+          </a:p>
+          <a:p>
+            <a:pPr marL="742950" lvl="1" indent="-285750">
+              <a:buFont typeface="Arial" panose="020B0604020202020204" pitchFamily="34" charset="0"/>
+              <a:buChar char="•"/>
+            </a:pPr>
+            <a:r>
+              <a:rPr lang="de-DE" dirty="0" smtClean="0"/>
+              <a:t>Repository-Pattern (Backend)</a:t>
+            </a:r>
+            <a:endParaRPr lang="de-DE" dirty="0"/>
+          </a:p>
+        </p:txBody>
+      </p:sp>
+    </p:spTree>
+    <p:extLst>
+      <p:ext uri="{BB962C8B-B14F-4D97-AF65-F5344CB8AC3E}">
+        <p14:creationId xmlns:p14="http://schemas.microsoft.com/office/powerpoint/2010/main" val="150021147"/>
+      </p:ext>
+    </p:extLst>
+  </p:cSld>
+  <p:clrMapOvr>
+    <a:masterClrMapping/>
+  </p:clrMapOvr>
+  <mc:AlternateContent xmlns:mc="http://schemas.openxmlformats.org/markup-compatibility/2006" xmlns:p14="http://schemas.microsoft.com/office/powerpoint/2010/main">
+    <mc:Choice Requires="p14">
+      <p:transition p14:dur="100">
+        <p:cut/>
+      </p:transition>
+    </mc:Choice>
+    <mc:Fallback xmlns="">
+      <p:transition>
+        <p:cut/>
+      </p:transition>
+    </mc:Fallback>
+  </mc:AlternateContent>
+  <p:timing>
+    <p:tnLst>
+      <p:par>
+        <p:cTn id="1" dur="indefinite" restart="never" nodeType="tmRoot"/>
+      </p:par>
+    </p:tnLst>
+  </p:timing>
+</p:sld>
+</file>
+
+<file path=ppt/slides/slide13.xml><?xml version="1.0" encoding="utf-8"?>
+<p:sld xmlns:a="http://schemas.openxmlformats.org/drawingml/2006/main" xmlns:r="http://schemas.openxmlformats.org/officeDocument/2006/relationships" xmlns:p="http://schemas.openxmlformats.org/presentationml/2006/main">
+  <p:cSld>
+    <p:spTree>
+      <p:nvGrpSpPr>
+        <p:cNvPr id="1" name=""/>
+        <p:cNvGrpSpPr/>
+        <p:nvPr/>
+      </p:nvGrpSpPr>
+      <p:grpSpPr>
+        <a:xfrm>
+          <a:off x="0" y="0"/>
+          <a:ext cx="0" cy="0"/>
+          <a:chOff x="0" y="0"/>
+          <a:chExt cx="0" cy="0"/>
+        </a:xfrm>
+      </p:grpSpPr>
+      <p:sp>
+        <p:nvSpPr>
           <p:cNvPr id="2" name="Titel 1"/>
           <p:cNvSpPr>
             <a:spLocks noGrp="1"/>
@@ -46341,7 +53183,7 @@
 </p:sld>
 </file>
 
-<file path=ppt/slides/slide12.xml><?xml version="1.0" encoding="utf-8"?>
+<file path=ppt/slides/slide14.xml><?xml version="1.0" encoding="utf-8"?>
 <p:sld xmlns:a="http://schemas.openxmlformats.org/drawingml/2006/main" xmlns:r="http://schemas.openxmlformats.org/officeDocument/2006/relationships" xmlns:p="http://schemas.openxmlformats.org/presentationml/2006/main">
   <p:cSld>
     <p:spTree>
@@ -46541,7 +53383,7 @@
 </p:sld>
 </file>
 
-<file path=ppt/slides/slide13.xml><?xml version="1.0" encoding="utf-8"?>
+<file path=ppt/slides/slide15.xml><?xml version="1.0" encoding="utf-8"?>
 <p:sld xmlns:a="http://schemas.openxmlformats.org/drawingml/2006/main" xmlns:r="http://schemas.openxmlformats.org/officeDocument/2006/relationships" xmlns:p="http://schemas.openxmlformats.org/presentationml/2006/main">
   <p:cSld>
     <p:spTree>
@@ -46610,7 +53452,7 @@
             <a:fld id="{6012F48F-F0D1-4E94-9D07-DBF054DC3F46}" type="slidenum">
               <a:rPr lang="de-DE"/>
               <a:pPr/>
-              <a:t>13</a:t>
+              <a:t>15</a:t>
             </a:fld>
             <a:endParaRPr lang="de-DE" dirty="0"/>
           </a:p>
@@ -48006,7 +54848,7 @@
 </p:sld>
 </file>
 
-<file path=ppt/slides/slide14.xml><?xml version="1.0" encoding="utf-8"?>
+<file path=ppt/slides/slide16.xml><?xml version="1.0" encoding="utf-8"?>
 <p:sld xmlns:a="http://schemas.openxmlformats.org/drawingml/2006/main" xmlns:r="http://schemas.openxmlformats.org/officeDocument/2006/relationships" xmlns:p="http://schemas.openxmlformats.org/presentationml/2006/main">
   <p:cSld>
     <p:spTree>
@@ -48075,7 +54917,7 @@
             <a:fld id="{6012F48F-F0D1-4E94-9D07-DBF054DC3F46}" type="slidenum">
               <a:rPr lang="de-DE"/>
               <a:pPr/>
-              <a:t>14</a:t>
+              <a:t>16</a:t>
             </a:fld>
             <a:endParaRPr lang="de-DE" dirty="0"/>
           </a:p>
@@ -48953,7 +55795,7 @@
 </p:sld>
 </file>
 
-<file path=ppt/slides/slide15.xml><?xml version="1.0" encoding="utf-8"?>
+<file path=ppt/slides/slide17.xml><?xml version="1.0" encoding="utf-8"?>
 <p:sld xmlns:a="http://schemas.openxmlformats.org/drawingml/2006/main" xmlns:r="http://schemas.openxmlformats.org/officeDocument/2006/relationships" xmlns:p="http://schemas.openxmlformats.org/presentationml/2006/main">
   <p:cSld>
     <p:spTree>
@@ -49022,7 +55864,7 @@
             <a:fld id="{6012F48F-F0D1-4E94-9D07-DBF054DC3F46}" type="slidenum">
               <a:rPr lang="de-DE"/>
               <a:pPr/>
-              <a:t>15</a:t>
+              <a:t>17</a:t>
             </a:fld>
             <a:endParaRPr lang="de-DE" dirty="0"/>
           </a:p>
